--- a/Präsentation/t2000.pptx
+++ b/Präsentation/t2000.pptx
@@ -5,10 +5,10 @@
     <p:sldMasterId id="2147483649" r:id="rId1"/>
   </p:sldMasterIdLst>
   <p:notesMasterIdLst>
-    <p:notesMasterId r:id="rId9"/>
+    <p:notesMasterId r:id="rId12"/>
   </p:notesMasterIdLst>
   <p:handoutMasterIdLst>
-    <p:handoutMasterId r:id="rId10"/>
+    <p:handoutMasterId r:id="rId13"/>
   </p:handoutMasterIdLst>
   <p:sldIdLst>
     <p:sldId id="333" r:id="rId2"/>
@@ -18,11 +18,14 @@
     <p:sldId id="339" r:id="rId6"/>
     <p:sldId id="340" r:id="rId7"/>
     <p:sldId id="336" r:id="rId8"/>
+    <p:sldId id="342" r:id="rId9"/>
+    <p:sldId id="343" r:id="rId10"/>
+    <p:sldId id="341" r:id="rId11"/>
   </p:sldIdLst>
   <p:sldSz cx="9901238" cy="6858000"/>
   <p:notesSz cx="6797675" cy="9926638"/>
   <p:custDataLst>
-    <p:tags r:id="rId11"/>
+    <p:tags r:id="rId14"/>
   </p:custDataLst>
   <p:defaultTextStyle>
     <a:defPPr>
@@ -149,7 +152,47 @@
       </a:defRPr>
     </a:lvl9pPr>
   </p:defaultTextStyle>
+  <p:extLst>
+    <p:ext uri="{EFAFB233-063F-42B5-8137-9DF3F51BA10A}">
+      <p15:sldGuideLst xmlns:p15="http://schemas.microsoft.com/office/powerpoint/2012/main">
+        <p15:guide id="1" orient="horz" pos="799">
+          <p15:clr>
+            <a:srgbClr val="A4A3A4"/>
+          </p15:clr>
+        </p15:guide>
+        <p15:guide id="2" orient="horz" pos="4065">
+          <p15:clr>
+            <a:srgbClr val="A4A3A4"/>
+          </p15:clr>
+        </p15:guide>
+        <p15:guide id="3" pos="3077">
+          <p15:clr>
+            <a:srgbClr val="A4A3A4"/>
+          </p15:clr>
+        </p15:guide>
+        <p15:guide id="4" pos="6112">
+          <p15:clr>
+            <a:srgbClr val="A4A3A4"/>
+          </p15:clr>
+        </p15:guide>
+        <p15:guide id="5" pos="124">
+          <p15:clr>
+            <a:srgbClr val="A4A3A4"/>
+          </p15:clr>
+        </p15:guide>
+        <p15:guide id="6" pos="3167">
+          <p15:clr>
+            <a:srgbClr val="A4A3A4"/>
+          </p15:clr>
+        </p15:guide>
+      </p15:sldGuideLst>
+    </p:ext>
+  </p:extLst>
 </p:presentation>
+</file>
+
+<file path=ppt/revisionInfo.xml><?xml version="1.0" encoding="utf-8"?>
+<p1510:revInfo xmlns:a="http://schemas.openxmlformats.org/drawingml/2006/main" xmlns:r="http://schemas.openxmlformats.org/officeDocument/2006/relationships" xmlns:p1510="http://schemas.microsoft.com/office/powerpoint/2015/10/main"/>
 </file>
 
 <file path=ppt/handoutMasters/handoutMaster1.xml><?xml version="1.0" encoding="utf-8"?>
@@ -732,35 +775,35 @@
           <a:p>
             <a:pPr lvl="0"/>
             <a:r>
-              <a:rPr lang="de-DE" altLang="de-DE" smtClean="0"/>
+              <a:rPr lang="de-DE" altLang="de-DE"/>
               <a:t>Klicken Sie, um die Formate des Vorlagentextes zu bearbeiten</a:t>
             </a:r>
           </a:p>
           <a:p>
             <a:pPr lvl="1"/>
             <a:r>
-              <a:rPr lang="de-DE" altLang="de-DE" smtClean="0"/>
+              <a:rPr lang="de-DE" altLang="de-DE"/>
               <a:t>Zweite Ebene</a:t>
             </a:r>
           </a:p>
           <a:p>
             <a:pPr lvl="2"/>
             <a:r>
-              <a:rPr lang="de-DE" altLang="de-DE" smtClean="0"/>
+              <a:rPr lang="de-DE" altLang="de-DE"/>
               <a:t>Dritte Ebene</a:t>
             </a:r>
           </a:p>
           <a:p>
             <a:pPr lvl="3"/>
             <a:r>
-              <a:rPr lang="de-DE" altLang="de-DE" smtClean="0"/>
+              <a:rPr lang="de-DE" altLang="de-DE"/>
               <a:t>Vierte Ebene</a:t>
             </a:r>
           </a:p>
           <a:p>
             <a:pPr lvl="4"/>
             <a:r>
-              <a:rPr lang="de-DE" altLang="de-DE" smtClean="0"/>
+              <a:rPr lang="de-DE" altLang="de-DE"/>
               <a:t>Fünfte Ebene</a:t>
             </a:r>
           </a:p>
@@ -1180,7 +1223,7 @@
           <a:bodyPr/>
           <a:lstStyle/>
           <a:p>
-            <a:endParaRPr lang="de-DE" altLang="de-DE" smtClean="0"/>
+            <a:endParaRPr lang="de-DE" altLang="de-DE"/>
           </a:p>
         </p:txBody>
       </p:sp>
@@ -1449,10 +1492,9 @@
           </a:lstStyle>
           <a:p>
             <a:r>
-              <a:rPr lang="de-DE" dirty="0" smtClean="0"/>
+              <a:rPr lang="de-DE" dirty="0"/>
               <a:t>Titelmasterformat durch Klicken bearbeiten</a:t>
             </a:r>
-            <a:endParaRPr lang="de-DE" dirty="0"/>
           </a:p>
         </p:txBody>
       </p:sp>
@@ -1566,10 +1608,9 @@
           </a:lstStyle>
           <a:p>
             <a:r>
-              <a:rPr lang="de-DE" dirty="0" smtClean="0"/>
+              <a:rPr lang="de-DE" dirty="0"/>
               <a:t>Formatvorlage des Untertitelmasters durch Klicken bearbeiten</a:t>
             </a:r>
-            <a:endParaRPr lang="de-DE" dirty="0"/>
           </a:p>
         </p:txBody>
       </p:sp>
@@ -1626,7 +1667,7 @@
               <a:buNone/>
             </a:pPr>
             <a:r>
-              <a:rPr lang="de-DE" sz="1200" b="1" u="none" dirty="0" smtClean="0">
+              <a:rPr lang="de-DE" sz="1200" b="1" u="none" dirty="0">
                 <a:solidFill>
                   <a:schemeClr val="tx1"/>
                 </a:solidFill>
@@ -1644,11 +1685,11 @@
               <a:buNone/>
             </a:pPr>
             <a:r>
-              <a:rPr lang="de-DE" sz="1200" b="0" u="none" dirty="0" smtClean="0"/>
+              <a:rPr lang="de-DE" sz="1200" b="0" u="none" dirty="0"/>
               <a:t>Für</a:t>
             </a:r>
             <a:r>
-              <a:rPr lang="de-DE" sz="1200" b="0" u="none" baseline="0" dirty="0" smtClean="0"/>
+              <a:rPr lang="de-DE" sz="1200" b="0" u="none" baseline="0" dirty="0"/>
               <a:t> externe Präsentationen bitte immer eine Titelfolie mit der Ressort-Farbe verwenden.</a:t>
             </a:r>
             <a:endParaRPr lang="de-DE" sz="1200" b="0" u="none" dirty="0"/>
@@ -1665,13 +1706,6 @@
   <p:clrMapOvr>
     <a:masterClrMapping/>
   </p:clrMapOvr>
-  <p:timing>
-    <p:tnLst>
-      <p:par>
-        <p:cTn id="1" dur="indefinite" restart="never" nodeType="tmRoot"/>
-      </p:par>
-    </p:tnLst>
-  </p:timing>
 </p:sldLayout>
 </file>
 
@@ -1744,7 +1778,7 @@
               <a:buNone/>
               <a:tabLst/>
             </a:pPr>
-            <a:endParaRPr kumimoji="0" lang="de-DE" sz="1600" b="0" i="0" u="none" strike="noStrike" cap="none" normalizeH="0" baseline="0" dirty="0" err="1" smtClean="0">
+            <a:endParaRPr kumimoji="0" lang="de-DE" sz="1600" b="0" i="0" u="none" strike="noStrike" cap="none" normalizeH="0" baseline="0" dirty="0" err="1">
               <a:ln>
                 <a:noFill/>
               </a:ln>
@@ -1773,10 +1807,9 @@
           <a:lstStyle/>
           <a:p>
             <a:r>
-              <a:rPr lang="de-DE" dirty="0" smtClean="0"/>
+              <a:rPr lang="de-DE" dirty="0"/>
               <a:t>Titelmasterformat durch Klicken bearbeiten</a:t>
             </a:r>
-            <a:endParaRPr lang="de-DE" dirty="0"/>
           </a:p>
         </p:txBody>
       </p:sp>
@@ -1855,38 +1888,37 @@
           <a:p>
             <a:pPr lvl="0"/>
             <a:r>
-              <a:rPr lang="de-DE" dirty="0" smtClean="0"/>
+              <a:rPr lang="de-DE" dirty="0"/>
               <a:t>Textmasterformat bearbeiten</a:t>
             </a:r>
           </a:p>
           <a:p>
             <a:pPr lvl="1"/>
             <a:r>
-              <a:rPr lang="de-DE" dirty="0" smtClean="0"/>
+              <a:rPr lang="de-DE" dirty="0"/>
               <a:t>Zweite Ebene</a:t>
             </a:r>
           </a:p>
           <a:p>
             <a:pPr lvl="2"/>
             <a:r>
-              <a:rPr lang="de-DE" dirty="0" smtClean="0"/>
+              <a:rPr lang="de-DE" dirty="0"/>
               <a:t>Dritte Ebene</a:t>
             </a:r>
           </a:p>
           <a:p>
             <a:pPr lvl="3"/>
             <a:r>
-              <a:rPr lang="de-DE" dirty="0" smtClean="0"/>
+              <a:rPr lang="de-DE" dirty="0"/>
               <a:t>Vierte Ebene</a:t>
             </a:r>
           </a:p>
           <a:p>
             <a:pPr lvl="4"/>
             <a:r>
-              <a:rPr lang="de-DE" dirty="0" smtClean="0"/>
+              <a:rPr lang="de-DE" dirty="0"/>
               <a:t>Fünfte Ebene</a:t>
             </a:r>
-            <a:endParaRPr lang="de-DE" dirty="0"/>
           </a:p>
         </p:txBody>
       </p:sp>
@@ -1965,38 +1997,37 @@
           <a:p>
             <a:pPr lvl="0"/>
             <a:r>
-              <a:rPr lang="de-DE" dirty="0" smtClean="0"/>
+              <a:rPr lang="de-DE" dirty="0"/>
               <a:t>Textmasterformat bearbeiten</a:t>
             </a:r>
           </a:p>
           <a:p>
             <a:pPr lvl="1"/>
             <a:r>
-              <a:rPr lang="de-DE" dirty="0" smtClean="0"/>
+              <a:rPr lang="de-DE" dirty="0"/>
               <a:t>Zweite Ebene</a:t>
             </a:r>
           </a:p>
           <a:p>
             <a:pPr lvl="2"/>
             <a:r>
-              <a:rPr lang="de-DE" dirty="0" smtClean="0"/>
+              <a:rPr lang="de-DE" dirty="0"/>
               <a:t>Dritte Ebene</a:t>
             </a:r>
           </a:p>
           <a:p>
             <a:pPr lvl="3"/>
             <a:r>
-              <a:rPr lang="de-DE" dirty="0" smtClean="0"/>
+              <a:rPr lang="de-DE" dirty="0"/>
               <a:t>Vierte Ebene</a:t>
             </a:r>
           </a:p>
           <a:p>
             <a:pPr lvl="4"/>
             <a:r>
-              <a:rPr lang="de-DE" dirty="0" smtClean="0"/>
+              <a:rPr lang="de-DE" dirty="0"/>
               <a:t>Fünfte Ebene</a:t>
             </a:r>
-            <a:endParaRPr lang="de-DE" dirty="0"/>
           </a:p>
         </p:txBody>
       </p:sp>
@@ -2065,7 +2096,7 @@
           </a:lstStyle>
           <a:p>
             <a:r>
-              <a:rPr lang="de-DE" altLang="de-DE" smtClean="0"/>
+              <a:rPr lang="de-DE" altLang="de-DE"/>
               <a:t>Firma | Referent | Abteilung | 13.05.2015</a:t>
             </a:r>
             <a:endParaRPr lang="de-DE" altLang="de-DE" dirty="0"/>
@@ -2156,13 +2187,6 @@
   <p:clrMapOvr>
     <a:masterClrMapping/>
   </p:clrMapOvr>
-  <p:timing>
-    <p:tnLst>
-      <p:par>
-        <p:cTn id="1" dur="indefinite" restart="never" nodeType="tmRoot"/>
-      </p:par>
-    </p:tnLst>
-  </p:timing>
 </p:sldLayout>
 </file>
 
@@ -2235,7 +2259,7 @@
               <a:buNone/>
               <a:tabLst/>
             </a:pPr>
-            <a:endParaRPr kumimoji="0" lang="de-DE" sz="1600" b="0" i="0" u="none" strike="noStrike" cap="none" normalizeH="0" baseline="0" dirty="0" err="1" smtClean="0">
+            <a:endParaRPr kumimoji="0" lang="de-DE" sz="1600" b="0" i="0" u="none" strike="noStrike" cap="none" normalizeH="0" baseline="0" dirty="0" err="1">
               <a:ln>
                 <a:noFill/>
               </a:ln>
@@ -2264,10 +2288,9 @@
           <a:lstStyle/>
           <a:p>
             <a:r>
-              <a:rPr lang="de-DE" dirty="0" smtClean="0"/>
+              <a:rPr lang="de-DE" dirty="0"/>
               <a:t>Titelmasterformat durch Klicken bearbeiten</a:t>
             </a:r>
-            <a:endParaRPr lang="de-DE" dirty="0"/>
           </a:p>
         </p:txBody>
       </p:sp>
@@ -2336,7 +2359,7 @@
           </a:lstStyle>
           <a:p>
             <a:r>
-              <a:rPr lang="de-DE" altLang="de-DE" smtClean="0"/>
+              <a:rPr lang="de-DE" altLang="de-DE"/>
               <a:t>Firma | Referent | Abteilung | 13.05.2015</a:t>
             </a:r>
             <a:endParaRPr lang="de-DE" altLang="de-DE" dirty="0"/>
@@ -2439,35 +2462,35 @@
           <a:p>
             <a:pPr lvl="0"/>
             <a:r>
-              <a:rPr lang="de-DE" dirty="0" smtClean="0"/>
+              <a:rPr lang="de-DE" dirty="0"/>
               <a:t>Textmasterformat bearbeiten</a:t>
             </a:r>
           </a:p>
           <a:p>
             <a:pPr lvl="1"/>
             <a:r>
-              <a:rPr lang="de-DE" dirty="0" smtClean="0"/>
+              <a:rPr lang="de-DE" dirty="0"/>
               <a:t>Zweite Ebene</a:t>
             </a:r>
           </a:p>
           <a:p>
             <a:pPr lvl="2"/>
             <a:r>
-              <a:rPr lang="de-DE" dirty="0" smtClean="0"/>
+              <a:rPr lang="de-DE" dirty="0"/>
               <a:t>Dritte Ebene</a:t>
             </a:r>
           </a:p>
           <a:p>
             <a:pPr lvl="3"/>
             <a:r>
-              <a:rPr lang="de-DE" dirty="0" smtClean="0"/>
+              <a:rPr lang="de-DE" dirty="0"/>
               <a:t>Vierte Ebene</a:t>
             </a:r>
           </a:p>
           <a:p>
             <a:pPr lvl="4"/>
             <a:r>
-              <a:rPr lang="de-DE" dirty="0" smtClean="0"/>
+              <a:rPr lang="de-DE" dirty="0"/>
               <a:t>Fünfte Ebene</a:t>
             </a:r>
             <a:endParaRPr lang="en-US" dirty="0"/>
@@ -2496,35 +2519,35 @@
           <a:p>
             <a:pPr lvl="0"/>
             <a:r>
-              <a:rPr lang="de-DE" dirty="0" smtClean="0"/>
+              <a:rPr lang="de-DE" dirty="0"/>
               <a:t>Textmasterformat bearbeiten</a:t>
             </a:r>
           </a:p>
           <a:p>
             <a:pPr lvl="1"/>
             <a:r>
-              <a:rPr lang="de-DE" dirty="0" smtClean="0"/>
+              <a:rPr lang="de-DE" dirty="0"/>
               <a:t>Zweite Ebene</a:t>
             </a:r>
           </a:p>
           <a:p>
             <a:pPr lvl="2"/>
             <a:r>
-              <a:rPr lang="de-DE" dirty="0" smtClean="0"/>
+              <a:rPr lang="de-DE" dirty="0"/>
               <a:t>Dritte Ebene</a:t>
             </a:r>
           </a:p>
           <a:p>
             <a:pPr lvl="3"/>
             <a:r>
-              <a:rPr lang="de-DE" dirty="0" smtClean="0"/>
+              <a:rPr lang="de-DE" dirty="0"/>
               <a:t>Vierte Ebene</a:t>
             </a:r>
           </a:p>
           <a:p>
             <a:pPr lvl="4"/>
             <a:r>
-              <a:rPr lang="de-DE" dirty="0" smtClean="0"/>
+              <a:rPr lang="de-DE" dirty="0"/>
               <a:t>Fünfte Ebene</a:t>
             </a:r>
             <a:endParaRPr lang="en-US" dirty="0"/>
@@ -2553,35 +2576,35 @@
           <a:p>
             <a:pPr lvl="0"/>
             <a:r>
-              <a:rPr lang="de-DE" dirty="0" smtClean="0"/>
+              <a:rPr lang="de-DE" dirty="0"/>
               <a:t>Textmasterformat bearbeiten</a:t>
             </a:r>
           </a:p>
           <a:p>
             <a:pPr lvl="1"/>
             <a:r>
-              <a:rPr lang="de-DE" dirty="0" smtClean="0"/>
+              <a:rPr lang="de-DE" dirty="0"/>
               <a:t>Zweite Ebene</a:t>
             </a:r>
           </a:p>
           <a:p>
             <a:pPr lvl="2"/>
             <a:r>
-              <a:rPr lang="de-DE" dirty="0" smtClean="0"/>
+              <a:rPr lang="de-DE" dirty="0"/>
               <a:t>Dritte Ebene</a:t>
             </a:r>
           </a:p>
           <a:p>
             <a:pPr lvl="3"/>
             <a:r>
-              <a:rPr lang="de-DE" dirty="0" smtClean="0"/>
+              <a:rPr lang="de-DE" dirty="0"/>
               <a:t>Vierte Ebene</a:t>
             </a:r>
           </a:p>
           <a:p>
             <a:pPr lvl="4"/>
             <a:r>
-              <a:rPr lang="de-DE" dirty="0" smtClean="0"/>
+              <a:rPr lang="de-DE" dirty="0"/>
               <a:t>Fünfte Ebene</a:t>
             </a:r>
             <a:endParaRPr lang="en-US" dirty="0"/>
@@ -2598,13 +2621,6 @@
   <p:clrMapOvr>
     <a:masterClrMapping/>
   </p:clrMapOvr>
-  <p:timing>
-    <p:tnLst>
-      <p:par>
-        <p:cTn id="1" dur="indefinite" restart="never" nodeType="tmRoot"/>
-      </p:par>
-    </p:tnLst>
-  </p:timing>
 </p:sldLayout>
 </file>
 
@@ -2677,7 +2693,7 @@
               <a:buNone/>
               <a:tabLst/>
             </a:pPr>
-            <a:endParaRPr kumimoji="0" lang="de-DE" sz="1600" b="0" i="0" u="none" strike="noStrike" cap="none" normalizeH="0" baseline="0" dirty="0" err="1" smtClean="0">
+            <a:endParaRPr kumimoji="0" lang="de-DE" sz="1600" b="0" i="0" u="none" strike="noStrike" cap="none" normalizeH="0" baseline="0" dirty="0" err="1">
               <a:ln>
                 <a:noFill/>
               </a:ln>
@@ -2706,10 +2722,9 @@
           <a:lstStyle/>
           <a:p>
             <a:r>
-              <a:rPr lang="de-DE" dirty="0" smtClean="0"/>
+              <a:rPr lang="de-DE" dirty="0"/>
               <a:t>Titelmasterformat durch Klicken bearbeiten</a:t>
             </a:r>
-            <a:endParaRPr lang="de-DE" dirty="0"/>
           </a:p>
         </p:txBody>
       </p:sp>
@@ -2778,7 +2793,7 @@
           </a:lstStyle>
           <a:p>
             <a:r>
-              <a:rPr lang="de-DE" altLang="de-DE" smtClean="0"/>
+              <a:rPr lang="de-DE" altLang="de-DE"/>
               <a:t>Firma | Referent | Abteilung | 13.05.2015</a:t>
             </a:r>
             <a:endParaRPr lang="de-DE" altLang="de-DE" dirty="0"/>
@@ -2881,35 +2896,35 @@
           <a:p>
             <a:pPr lvl="0"/>
             <a:r>
-              <a:rPr lang="de-DE" dirty="0" smtClean="0"/>
+              <a:rPr lang="de-DE" dirty="0"/>
               <a:t>Textmasterformat bearbeiten</a:t>
             </a:r>
           </a:p>
           <a:p>
             <a:pPr lvl="1"/>
             <a:r>
-              <a:rPr lang="de-DE" dirty="0" smtClean="0"/>
+              <a:rPr lang="de-DE" dirty="0"/>
               <a:t>Zweite Ebene</a:t>
             </a:r>
           </a:p>
           <a:p>
             <a:pPr lvl="2"/>
             <a:r>
-              <a:rPr lang="de-DE" dirty="0" smtClean="0"/>
+              <a:rPr lang="de-DE" dirty="0"/>
               <a:t>Dritte Ebene</a:t>
             </a:r>
           </a:p>
           <a:p>
             <a:pPr lvl="3"/>
             <a:r>
-              <a:rPr lang="de-DE" dirty="0" smtClean="0"/>
+              <a:rPr lang="de-DE" dirty="0"/>
               <a:t>Vierte Ebene</a:t>
             </a:r>
           </a:p>
           <a:p>
             <a:pPr lvl="4"/>
             <a:r>
-              <a:rPr lang="de-DE" dirty="0" smtClean="0"/>
+              <a:rPr lang="de-DE" dirty="0"/>
               <a:t>Fünfte Ebene</a:t>
             </a:r>
             <a:endParaRPr lang="en-US" dirty="0"/>
@@ -2938,35 +2953,35 @@
           <a:p>
             <a:pPr lvl="0"/>
             <a:r>
-              <a:rPr lang="de-DE" dirty="0" smtClean="0"/>
+              <a:rPr lang="de-DE" dirty="0"/>
               <a:t>Textmasterformat bearbeiten</a:t>
             </a:r>
           </a:p>
           <a:p>
             <a:pPr lvl="1"/>
             <a:r>
-              <a:rPr lang="de-DE" dirty="0" smtClean="0"/>
+              <a:rPr lang="de-DE" dirty="0"/>
               <a:t>Zweite Ebene</a:t>
             </a:r>
           </a:p>
           <a:p>
             <a:pPr lvl="2"/>
             <a:r>
-              <a:rPr lang="de-DE" dirty="0" smtClean="0"/>
+              <a:rPr lang="de-DE" dirty="0"/>
               <a:t>Dritte Ebene</a:t>
             </a:r>
           </a:p>
           <a:p>
             <a:pPr lvl="3"/>
             <a:r>
-              <a:rPr lang="de-DE" dirty="0" smtClean="0"/>
+              <a:rPr lang="de-DE" dirty="0"/>
               <a:t>Vierte Ebene</a:t>
             </a:r>
           </a:p>
           <a:p>
             <a:pPr lvl="4"/>
             <a:r>
-              <a:rPr lang="de-DE" dirty="0" smtClean="0"/>
+              <a:rPr lang="de-DE" dirty="0"/>
               <a:t>Fünfte Ebene</a:t>
             </a:r>
             <a:endParaRPr lang="en-US" dirty="0"/>
@@ -2995,35 +3010,35 @@
           <a:p>
             <a:pPr lvl="0"/>
             <a:r>
-              <a:rPr lang="de-DE" smtClean="0"/>
+              <a:rPr lang="de-DE"/>
               <a:t>Textmasterformat bearbeiten</a:t>
             </a:r>
           </a:p>
           <a:p>
             <a:pPr lvl="1"/>
             <a:r>
-              <a:rPr lang="de-DE" smtClean="0"/>
+              <a:rPr lang="de-DE"/>
               <a:t>Zweite Ebene</a:t>
             </a:r>
           </a:p>
           <a:p>
             <a:pPr lvl="2"/>
             <a:r>
-              <a:rPr lang="de-DE" smtClean="0"/>
+              <a:rPr lang="de-DE"/>
               <a:t>Dritte Ebene</a:t>
             </a:r>
           </a:p>
           <a:p>
             <a:pPr lvl="3"/>
             <a:r>
-              <a:rPr lang="de-DE" smtClean="0"/>
+              <a:rPr lang="de-DE"/>
               <a:t>Vierte Ebene</a:t>
             </a:r>
           </a:p>
           <a:p>
             <a:pPr lvl="4"/>
             <a:r>
-              <a:rPr lang="de-DE" smtClean="0"/>
+              <a:rPr lang="de-DE"/>
               <a:t>Fünfte Ebene</a:t>
             </a:r>
             <a:endParaRPr lang="en-US"/>
@@ -3040,13 +3055,6 @@
   <p:clrMapOvr>
     <a:masterClrMapping/>
   </p:clrMapOvr>
-  <p:timing>
-    <p:tnLst>
-      <p:par>
-        <p:cTn id="1" dur="indefinite" restart="never" nodeType="tmRoot"/>
-      </p:par>
-    </p:tnLst>
-  </p:timing>
 </p:sldLayout>
 </file>
 
@@ -3119,7 +3127,7 @@
               <a:buNone/>
               <a:tabLst/>
             </a:pPr>
-            <a:endParaRPr kumimoji="0" lang="de-DE" sz="1600" b="0" i="0" u="none" strike="noStrike" cap="none" normalizeH="0" baseline="0" dirty="0" err="1" smtClean="0">
+            <a:endParaRPr kumimoji="0" lang="de-DE" sz="1600" b="0" i="0" u="none" strike="noStrike" cap="none" normalizeH="0" baseline="0" dirty="0" err="1">
               <a:ln>
                 <a:noFill/>
               </a:ln>
@@ -3148,10 +3156,9 @@
           <a:lstStyle/>
           <a:p>
             <a:r>
-              <a:rPr lang="de-DE" dirty="0" smtClean="0"/>
+              <a:rPr lang="de-DE" dirty="0"/>
               <a:t>Titelmasterformat durch Klicken bearbeiten</a:t>
             </a:r>
-            <a:endParaRPr lang="de-DE" dirty="0"/>
           </a:p>
         </p:txBody>
       </p:sp>
@@ -3220,7 +3227,7 @@
           </a:lstStyle>
           <a:p>
             <a:r>
-              <a:rPr lang="de-DE" altLang="de-DE" smtClean="0"/>
+              <a:rPr lang="de-DE" altLang="de-DE"/>
               <a:t>Firma | Referent | Abteilung | 13.05.2015</a:t>
             </a:r>
             <a:endParaRPr lang="de-DE" altLang="de-DE" dirty="0"/>
@@ -3323,35 +3330,35 @@
           <a:p>
             <a:pPr lvl="0"/>
             <a:r>
-              <a:rPr lang="de-DE" dirty="0" smtClean="0"/>
+              <a:rPr lang="de-DE" dirty="0"/>
               <a:t>Textmasterformat bearbeiten</a:t>
             </a:r>
           </a:p>
           <a:p>
             <a:pPr lvl="1"/>
             <a:r>
-              <a:rPr lang="de-DE" dirty="0" smtClean="0"/>
+              <a:rPr lang="de-DE" dirty="0"/>
               <a:t>Zweite Ebene</a:t>
             </a:r>
           </a:p>
           <a:p>
             <a:pPr lvl="2"/>
             <a:r>
-              <a:rPr lang="de-DE" dirty="0" smtClean="0"/>
+              <a:rPr lang="de-DE" dirty="0"/>
               <a:t>Dritte Ebene</a:t>
             </a:r>
           </a:p>
           <a:p>
             <a:pPr lvl="3"/>
             <a:r>
-              <a:rPr lang="de-DE" dirty="0" smtClean="0"/>
+              <a:rPr lang="de-DE" dirty="0"/>
               <a:t>Vierte Ebene</a:t>
             </a:r>
           </a:p>
           <a:p>
             <a:pPr lvl="4"/>
             <a:r>
-              <a:rPr lang="de-DE" dirty="0" smtClean="0"/>
+              <a:rPr lang="de-DE" dirty="0"/>
               <a:t>Fünfte Ebene</a:t>
             </a:r>
             <a:endParaRPr lang="en-US" dirty="0"/>
@@ -3380,35 +3387,35 @@
           <a:p>
             <a:pPr lvl="0"/>
             <a:r>
-              <a:rPr lang="de-DE" dirty="0" smtClean="0"/>
+              <a:rPr lang="de-DE" dirty="0"/>
               <a:t>Textmasterformat bearbeiten</a:t>
             </a:r>
           </a:p>
           <a:p>
             <a:pPr lvl="1"/>
             <a:r>
-              <a:rPr lang="de-DE" dirty="0" smtClean="0"/>
+              <a:rPr lang="de-DE" dirty="0"/>
               <a:t>Zweite Ebene</a:t>
             </a:r>
           </a:p>
           <a:p>
             <a:pPr lvl="2"/>
             <a:r>
-              <a:rPr lang="de-DE" dirty="0" smtClean="0"/>
+              <a:rPr lang="de-DE" dirty="0"/>
               <a:t>Dritte Ebene</a:t>
             </a:r>
           </a:p>
           <a:p>
             <a:pPr lvl="3"/>
             <a:r>
-              <a:rPr lang="de-DE" dirty="0" smtClean="0"/>
+              <a:rPr lang="de-DE" dirty="0"/>
               <a:t>Vierte Ebene</a:t>
             </a:r>
           </a:p>
           <a:p>
             <a:pPr lvl="4"/>
             <a:r>
-              <a:rPr lang="de-DE" dirty="0" smtClean="0"/>
+              <a:rPr lang="de-DE" dirty="0"/>
               <a:t>Fünfte Ebene</a:t>
             </a:r>
             <a:endParaRPr lang="en-US" dirty="0"/>
@@ -3437,35 +3444,35 @@
           <a:p>
             <a:pPr lvl="0"/>
             <a:r>
-              <a:rPr lang="de-DE" dirty="0" smtClean="0"/>
+              <a:rPr lang="de-DE" dirty="0"/>
               <a:t>Textmasterformat bearbeiten</a:t>
             </a:r>
           </a:p>
           <a:p>
             <a:pPr lvl="1"/>
             <a:r>
-              <a:rPr lang="de-DE" dirty="0" smtClean="0"/>
+              <a:rPr lang="de-DE" dirty="0"/>
               <a:t>Zweite Ebene</a:t>
             </a:r>
           </a:p>
           <a:p>
             <a:pPr lvl="2"/>
             <a:r>
-              <a:rPr lang="de-DE" dirty="0" smtClean="0"/>
+              <a:rPr lang="de-DE" dirty="0"/>
               <a:t>Dritte Ebene</a:t>
             </a:r>
           </a:p>
           <a:p>
             <a:pPr lvl="3"/>
             <a:r>
-              <a:rPr lang="de-DE" dirty="0" smtClean="0"/>
+              <a:rPr lang="de-DE" dirty="0"/>
               <a:t>Vierte Ebene</a:t>
             </a:r>
           </a:p>
           <a:p>
             <a:pPr lvl="4"/>
             <a:r>
-              <a:rPr lang="de-DE" dirty="0" smtClean="0"/>
+              <a:rPr lang="de-DE" dirty="0"/>
               <a:t>Fünfte Ebene</a:t>
             </a:r>
             <a:endParaRPr lang="en-US" dirty="0"/>
@@ -3494,35 +3501,35 @@
           <a:p>
             <a:pPr lvl="0"/>
             <a:r>
-              <a:rPr lang="de-DE" dirty="0" smtClean="0"/>
+              <a:rPr lang="de-DE" dirty="0"/>
               <a:t>Textmasterformat bearbeiten</a:t>
             </a:r>
           </a:p>
           <a:p>
             <a:pPr lvl="1"/>
             <a:r>
-              <a:rPr lang="de-DE" dirty="0" smtClean="0"/>
+              <a:rPr lang="de-DE" dirty="0"/>
               <a:t>Zweite Ebene</a:t>
             </a:r>
           </a:p>
           <a:p>
             <a:pPr lvl="2"/>
             <a:r>
-              <a:rPr lang="de-DE" dirty="0" smtClean="0"/>
+              <a:rPr lang="de-DE" dirty="0"/>
               <a:t>Dritte Ebene</a:t>
             </a:r>
           </a:p>
           <a:p>
             <a:pPr lvl="3"/>
             <a:r>
-              <a:rPr lang="de-DE" dirty="0" smtClean="0"/>
+              <a:rPr lang="de-DE" dirty="0"/>
               <a:t>Vierte Ebene</a:t>
             </a:r>
           </a:p>
           <a:p>
             <a:pPr lvl="4"/>
             <a:r>
-              <a:rPr lang="de-DE" dirty="0" smtClean="0"/>
+              <a:rPr lang="de-DE" dirty="0"/>
               <a:t>Fünfte Ebene</a:t>
             </a:r>
             <a:endParaRPr lang="en-US" dirty="0"/>
@@ -3539,13 +3546,6 @@
   <p:clrMapOvr>
     <a:masterClrMapping/>
   </p:clrMapOvr>
-  <p:timing>
-    <p:tnLst>
-      <p:par>
-        <p:cTn id="1" dur="indefinite" restart="never" nodeType="tmRoot"/>
-      </p:par>
-    </p:tnLst>
-  </p:timing>
 </p:sldLayout>
 </file>
 
@@ -3582,10 +3582,9 @@
           <a:lstStyle/>
           <a:p>
             <a:r>
-              <a:rPr lang="de-DE" dirty="0" smtClean="0"/>
+              <a:rPr lang="de-DE" dirty="0"/>
               <a:t>Titelmasterformat durch Klicken bearbeiten</a:t>
             </a:r>
-            <a:endParaRPr lang="de-DE" dirty="0"/>
           </a:p>
         </p:txBody>
       </p:sp>
@@ -3654,7 +3653,7 @@
           </a:lstStyle>
           <a:p>
             <a:r>
-              <a:rPr lang="de-DE" altLang="de-DE" smtClean="0"/>
+              <a:rPr lang="de-DE" altLang="de-DE"/>
               <a:t>Firma | Referent | Abteilung | 13.05.2015</a:t>
             </a:r>
             <a:endParaRPr lang="de-DE" altLang="de-DE" dirty="0"/>
@@ -3787,7 +3786,7 @@
               <a:buNone/>
               <a:tabLst/>
             </a:pPr>
-            <a:endParaRPr kumimoji="0" lang="de-DE" sz="1600" b="0" i="0" u="none" strike="noStrike" cap="none" normalizeH="0" baseline="0" dirty="0" err="1" smtClean="0">
+            <a:endParaRPr kumimoji="0" lang="de-DE" sz="1600" b="0" i="0" u="none" strike="noStrike" cap="none" normalizeH="0" baseline="0" dirty="0" err="1">
               <a:ln>
                 <a:noFill/>
               </a:ln>
@@ -3810,13 +3809,6 @@
   <p:clrMapOvr>
     <a:masterClrMapping/>
   </p:clrMapOvr>
-  <p:timing>
-    <p:tnLst>
-      <p:par>
-        <p:cTn id="1" dur="indefinite" restart="never" nodeType="tmRoot"/>
-      </p:par>
-    </p:tnLst>
-  </p:timing>
 </p:sldLayout>
 </file>
 
@@ -3853,10 +3845,9 @@
           <a:lstStyle/>
           <a:p>
             <a:r>
-              <a:rPr lang="de-DE" dirty="0" smtClean="0"/>
+              <a:rPr lang="de-DE" dirty="0"/>
               <a:t>Titelmasterformat durch Klicken bearbeiten</a:t>
             </a:r>
-            <a:endParaRPr lang="de-DE" dirty="0"/>
           </a:p>
         </p:txBody>
       </p:sp>
@@ -3965,7 +3956,7 @@
           </a:lstStyle>
           <a:p>
             <a:r>
-              <a:rPr lang="de-DE" altLang="de-DE" smtClean="0"/>
+              <a:rPr lang="de-DE" altLang="de-DE"/>
               <a:t>Firma | Referent | Abteilung | 13.05.2015</a:t>
             </a:r>
             <a:endParaRPr lang="de-DE" altLang="de-DE" dirty="0"/>
@@ -4056,13 +4047,6 @@
   <p:clrMapOvr>
     <a:masterClrMapping/>
   </p:clrMapOvr>
-  <p:timing>
-    <p:tnLst>
-      <p:par>
-        <p:cTn id="1" dur="indefinite" restart="never" nodeType="tmRoot"/>
-      </p:par>
-    </p:tnLst>
-  </p:timing>
 </p:sldLayout>
 </file>
 
@@ -4208,40 +4192,39 @@
           <a:p>
             <a:pPr lvl="0" algn="l"/>
             <a:r>
-              <a:rPr lang="de-DE" b="1" dirty="0" smtClean="0"/>
+              <a:rPr lang="de-DE" b="1" dirty="0"/>
               <a:t>Hinweis:</a:t>
             </a:r>
           </a:p>
           <a:p>
             <a:pPr lvl="0" algn="l"/>
             <a:r>
-              <a:rPr lang="de-DE" b="0" dirty="0" smtClean="0"/>
+              <a:rPr lang="de-DE" b="0" dirty="0"/>
               <a:t>Bei Bedarf kann eine farbige oder transparente </a:t>
             </a:r>
             <a:r>
-              <a:rPr lang="de-DE" b="0" dirty="0" err="1" smtClean="0"/>
+              <a:rPr lang="de-DE" b="0" dirty="0" err="1"/>
               <a:t>Textbox</a:t>
             </a:r>
             <a:r>
-              <a:rPr lang="de-DE" b="0" dirty="0" smtClean="0"/>
+              <a:rPr lang="de-DE" b="0" dirty="0"/>
               <a:t> über den Menüpunkt „Einfügen-Elemente-Standard“ eingefügt werden.</a:t>
             </a:r>
           </a:p>
           <a:p>
             <a:pPr lvl="0" algn="l"/>
             <a:r>
-              <a:rPr lang="de-DE" b="0" dirty="0" smtClean="0"/>
+              <a:rPr lang="de-DE" b="0" dirty="0"/>
               <a:t>Sollten Sie eine </a:t>
             </a:r>
             <a:r>
-              <a:rPr lang="de-DE" b="0" dirty="0" err="1" smtClean="0"/>
+              <a:rPr lang="de-DE" b="0" dirty="0" err="1"/>
               <a:t>Textbox</a:t>
             </a:r>
             <a:r>
-              <a:rPr lang="de-DE" b="0" dirty="0" smtClean="0"/>
+              <a:rPr lang="de-DE" b="0" dirty="0"/>
               <a:t> einsetzen, müssen Sie, wenn Sie ein bereits eingefügtes Bild austauschen, anschließend das neue Bild wieder in den Hintergrund stellen.</a:t>
             </a:r>
-            <a:endParaRPr lang="de-DE" b="0" dirty="0"/>
           </a:p>
         </p:txBody>
       </p:sp>
@@ -4255,13 +4238,6 @@
   <p:clrMapOvr>
     <a:masterClrMapping/>
   </p:clrMapOvr>
-  <p:timing>
-    <p:tnLst>
-      <p:par>
-        <p:cTn id="1" dur="indefinite" restart="never" nodeType="tmRoot"/>
-      </p:par>
-    </p:tnLst>
-  </p:timing>
 </p:sldLayout>
 </file>
 
@@ -4413,10 +4389,9 @@
           <a:p>
             <a:pPr lvl="0"/>
             <a:r>
-              <a:rPr lang="de-DE" dirty="0" smtClean="0"/>
+              <a:rPr lang="de-DE" dirty="0"/>
               <a:t>Textmasterformat bearbeiten</a:t>
             </a:r>
-            <a:endParaRPr lang="de-DE" dirty="0"/>
           </a:p>
         </p:txBody>
       </p:sp>
@@ -4514,17 +4489,16 @@
           <a:p>
             <a:pPr lvl="0" algn="l"/>
             <a:r>
-              <a:rPr lang="de-DE" b="1" dirty="0" smtClean="0"/>
+              <a:rPr lang="de-DE" b="1" dirty="0"/>
               <a:t>Hinweis:</a:t>
             </a:r>
           </a:p>
           <a:p>
             <a:pPr lvl="0" algn="l"/>
             <a:r>
-              <a:rPr lang="de-DE" b="0" dirty="0" smtClean="0"/>
+              <a:rPr lang="de-DE" b="0" dirty="0"/>
               <a:t>Wenn Sie ein bereits eingefügtes Bild austauschen, müssen Sie das neue Bild anschließend wieder in den Hintergrund stellen.</a:t>
             </a:r>
-            <a:endParaRPr lang="de-DE" b="0" dirty="0"/>
           </a:p>
         </p:txBody>
       </p:sp>
@@ -4538,13 +4512,6 @@
   <p:clrMapOvr>
     <a:masterClrMapping/>
   </p:clrMapOvr>
-  <p:timing>
-    <p:tnLst>
-      <p:par>
-        <p:cTn id="1" dur="indefinite" restart="never" nodeType="tmRoot"/>
-      </p:par>
-    </p:tnLst>
-  </p:timing>
 </p:sldLayout>
 </file>
 
@@ -4708,33 +4675,16 @@
           <a:p>
             <a:pPr lvl="0"/>
             <a:r>
-              <a:rPr lang="de-DE" b="1" dirty="0" smtClean="0"/>
+              <a:rPr lang="de-DE" b="1" dirty="0"/>
               <a:t>Hinweis:</a:t>
             </a:r>
           </a:p>
           <a:p>
             <a:pPr lvl="0"/>
             <a:r>
-              <a:rPr lang="de-DE" b="0" dirty="0" smtClean="0"/>
-              <a:t>„</a:t>
-            </a:r>
-            <a:r>
               <a:rPr lang="de-DE" b="0" dirty="0"/>
-              <a:t>Vielen Dank für Ihre </a:t>
-            </a:r>
-            <a:r>
-              <a:rPr lang="de-DE" b="0" dirty="0" smtClean="0"/>
-              <a:t>Aufmerksamkeit“ kann auch durch ein anderes Abschlusszitat </a:t>
-            </a:r>
-            <a:r>
-              <a:rPr lang="de-DE" b="0" dirty="0"/>
-              <a:t>oder eine Botschaft </a:t>
-            </a:r>
-            <a:r>
-              <a:rPr lang="de-DE" b="0" dirty="0" smtClean="0"/>
-              <a:t>ersetzt werden.</a:t>
-            </a:r>
-            <a:endParaRPr lang="de-DE" b="0" dirty="0"/>
+              <a:t>„Vielen Dank für Ihre Aufmerksamkeit“ kann auch durch ein anderes Abschlusszitat oder eine Botschaft ersetzt werden.</a:t>
+            </a:r>
           </a:p>
         </p:txBody>
       </p:sp>
@@ -4801,14 +4751,14 @@
           <a:p>
             <a:pPr lvl="0"/>
             <a:r>
-              <a:rPr lang="de-DE" dirty="0" smtClean="0"/>
+              <a:rPr lang="de-DE" dirty="0"/>
               <a:t>Schlussformel durch Klicken bearbeiten</a:t>
             </a:r>
             <a:br>
-              <a:rPr lang="de-DE" dirty="0" smtClean="0"/>
+              <a:rPr lang="de-DE" dirty="0"/>
             </a:br>
             <a:r>
-              <a:rPr lang="en-US" dirty="0" smtClean="0"/>
+              <a:rPr lang="en-US" dirty="0"/>
               <a:t>Click to ad complimentary close</a:t>
             </a:r>
             <a:endParaRPr lang="de-DE" dirty="0"/>
@@ -4825,13 +4775,6 @@
   <p:clrMapOvr>
     <a:masterClrMapping/>
   </p:clrMapOvr>
-  <p:timing>
-    <p:tnLst>
-      <p:par>
-        <p:cTn id="1" dur="indefinite" restart="never" nodeType="tmRoot"/>
-      </p:par>
-    </p:tnLst>
-  </p:timing>
 </p:sldLayout>
 </file>
 
@@ -4917,14 +4860,14 @@
           <a:p>
             <a:pPr lvl="0"/>
             <a:r>
-              <a:rPr lang="de-DE" dirty="0" smtClean="0"/>
+              <a:rPr lang="de-DE" dirty="0"/>
               <a:t>Schlussformel durch Klicken bearbeiten</a:t>
             </a:r>
             <a:br>
-              <a:rPr lang="de-DE" dirty="0" smtClean="0"/>
+              <a:rPr lang="de-DE" dirty="0"/>
             </a:br>
             <a:r>
-              <a:rPr lang="en-US" dirty="0" smtClean="0"/>
+              <a:rPr lang="en-US" dirty="0"/>
               <a:t>Click to ad complimentary close</a:t>
             </a:r>
             <a:endParaRPr lang="de-DE" dirty="0"/>
@@ -4990,33 +4933,16 @@
           <a:p>
             <a:pPr lvl="0" algn="l"/>
             <a:r>
-              <a:rPr lang="de-DE" b="1" dirty="0" smtClean="0"/>
+              <a:rPr lang="de-DE" b="1" dirty="0"/>
               <a:t>Hinweis:</a:t>
             </a:r>
           </a:p>
           <a:p>
             <a:pPr lvl="0" algn="l"/>
             <a:r>
-              <a:rPr lang="de-DE" b="0" dirty="0" smtClean="0"/>
-              <a:t>„</a:t>
-            </a:r>
-            <a:r>
               <a:rPr lang="de-DE" b="0" dirty="0"/>
-              <a:t>Vielen Dank für Ihre </a:t>
-            </a:r>
-            <a:r>
-              <a:rPr lang="de-DE" b="0" dirty="0" smtClean="0"/>
-              <a:t>Aufmerksamkeit“ kann auch durch ein anderes Abschlusszitat </a:t>
-            </a:r>
-            <a:r>
-              <a:rPr lang="de-DE" b="0" dirty="0"/>
-              <a:t>oder eine Botschaft </a:t>
-            </a:r>
-            <a:r>
-              <a:rPr lang="de-DE" b="0" dirty="0" smtClean="0"/>
-              <a:t>ersetzt werden.</a:t>
-            </a:r>
-            <a:endParaRPr lang="de-DE" b="0" dirty="0"/>
+              <a:t>„Vielen Dank für Ihre Aufmerksamkeit“ kann auch durch ein anderes Abschlusszitat oder eine Botschaft ersetzt werden.</a:t>
+            </a:r>
           </a:p>
         </p:txBody>
       </p:sp>
@@ -5030,13 +4956,6 @@
   <p:clrMapOvr>
     <a:masterClrMapping/>
   </p:clrMapOvr>
-  <p:timing>
-    <p:tnLst>
-      <p:par>
-        <p:cTn id="1" dur="indefinite" restart="never" nodeType="tmRoot"/>
-      </p:par>
-    </p:tnLst>
-  </p:timing>
 </p:sldLayout>
 </file>
 
@@ -5077,10 +4996,9 @@
           </a:lstStyle>
           <a:p>
             <a:r>
-              <a:rPr lang="de-DE" dirty="0" smtClean="0"/>
+              <a:rPr lang="de-DE" dirty="0"/>
               <a:t>Titelmasterformat durch Klicken bearbeiten</a:t>
             </a:r>
-            <a:endParaRPr lang="de-DE" dirty="0"/>
           </a:p>
         </p:txBody>
       </p:sp>
@@ -5101,38 +5019,37 @@
           <a:p>
             <a:pPr lvl="0"/>
             <a:r>
-              <a:rPr lang="de-DE" dirty="0" smtClean="0"/>
+              <a:rPr lang="de-DE" dirty="0"/>
               <a:t>Textmasterformat bearbeiten</a:t>
             </a:r>
           </a:p>
           <a:p>
             <a:pPr lvl="1"/>
             <a:r>
-              <a:rPr lang="de-DE" dirty="0" smtClean="0"/>
+              <a:rPr lang="de-DE" dirty="0"/>
               <a:t>Zweite Ebene</a:t>
             </a:r>
           </a:p>
           <a:p>
             <a:pPr lvl="2"/>
             <a:r>
-              <a:rPr lang="de-DE" dirty="0" smtClean="0"/>
+              <a:rPr lang="de-DE" dirty="0"/>
               <a:t>Dritte Ebene</a:t>
             </a:r>
           </a:p>
           <a:p>
             <a:pPr lvl="3"/>
             <a:r>
-              <a:rPr lang="de-DE" dirty="0" smtClean="0"/>
+              <a:rPr lang="de-DE" dirty="0"/>
               <a:t>Vierte Ebene</a:t>
             </a:r>
           </a:p>
           <a:p>
             <a:pPr lvl="4"/>
             <a:r>
-              <a:rPr lang="de-DE" dirty="0" smtClean="0"/>
+              <a:rPr lang="de-DE" dirty="0"/>
               <a:t>Fünfte Ebene</a:t>
             </a:r>
-            <a:endParaRPr lang="de-DE" dirty="0"/>
           </a:p>
         </p:txBody>
       </p:sp>
@@ -5201,7 +5118,7 @@
           </a:lstStyle>
           <a:p>
             <a:r>
-              <a:rPr lang="de-DE" altLang="de-DE" smtClean="0"/>
+              <a:rPr lang="de-DE" altLang="de-DE"/>
               <a:t>Firma | Referent | Abteilung | 13.05.2015</a:t>
             </a:r>
             <a:endParaRPr lang="de-DE" altLang="de-DE" dirty="0"/>
@@ -5292,13 +5209,6 @@
   <p:clrMapOvr>
     <a:masterClrMapping/>
   </p:clrMapOvr>
-  <p:timing>
-    <p:tnLst>
-      <p:par>
-        <p:cTn id="1" dur="indefinite" restart="never" nodeType="tmRoot"/>
-      </p:par>
-    </p:tnLst>
-  </p:timing>
 </p:sldLayout>
 </file>
 
@@ -5382,14 +5292,14 @@
           <a:p>
             <a:pPr lvl="0"/>
             <a:r>
-              <a:rPr lang="de-DE" dirty="0" smtClean="0"/>
+              <a:rPr lang="de-DE" dirty="0"/>
               <a:t>Schlussformel durch Klicken bearbeiten</a:t>
             </a:r>
             <a:br>
-              <a:rPr lang="de-DE" dirty="0" smtClean="0"/>
+              <a:rPr lang="de-DE" dirty="0"/>
             </a:br>
             <a:r>
-              <a:rPr lang="en-US" dirty="0" smtClean="0"/>
+              <a:rPr lang="en-US" dirty="0"/>
               <a:t>Click to ad complimentary close</a:t>
             </a:r>
             <a:endParaRPr lang="de-DE" dirty="0"/>
@@ -5455,33 +5365,16 @@
           <a:p>
             <a:pPr lvl="0" algn="l"/>
             <a:r>
-              <a:rPr lang="de-DE" b="1" dirty="0" smtClean="0"/>
+              <a:rPr lang="de-DE" b="1" dirty="0"/>
               <a:t>Hinweis:</a:t>
             </a:r>
           </a:p>
           <a:p>
             <a:pPr lvl="0" algn="l"/>
             <a:r>
-              <a:rPr lang="de-DE" b="0" dirty="0" smtClean="0"/>
-              <a:t>„</a:t>
-            </a:r>
-            <a:r>
               <a:rPr lang="de-DE" b="0" dirty="0"/>
-              <a:t>Vielen Dank für Ihre </a:t>
-            </a:r>
-            <a:r>
-              <a:rPr lang="de-DE" b="0" dirty="0" smtClean="0"/>
-              <a:t>Aufmerksamkeit“ kann auch durch ein anderes Abschlusszitat </a:t>
-            </a:r>
-            <a:r>
-              <a:rPr lang="de-DE" b="0" dirty="0"/>
-              <a:t>oder eine Botschaft </a:t>
-            </a:r>
-            <a:r>
-              <a:rPr lang="de-DE" b="0" dirty="0" smtClean="0"/>
-              <a:t>ersetzt werden.</a:t>
-            </a:r>
-            <a:endParaRPr lang="de-DE" b="0" dirty="0"/>
+              <a:t>„Vielen Dank für Ihre Aufmerksamkeit“ kann auch durch ein anderes Abschlusszitat oder eine Botschaft ersetzt werden.</a:t>
+            </a:r>
           </a:p>
         </p:txBody>
       </p:sp>
@@ -5495,13 +5388,6 @@
   <p:clrMapOvr>
     <a:masterClrMapping/>
   </p:clrMapOvr>
-  <p:timing>
-    <p:tnLst>
-      <p:par>
-        <p:cTn id="1" dur="indefinite" restart="never" nodeType="tmRoot"/>
-      </p:par>
-    </p:tnLst>
-  </p:timing>
 </p:sldLayout>
 </file>
 
@@ -5731,33 +5617,16 @@
           <a:p>
             <a:pPr lvl="0"/>
             <a:r>
-              <a:rPr lang="de-DE" b="1" dirty="0" smtClean="0"/>
+              <a:rPr lang="de-DE" b="1" dirty="0"/>
               <a:t>Hinweis:</a:t>
             </a:r>
           </a:p>
           <a:p>
             <a:pPr lvl="0"/>
             <a:r>
-              <a:rPr lang="de-DE" b="0" dirty="0" smtClean="0"/>
-              <a:t>„</a:t>
-            </a:r>
-            <a:r>
               <a:rPr lang="de-DE" b="0" dirty="0"/>
-              <a:t>Vielen Dank für Ihre </a:t>
-            </a:r>
-            <a:r>
-              <a:rPr lang="de-DE" b="0" dirty="0" smtClean="0"/>
-              <a:t>Aufmerksamkeit“ kann auch durch ein anderes Abschlusszitat </a:t>
-            </a:r>
-            <a:r>
-              <a:rPr lang="de-DE" b="0" dirty="0"/>
-              <a:t>oder eine Botschaft </a:t>
-            </a:r>
-            <a:r>
-              <a:rPr lang="de-DE" b="0" dirty="0" smtClean="0"/>
-              <a:t>ersetzt werden.</a:t>
-            </a:r>
-            <a:endParaRPr lang="de-DE" b="0" dirty="0"/>
+              <a:t>„Vielen Dank für Ihre Aufmerksamkeit“ kann auch durch ein anderes Abschlusszitat oder eine Botschaft ersetzt werden.</a:t>
+            </a:r>
           </a:p>
         </p:txBody>
       </p:sp>
@@ -5824,14 +5693,14 @@
           <a:p>
             <a:pPr lvl="0"/>
             <a:r>
-              <a:rPr lang="de-DE" dirty="0" smtClean="0"/>
+              <a:rPr lang="de-DE" dirty="0"/>
               <a:t>Schlussformel durch Klicken bearbeiten</a:t>
             </a:r>
             <a:br>
-              <a:rPr lang="de-DE" dirty="0" smtClean="0"/>
+              <a:rPr lang="de-DE" dirty="0"/>
             </a:br>
             <a:r>
-              <a:rPr lang="en-US" dirty="0" smtClean="0"/>
+              <a:rPr lang="en-US" dirty="0"/>
               <a:t>Click to ad complimentary close</a:t>
             </a:r>
             <a:endParaRPr lang="de-DE" dirty="0"/>
@@ -5848,13 +5717,6 @@
   <p:clrMapOvr>
     <a:masterClrMapping/>
   </p:clrMapOvr>
-  <p:timing>
-    <p:tnLst>
-      <p:par>
-        <p:cTn id="1" dur="indefinite" restart="never" nodeType="tmRoot"/>
-      </p:par>
-    </p:tnLst>
-  </p:timing>
 </p:sldLayout>
 </file>
 
@@ -6084,33 +5946,16 @@
           <a:p>
             <a:pPr lvl="0"/>
             <a:r>
-              <a:rPr lang="de-DE" b="1" dirty="0" smtClean="0"/>
+              <a:rPr lang="de-DE" b="1" dirty="0"/>
               <a:t>Hinweis:</a:t>
             </a:r>
           </a:p>
           <a:p>
             <a:pPr lvl="0"/>
             <a:r>
-              <a:rPr lang="de-DE" b="0" dirty="0" smtClean="0"/>
-              <a:t>„</a:t>
-            </a:r>
-            <a:r>
               <a:rPr lang="de-DE" b="0" dirty="0"/>
-              <a:t>Vielen Dank für Ihre </a:t>
-            </a:r>
-            <a:r>
-              <a:rPr lang="de-DE" b="0" dirty="0" smtClean="0"/>
-              <a:t>Aufmerksamkeit“ kann auch durch ein anderes Abschlusszitat </a:t>
-            </a:r>
-            <a:r>
-              <a:rPr lang="de-DE" b="0" dirty="0"/>
-              <a:t>oder eine Botschaft </a:t>
-            </a:r>
-            <a:r>
-              <a:rPr lang="de-DE" b="0" dirty="0" smtClean="0"/>
-              <a:t>ersetzt werden.</a:t>
-            </a:r>
-            <a:endParaRPr lang="de-DE" b="0" dirty="0"/>
+              <a:t>„Vielen Dank für Ihre Aufmerksamkeit“ kann auch durch ein anderes Abschlusszitat oder eine Botschaft ersetzt werden.</a:t>
+            </a:r>
           </a:p>
         </p:txBody>
       </p:sp>
@@ -6177,14 +6022,14 @@
           <a:p>
             <a:pPr lvl="0"/>
             <a:r>
-              <a:rPr lang="de-DE" dirty="0" smtClean="0"/>
+              <a:rPr lang="de-DE" dirty="0"/>
               <a:t>Schlussformel durch Klicken bearbeiten</a:t>
             </a:r>
             <a:br>
-              <a:rPr lang="de-DE" dirty="0" smtClean="0"/>
+              <a:rPr lang="de-DE" dirty="0"/>
             </a:br>
             <a:r>
-              <a:rPr lang="en-US" dirty="0" smtClean="0"/>
+              <a:rPr lang="en-US" dirty="0"/>
               <a:t>Click to ad complimentary close</a:t>
             </a:r>
             <a:endParaRPr lang="de-DE" dirty="0"/>
@@ -6201,13 +6046,6 @@
   <p:clrMapOvr>
     <a:masterClrMapping/>
   </p:clrMapOvr>
-  <p:timing>
-    <p:tnLst>
-      <p:par>
-        <p:cTn id="1" dur="indefinite" restart="never" nodeType="tmRoot"/>
-      </p:par>
-    </p:tnLst>
-  </p:timing>
 </p:sldLayout>
 </file>
 
@@ -6543,33 +6381,16 @@
           <a:p>
             <a:pPr lvl="0"/>
             <a:r>
-              <a:rPr lang="de-DE" b="1" dirty="0" smtClean="0"/>
+              <a:rPr lang="de-DE" b="1" dirty="0"/>
               <a:t>Hinweis:</a:t>
             </a:r>
           </a:p>
           <a:p>
             <a:pPr lvl="0"/>
             <a:r>
-              <a:rPr lang="de-DE" b="0" dirty="0" smtClean="0"/>
-              <a:t>„</a:t>
-            </a:r>
-            <a:r>
               <a:rPr lang="de-DE" b="0" dirty="0"/>
-              <a:t>Vielen Dank für Ihre </a:t>
-            </a:r>
-            <a:r>
-              <a:rPr lang="de-DE" b="0" dirty="0" smtClean="0"/>
-              <a:t>Aufmerksamkeit“ kann auch durch ein anderes Abschlusszitat </a:t>
-            </a:r>
-            <a:r>
-              <a:rPr lang="de-DE" b="0" dirty="0"/>
-              <a:t>oder eine Botschaft </a:t>
-            </a:r>
-            <a:r>
-              <a:rPr lang="de-DE" b="0" dirty="0" smtClean="0"/>
-              <a:t>ersetzt werden.</a:t>
-            </a:r>
-            <a:endParaRPr lang="de-DE" b="0" dirty="0"/>
+              <a:t>„Vielen Dank für Ihre Aufmerksamkeit“ kann auch durch ein anderes Abschlusszitat oder eine Botschaft ersetzt werden.</a:t>
+            </a:r>
           </a:p>
         </p:txBody>
       </p:sp>
@@ -6636,14 +6457,14 @@
           <a:p>
             <a:pPr lvl="0"/>
             <a:r>
-              <a:rPr lang="de-DE" dirty="0" smtClean="0"/>
+              <a:rPr lang="de-DE" dirty="0"/>
               <a:t>Schlussformel durch Klicken bearbeiten</a:t>
             </a:r>
             <a:br>
-              <a:rPr lang="de-DE" dirty="0" smtClean="0"/>
+              <a:rPr lang="de-DE" dirty="0"/>
             </a:br>
             <a:r>
-              <a:rPr lang="en-US" dirty="0" smtClean="0"/>
+              <a:rPr lang="en-US" dirty="0"/>
               <a:t>Click to ad complimentary close</a:t>
             </a:r>
             <a:endParaRPr lang="de-DE" dirty="0"/>
@@ -6660,13 +6481,6 @@
   <p:clrMapOvr>
     <a:masterClrMapping/>
   </p:clrMapOvr>
-  <p:timing>
-    <p:tnLst>
-      <p:par>
-        <p:cTn id="1" dur="indefinite" restart="never" nodeType="tmRoot"/>
-      </p:par>
-    </p:tnLst>
-  </p:timing>
 </p:sldLayout>
 </file>
 
@@ -6814,33 +6628,16 @@
           <a:p>
             <a:pPr lvl="0"/>
             <a:r>
-              <a:rPr lang="de-DE" b="1" dirty="0" smtClean="0"/>
+              <a:rPr lang="de-DE" b="1" dirty="0"/>
               <a:t>Hinweis:</a:t>
             </a:r>
           </a:p>
           <a:p>
             <a:pPr lvl="0"/>
             <a:r>
-              <a:rPr lang="de-DE" b="0" dirty="0" smtClean="0"/>
-              <a:t>„</a:t>
-            </a:r>
-            <a:r>
               <a:rPr lang="de-DE" b="0" dirty="0"/>
-              <a:t>Vielen Dank für Ihre </a:t>
-            </a:r>
-            <a:r>
-              <a:rPr lang="de-DE" b="0" dirty="0" smtClean="0"/>
-              <a:t>Aufmerksamkeit“ kann auch durch ein anderes Abschlusszitat </a:t>
-            </a:r>
-            <a:r>
-              <a:rPr lang="de-DE" b="0" dirty="0"/>
-              <a:t>oder eine Botschaft </a:t>
-            </a:r>
-            <a:r>
-              <a:rPr lang="de-DE" b="0" dirty="0" smtClean="0"/>
-              <a:t>ersetzt werden.</a:t>
-            </a:r>
-            <a:endParaRPr lang="de-DE" b="0" dirty="0"/>
+              <a:t>„Vielen Dank für Ihre Aufmerksamkeit“ kann auch durch ein anderes Abschlusszitat oder eine Botschaft ersetzt werden.</a:t>
+            </a:r>
           </a:p>
         </p:txBody>
       </p:sp>
@@ -6907,14 +6704,14 @@
           <a:p>
             <a:pPr lvl="0"/>
             <a:r>
-              <a:rPr lang="de-DE" dirty="0" smtClean="0"/>
+              <a:rPr lang="de-DE" dirty="0"/>
               <a:t>Schlussformel durch Klicken bearbeiten</a:t>
             </a:r>
             <a:br>
-              <a:rPr lang="de-DE" dirty="0" smtClean="0"/>
+              <a:rPr lang="de-DE" dirty="0"/>
             </a:br>
             <a:r>
-              <a:rPr lang="en-US" dirty="0" smtClean="0"/>
+              <a:rPr lang="en-US" dirty="0"/>
               <a:t>Click to ad complimentary close</a:t>
             </a:r>
             <a:endParaRPr lang="de-DE" dirty="0"/>
@@ -6931,13 +6728,6 @@
   <p:clrMapOvr>
     <a:masterClrMapping/>
   </p:clrMapOvr>
-  <p:timing>
-    <p:tnLst>
-      <p:par>
-        <p:cTn id="1" dur="indefinite" restart="never" nodeType="tmRoot"/>
-      </p:par>
-    </p:tnLst>
-  </p:timing>
 </p:sldLayout>
 </file>
 
@@ -6974,10 +6764,9 @@
           <a:lstStyle/>
           <a:p>
             <a:r>
-              <a:rPr lang="de-DE" dirty="0" smtClean="0"/>
+              <a:rPr lang="de-DE" dirty="0"/>
               <a:t>Titelmasterformat durch Klicken bearbeiten</a:t>
             </a:r>
-            <a:endParaRPr lang="de-DE" dirty="0"/>
           </a:p>
         </p:txBody>
       </p:sp>
@@ -7056,38 +6845,37 @@
           <a:p>
             <a:pPr lvl="0"/>
             <a:r>
-              <a:rPr lang="de-DE" dirty="0" smtClean="0"/>
+              <a:rPr lang="de-DE" dirty="0"/>
               <a:t>Textmasterformat bearbeiten</a:t>
             </a:r>
           </a:p>
           <a:p>
             <a:pPr lvl="1"/>
             <a:r>
-              <a:rPr lang="de-DE" dirty="0" smtClean="0"/>
+              <a:rPr lang="de-DE" dirty="0"/>
               <a:t>Zweite Ebene</a:t>
             </a:r>
           </a:p>
           <a:p>
             <a:pPr lvl="2"/>
             <a:r>
-              <a:rPr lang="de-DE" dirty="0" smtClean="0"/>
+              <a:rPr lang="de-DE" dirty="0"/>
               <a:t>Dritte Ebene</a:t>
             </a:r>
           </a:p>
           <a:p>
             <a:pPr lvl="3"/>
             <a:r>
-              <a:rPr lang="de-DE" dirty="0" smtClean="0"/>
+              <a:rPr lang="de-DE" dirty="0"/>
               <a:t>Vierte Ebene</a:t>
             </a:r>
           </a:p>
           <a:p>
             <a:pPr lvl="4"/>
             <a:r>
-              <a:rPr lang="de-DE" dirty="0" smtClean="0"/>
+              <a:rPr lang="de-DE" dirty="0"/>
               <a:t>Fünfte Ebene</a:t>
             </a:r>
-            <a:endParaRPr lang="de-DE" dirty="0"/>
           </a:p>
         </p:txBody>
       </p:sp>
@@ -7166,38 +6954,37 @@
           <a:p>
             <a:pPr lvl="0"/>
             <a:r>
-              <a:rPr lang="de-DE" dirty="0" smtClean="0"/>
+              <a:rPr lang="de-DE" dirty="0"/>
               <a:t>Textmasterformat bearbeiten</a:t>
             </a:r>
           </a:p>
           <a:p>
             <a:pPr lvl="1"/>
             <a:r>
-              <a:rPr lang="de-DE" dirty="0" smtClean="0"/>
+              <a:rPr lang="de-DE" dirty="0"/>
               <a:t>Zweite Ebene</a:t>
             </a:r>
           </a:p>
           <a:p>
             <a:pPr lvl="2"/>
             <a:r>
-              <a:rPr lang="de-DE" dirty="0" smtClean="0"/>
+              <a:rPr lang="de-DE" dirty="0"/>
               <a:t>Dritte Ebene</a:t>
             </a:r>
           </a:p>
           <a:p>
             <a:pPr lvl="3"/>
             <a:r>
-              <a:rPr lang="de-DE" dirty="0" smtClean="0"/>
+              <a:rPr lang="de-DE" dirty="0"/>
               <a:t>Vierte Ebene</a:t>
             </a:r>
           </a:p>
           <a:p>
             <a:pPr lvl="4"/>
             <a:r>
-              <a:rPr lang="de-DE" dirty="0" smtClean="0"/>
+              <a:rPr lang="de-DE" dirty="0"/>
               <a:t>Fünfte Ebene</a:t>
             </a:r>
-            <a:endParaRPr lang="de-DE" dirty="0"/>
           </a:p>
         </p:txBody>
       </p:sp>
@@ -7266,7 +7053,7 @@
           </a:lstStyle>
           <a:p>
             <a:r>
-              <a:rPr lang="de-DE" altLang="de-DE" smtClean="0"/>
+              <a:rPr lang="de-DE" altLang="de-DE"/>
               <a:t>Firma | Referent | Abteilung | 13.05.2015</a:t>
             </a:r>
             <a:endParaRPr lang="de-DE" altLang="de-DE" dirty="0"/>
@@ -7357,13 +7144,6 @@
   <p:clrMapOvr>
     <a:masterClrMapping/>
   </p:clrMapOvr>
-  <p:timing>
-    <p:tnLst>
-      <p:par>
-        <p:cTn id="1" dur="indefinite" restart="never" nodeType="tmRoot"/>
-      </p:par>
-    </p:tnLst>
-  </p:timing>
 </p:sldLayout>
 </file>
 
@@ -7400,10 +7180,9 @@
           <a:lstStyle/>
           <a:p>
             <a:r>
-              <a:rPr lang="de-DE" dirty="0" smtClean="0"/>
+              <a:rPr lang="de-DE" dirty="0"/>
               <a:t>Titelmasterformat durch Klicken bearbeiten</a:t>
             </a:r>
-            <a:endParaRPr lang="de-DE" dirty="0"/>
           </a:p>
         </p:txBody>
       </p:sp>
@@ -7472,7 +7251,7 @@
           </a:lstStyle>
           <a:p>
             <a:r>
-              <a:rPr lang="de-DE" altLang="de-DE" smtClean="0"/>
+              <a:rPr lang="de-DE" altLang="de-DE"/>
               <a:t>Firma | Referent | Abteilung | 13.05.2015</a:t>
             </a:r>
             <a:endParaRPr lang="de-DE" altLang="de-DE" dirty="0"/>
@@ -7575,35 +7354,35 @@
           <a:p>
             <a:pPr lvl="0"/>
             <a:r>
-              <a:rPr lang="de-DE" dirty="0" smtClean="0"/>
+              <a:rPr lang="de-DE" dirty="0"/>
               <a:t>Textmasterformat bearbeiten</a:t>
             </a:r>
           </a:p>
           <a:p>
             <a:pPr lvl="1"/>
             <a:r>
-              <a:rPr lang="de-DE" dirty="0" smtClean="0"/>
+              <a:rPr lang="de-DE" dirty="0"/>
               <a:t>Zweite Ebene</a:t>
             </a:r>
           </a:p>
           <a:p>
             <a:pPr lvl="2"/>
             <a:r>
-              <a:rPr lang="de-DE" dirty="0" smtClean="0"/>
+              <a:rPr lang="de-DE" dirty="0"/>
               <a:t>Dritte Ebene</a:t>
             </a:r>
           </a:p>
           <a:p>
             <a:pPr lvl="3"/>
             <a:r>
-              <a:rPr lang="de-DE" dirty="0" smtClean="0"/>
+              <a:rPr lang="de-DE" dirty="0"/>
               <a:t>Vierte Ebene</a:t>
             </a:r>
           </a:p>
           <a:p>
             <a:pPr lvl="4"/>
             <a:r>
-              <a:rPr lang="de-DE" dirty="0" smtClean="0"/>
+              <a:rPr lang="de-DE" dirty="0"/>
               <a:t>Fünfte Ebene</a:t>
             </a:r>
             <a:endParaRPr lang="en-US" dirty="0"/>
@@ -7632,35 +7411,35 @@
           <a:p>
             <a:pPr lvl="0"/>
             <a:r>
-              <a:rPr lang="de-DE" dirty="0" smtClean="0"/>
+              <a:rPr lang="de-DE" dirty="0"/>
               <a:t>Textmasterformat bearbeiten</a:t>
             </a:r>
           </a:p>
           <a:p>
             <a:pPr lvl="1"/>
             <a:r>
-              <a:rPr lang="de-DE" dirty="0" smtClean="0"/>
+              <a:rPr lang="de-DE" dirty="0"/>
               <a:t>Zweite Ebene</a:t>
             </a:r>
           </a:p>
           <a:p>
             <a:pPr lvl="2"/>
             <a:r>
-              <a:rPr lang="de-DE" dirty="0" smtClean="0"/>
+              <a:rPr lang="de-DE" dirty="0"/>
               <a:t>Dritte Ebene</a:t>
             </a:r>
           </a:p>
           <a:p>
             <a:pPr lvl="3"/>
             <a:r>
-              <a:rPr lang="de-DE" dirty="0" smtClean="0"/>
+              <a:rPr lang="de-DE" dirty="0"/>
               <a:t>Vierte Ebene</a:t>
             </a:r>
           </a:p>
           <a:p>
             <a:pPr lvl="4"/>
             <a:r>
-              <a:rPr lang="de-DE" dirty="0" smtClean="0"/>
+              <a:rPr lang="de-DE" dirty="0"/>
               <a:t>Fünfte Ebene</a:t>
             </a:r>
             <a:endParaRPr lang="en-US" dirty="0"/>
@@ -7689,35 +7468,35 @@
           <a:p>
             <a:pPr lvl="0"/>
             <a:r>
-              <a:rPr lang="de-DE" dirty="0" smtClean="0"/>
+              <a:rPr lang="de-DE" dirty="0"/>
               <a:t>Textmasterformat bearbeiten</a:t>
             </a:r>
           </a:p>
           <a:p>
             <a:pPr lvl="1"/>
             <a:r>
-              <a:rPr lang="de-DE" dirty="0" smtClean="0"/>
+              <a:rPr lang="de-DE" dirty="0"/>
               <a:t>Zweite Ebene</a:t>
             </a:r>
           </a:p>
           <a:p>
             <a:pPr lvl="2"/>
             <a:r>
-              <a:rPr lang="de-DE" dirty="0" smtClean="0"/>
+              <a:rPr lang="de-DE" dirty="0"/>
               <a:t>Dritte Ebene</a:t>
             </a:r>
           </a:p>
           <a:p>
             <a:pPr lvl="3"/>
             <a:r>
-              <a:rPr lang="de-DE" dirty="0" smtClean="0"/>
+              <a:rPr lang="de-DE" dirty="0"/>
               <a:t>Vierte Ebene</a:t>
             </a:r>
           </a:p>
           <a:p>
             <a:pPr lvl="4"/>
             <a:r>
-              <a:rPr lang="de-DE" dirty="0" smtClean="0"/>
+              <a:rPr lang="de-DE" dirty="0"/>
               <a:t>Fünfte Ebene</a:t>
             </a:r>
             <a:endParaRPr lang="en-US" dirty="0"/>
@@ -7734,13 +7513,6 @@
   <p:clrMapOvr>
     <a:masterClrMapping/>
   </p:clrMapOvr>
-  <p:timing>
-    <p:tnLst>
-      <p:par>
-        <p:cTn id="1" dur="indefinite" restart="never" nodeType="tmRoot"/>
-      </p:par>
-    </p:tnLst>
-  </p:timing>
 </p:sldLayout>
 </file>
 
@@ -7777,10 +7549,9 @@
           <a:lstStyle/>
           <a:p>
             <a:r>
-              <a:rPr lang="de-DE" dirty="0" smtClean="0"/>
+              <a:rPr lang="de-DE" dirty="0"/>
               <a:t>Titelmasterformat durch Klicken bearbeiten</a:t>
             </a:r>
-            <a:endParaRPr lang="de-DE" dirty="0"/>
           </a:p>
         </p:txBody>
       </p:sp>
@@ -7849,7 +7620,7 @@
           </a:lstStyle>
           <a:p>
             <a:r>
-              <a:rPr lang="de-DE" altLang="de-DE" smtClean="0"/>
+              <a:rPr lang="de-DE" altLang="de-DE"/>
               <a:t>Firma | Referent | Abteilung | 13.05.2015</a:t>
             </a:r>
             <a:endParaRPr lang="de-DE" altLang="de-DE" dirty="0"/>
@@ -7952,35 +7723,35 @@
           <a:p>
             <a:pPr lvl="0"/>
             <a:r>
-              <a:rPr lang="de-DE" dirty="0" smtClean="0"/>
+              <a:rPr lang="de-DE" dirty="0"/>
               <a:t>Textmasterformat bearbeiten</a:t>
             </a:r>
           </a:p>
           <a:p>
             <a:pPr lvl="1"/>
             <a:r>
-              <a:rPr lang="de-DE" dirty="0" smtClean="0"/>
+              <a:rPr lang="de-DE" dirty="0"/>
               <a:t>Zweite Ebene</a:t>
             </a:r>
           </a:p>
           <a:p>
             <a:pPr lvl="2"/>
             <a:r>
-              <a:rPr lang="de-DE" dirty="0" smtClean="0"/>
+              <a:rPr lang="de-DE" dirty="0"/>
               <a:t>Dritte Ebene</a:t>
             </a:r>
           </a:p>
           <a:p>
             <a:pPr lvl="3"/>
             <a:r>
-              <a:rPr lang="de-DE" dirty="0" smtClean="0"/>
+              <a:rPr lang="de-DE" dirty="0"/>
               <a:t>Vierte Ebene</a:t>
             </a:r>
           </a:p>
           <a:p>
             <a:pPr lvl="4"/>
             <a:r>
-              <a:rPr lang="de-DE" dirty="0" smtClean="0"/>
+              <a:rPr lang="de-DE" dirty="0"/>
               <a:t>Fünfte Ebene</a:t>
             </a:r>
             <a:endParaRPr lang="en-US" dirty="0"/>
@@ -8009,35 +7780,35 @@
           <a:p>
             <a:pPr lvl="0"/>
             <a:r>
-              <a:rPr lang="de-DE" dirty="0" smtClean="0"/>
+              <a:rPr lang="de-DE" dirty="0"/>
               <a:t>Textmasterformat bearbeiten</a:t>
             </a:r>
           </a:p>
           <a:p>
             <a:pPr lvl="1"/>
             <a:r>
-              <a:rPr lang="de-DE" dirty="0" smtClean="0"/>
+              <a:rPr lang="de-DE" dirty="0"/>
               <a:t>Zweite Ebene</a:t>
             </a:r>
           </a:p>
           <a:p>
             <a:pPr lvl="2"/>
             <a:r>
-              <a:rPr lang="de-DE" dirty="0" smtClean="0"/>
+              <a:rPr lang="de-DE" dirty="0"/>
               <a:t>Dritte Ebene</a:t>
             </a:r>
           </a:p>
           <a:p>
             <a:pPr lvl="3"/>
             <a:r>
-              <a:rPr lang="de-DE" dirty="0" smtClean="0"/>
+              <a:rPr lang="de-DE" dirty="0"/>
               <a:t>Vierte Ebene</a:t>
             </a:r>
           </a:p>
           <a:p>
             <a:pPr lvl="4"/>
             <a:r>
-              <a:rPr lang="de-DE" dirty="0" smtClean="0"/>
+              <a:rPr lang="de-DE" dirty="0"/>
               <a:t>Fünfte Ebene</a:t>
             </a:r>
             <a:endParaRPr lang="en-US" dirty="0"/>
@@ -8066,35 +7837,35 @@
           <a:p>
             <a:pPr lvl="0"/>
             <a:r>
-              <a:rPr lang="de-DE" dirty="0" smtClean="0"/>
+              <a:rPr lang="de-DE" dirty="0"/>
               <a:t>Textmasterformat bearbeiten</a:t>
             </a:r>
           </a:p>
           <a:p>
             <a:pPr lvl="1"/>
             <a:r>
-              <a:rPr lang="de-DE" dirty="0" smtClean="0"/>
+              <a:rPr lang="de-DE" dirty="0"/>
               <a:t>Zweite Ebene</a:t>
             </a:r>
           </a:p>
           <a:p>
             <a:pPr lvl="2"/>
             <a:r>
-              <a:rPr lang="de-DE" dirty="0" smtClean="0"/>
+              <a:rPr lang="de-DE" dirty="0"/>
               <a:t>Dritte Ebene</a:t>
             </a:r>
           </a:p>
           <a:p>
             <a:pPr lvl="3"/>
             <a:r>
-              <a:rPr lang="de-DE" dirty="0" smtClean="0"/>
+              <a:rPr lang="de-DE" dirty="0"/>
               <a:t>Vierte Ebene</a:t>
             </a:r>
           </a:p>
           <a:p>
             <a:pPr lvl="4"/>
             <a:r>
-              <a:rPr lang="de-DE" dirty="0" smtClean="0"/>
+              <a:rPr lang="de-DE" dirty="0"/>
               <a:t>Fünfte Ebene</a:t>
             </a:r>
             <a:endParaRPr lang="en-US" dirty="0"/>
@@ -8111,13 +7882,6 @@
   <p:clrMapOvr>
     <a:masterClrMapping/>
   </p:clrMapOvr>
-  <p:timing>
-    <p:tnLst>
-      <p:par>
-        <p:cTn id="1" dur="indefinite" restart="never" nodeType="tmRoot"/>
-      </p:par>
-    </p:tnLst>
-  </p:timing>
 </p:sldLayout>
 </file>
 
@@ -8154,10 +7918,9 @@
           <a:lstStyle/>
           <a:p>
             <a:r>
-              <a:rPr lang="de-DE" dirty="0" smtClean="0"/>
+              <a:rPr lang="de-DE" dirty="0"/>
               <a:t>Titelmasterformat durch Klicken bearbeiten</a:t>
             </a:r>
-            <a:endParaRPr lang="de-DE" dirty="0"/>
           </a:p>
         </p:txBody>
       </p:sp>
@@ -8226,7 +7989,7 @@
           </a:lstStyle>
           <a:p>
             <a:r>
-              <a:rPr lang="de-DE" altLang="de-DE" smtClean="0"/>
+              <a:rPr lang="de-DE" altLang="de-DE"/>
               <a:t>Firma | Referent | Abteilung | 13.05.2015</a:t>
             </a:r>
             <a:endParaRPr lang="de-DE" altLang="de-DE" dirty="0"/>
@@ -8329,35 +8092,35 @@
           <a:p>
             <a:pPr lvl="0"/>
             <a:r>
-              <a:rPr lang="de-DE" dirty="0" smtClean="0"/>
+              <a:rPr lang="de-DE" dirty="0"/>
               <a:t>Textmasterformat bearbeiten</a:t>
             </a:r>
           </a:p>
           <a:p>
             <a:pPr lvl="1"/>
             <a:r>
-              <a:rPr lang="de-DE" dirty="0" smtClean="0"/>
+              <a:rPr lang="de-DE" dirty="0"/>
               <a:t>Zweite Ebene</a:t>
             </a:r>
           </a:p>
           <a:p>
             <a:pPr lvl="2"/>
             <a:r>
-              <a:rPr lang="de-DE" dirty="0" smtClean="0"/>
+              <a:rPr lang="de-DE" dirty="0"/>
               <a:t>Dritte Ebene</a:t>
             </a:r>
           </a:p>
           <a:p>
             <a:pPr lvl="3"/>
             <a:r>
-              <a:rPr lang="de-DE" dirty="0" smtClean="0"/>
+              <a:rPr lang="de-DE" dirty="0"/>
               <a:t>Vierte Ebene</a:t>
             </a:r>
           </a:p>
           <a:p>
             <a:pPr lvl="4"/>
             <a:r>
-              <a:rPr lang="de-DE" dirty="0" smtClean="0"/>
+              <a:rPr lang="de-DE" dirty="0"/>
               <a:t>Fünfte Ebene</a:t>
             </a:r>
             <a:endParaRPr lang="en-US" dirty="0"/>
@@ -8386,35 +8149,35 @@
           <a:p>
             <a:pPr lvl="0"/>
             <a:r>
-              <a:rPr lang="de-DE" dirty="0" smtClean="0"/>
+              <a:rPr lang="de-DE" dirty="0"/>
               <a:t>Textmasterformat bearbeiten</a:t>
             </a:r>
           </a:p>
           <a:p>
             <a:pPr lvl="1"/>
             <a:r>
-              <a:rPr lang="de-DE" dirty="0" smtClean="0"/>
+              <a:rPr lang="de-DE" dirty="0"/>
               <a:t>Zweite Ebene</a:t>
             </a:r>
           </a:p>
           <a:p>
             <a:pPr lvl="2"/>
             <a:r>
-              <a:rPr lang="de-DE" dirty="0" smtClean="0"/>
+              <a:rPr lang="de-DE" dirty="0"/>
               <a:t>Dritte Ebene</a:t>
             </a:r>
           </a:p>
           <a:p>
             <a:pPr lvl="3"/>
             <a:r>
-              <a:rPr lang="de-DE" dirty="0" smtClean="0"/>
+              <a:rPr lang="de-DE" dirty="0"/>
               <a:t>Vierte Ebene</a:t>
             </a:r>
           </a:p>
           <a:p>
             <a:pPr lvl="4"/>
             <a:r>
-              <a:rPr lang="de-DE" dirty="0" smtClean="0"/>
+              <a:rPr lang="de-DE" dirty="0"/>
               <a:t>Fünfte Ebene</a:t>
             </a:r>
             <a:endParaRPr lang="en-US" dirty="0"/>
@@ -8443,35 +8206,35 @@
           <a:p>
             <a:pPr lvl="0"/>
             <a:r>
-              <a:rPr lang="de-DE" dirty="0" smtClean="0"/>
+              <a:rPr lang="de-DE" dirty="0"/>
               <a:t>Textmasterformat bearbeiten</a:t>
             </a:r>
           </a:p>
           <a:p>
             <a:pPr lvl="1"/>
             <a:r>
-              <a:rPr lang="de-DE" dirty="0" smtClean="0"/>
+              <a:rPr lang="de-DE" dirty="0"/>
               <a:t>Zweite Ebene</a:t>
             </a:r>
           </a:p>
           <a:p>
             <a:pPr lvl="2"/>
             <a:r>
-              <a:rPr lang="de-DE" dirty="0" smtClean="0"/>
+              <a:rPr lang="de-DE" dirty="0"/>
               <a:t>Dritte Ebene</a:t>
             </a:r>
           </a:p>
           <a:p>
             <a:pPr lvl="3"/>
             <a:r>
-              <a:rPr lang="de-DE" dirty="0" smtClean="0"/>
+              <a:rPr lang="de-DE" dirty="0"/>
               <a:t>Vierte Ebene</a:t>
             </a:r>
           </a:p>
           <a:p>
             <a:pPr lvl="4"/>
             <a:r>
-              <a:rPr lang="de-DE" dirty="0" smtClean="0"/>
+              <a:rPr lang="de-DE" dirty="0"/>
               <a:t>Fünfte Ebene</a:t>
             </a:r>
             <a:endParaRPr lang="en-US" dirty="0"/>
@@ -8500,35 +8263,35 @@
           <a:p>
             <a:pPr lvl="0"/>
             <a:r>
-              <a:rPr lang="de-DE" dirty="0" smtClean="0"/>
+              <a:rPr lang="de-DE" dirty="0"/>
               <a:t>Textmasterformat bearbeiten</a:t>
             </a:r>
           </a:p>
           <a:p>
             <a:pPr lvl="1"/>
             <a:r>
-              <a:rPr lang="de-DE" dirty="0" smtClean="0"/>
+              <a:rPr lang="de-DE" dirty="0"/>
               <a:t>Zweite Ebene</a:t>
             </a:r>
           </a:p>
           <a:p>
             <a:pPr lvl="2"/>
             <a:r>
-              <a:rPr lang="de-DE" dirty="0" smtClean="0"/>
+              <a:rPr lang="de-DE" dirty="0"/>
               <a:t>Dritte Ebene</a:t>
             </a:r>
           </a:p>
           <a:p>
             <a:pPr lvl="3"/>
             <a:r>
-              <a:rPr lang="de-DE" dirty="0" smtClean="0"/>
+              <a:rPr lang="de-DE" dirty="0"/>
               <a:t>Vierte Ebene</a:t>
             </a:r>
           </a:p>
           <a:p>
             <a:pPr lvl="4"/>
             <a:r>
-              <a:rPr lang="de-DE" dirty="0" smtClean="0"/>
+              <a:rPr lang="de-DE" dirty="0"/>
               <a:t>Fünfte Ebene</a:t>
             </a:r>
             <a:endParaRPr lang="en-US" dirty="0"/>
@@ -8545,13 +8308,6 @@
   <p:clrMapOvr>
     <a:masterClrMapping/>
   </p:clrMapOvr>
-  <p:timing>
-    <p:tnLst>
-      <p:par>
-        <p:cTn id="1" dur="indefinite" restart="never" nodeType="tmRoot"/>
-      </p:par>
-    </p:tnLst>
-  </p:timing>
 </p:sldLayout>
 </file>
 
@@ -8588,10 +8344,9 @@
           <a:lstStyle/>
           <a:p>
             <a:r>
-              <a:rPr lang="de-DE" dirty="0" smtClean="0"/>
+              <a:rPr lang="de-DE" dirty="0"/>
               <a:t>Titelmasterformat durch Klicken bearbeiten</a:t>
             </a:r>
-            <a:endParaRPr lang="de-DE" dirty="0"/>
           </a:p>
         </p:txBody>
       </p:sp>
@@ -8660,7 +8415,7 @@
           </a:lstStyle>
           <a:p>
             <a:r>
-              <a:rPr lang="de-DE" altLang="de-DE" smtClean="0"/>
+              <a:rPr lang="de-DE" altLang="de-DE"/>
               <a:t>Firma | Referent | Abteilung | 13.05.2015</a:t>
             </a:r>
             <a:endParaRPr lang="de-DE" altLang="de-DE" dirty="0"/>
@@ -8751,13 +8506,6 @@
   <p:clrMapOvr>
     <a:masterClrMapping/>
   </p:clrMapOvr>
-  <p:timing>
-    <p:tnLst>
-      <p:par>
-        <p:cTn id="1" dur="indefinite" restart="never" nodeType="tmRoot"/>
-      </p:par>
-    </p:tnLst>
-  </p:timing>
 </p:sldLayout>
 </file>
 
@@ -8843,7 +8591,7 @@
           </a:lstStyle>
           <a:p>
             <a:r>
-              <a:rPr lang="de-DE" altLang="de-DE" smtClean="0"/>
+              <a:rPr lang="de-DE" altLang="de-DE"/>
               <a:t>Firma | Referent | Abteilung | 13.05.2015</a:t>
             </a:r>
             <a:endParaRPr lang="de-DE" altLang="de-DE" dirty="0"/>
@@ -8934,13 +8682,6 @@
   <p:clrMapOvr>
     <a:masterClrMapping/>
   </p:clrMapOvr>
-  <p:timing>
-    <p:tnLst>
-      <p:par>
-        <p:cTn id="1" dur="indefinite" restart="never" nodeType="tmRoot"/>
-      </p:par>
-    </p:tnLst>
-  </p:timing>
 </p:sldLayout>
 </file>
 
@@ -9013,7 +8754,7 @@
               <a:buNone/>
               <a:tabLst/>
             </a:pPr>
-            <a:endParaRPr kumimoji="0" lang="de-DE" sz="1600" b="0" i="0" u="none" strike="noStrike" cap="none" normalizeH="0" baseline="0" dirty="0" err="1" smtClean="0">
+            <a:endParaRPr kumimoji="0" lang="de-DE" sz="1600" b="0" i="0" u="none" strike="noStrike" cap="none" normalizeH="0" baseline="0" dirty="0" err="1">
               <a:ln>
                 <a:noFill/>
               </a:ln>
@@ -9046,10 +8787,9 @@
           </a:lstStyle>
           <a:p>
             <a:r>
-              <a:rPr lang="de-DE" dirty="0" smtClean="0"/>
+              <a:rPr lang="de-DE" dirty="0"/>
               <a:t>Titelmasterformat durch Klicken bearbeiten</a:t>
             </a:r>
-            <a:endParaRPr lang="de-DE" dirty="0"/>
           </a:p>
         </p:txBody>
       </p:sp>
@@ -9075,38 +8815,37 @@
           <a:p>
             <a:pPr lvl="0"/>
             <a:r>
-              <a:rPr lang="de-DE" dirty="0" smtClean="0"/>
+              <a:rPr lang="de-DE" dirty="0"/>
               <a:t>Textmasterformat bearbeiten</a:t>
             </a:r>
           </a:p>
           <a:p>
             <a:pPr lvl="1"/>
             <a:r>
-              <a:rPr lang="de-DE" dirty="0" smtClean="0"/>
+              <a:rPr lang="de-DE" dirty="0"/>
               <a:t>Zweite Ebene</a:t>
             </a:r>
           </a:p>
           <a:p>
             <a:pPr lvl="2"/>
             <a:r>
-              <a:rPr lang="de-DE" dirty="0" smtClean="0"/>
+              <a:rPr lang="de-DE" dirty="0"/>
               <a:t>Dritte Ebene</a:t>
             </a:r>
           </a:p>
           <a:p>
             <a:pPr lvl="3"/>
             <a:r>
-              <a:rPr lang="de-DE" dirty="0" smtClean="0"/>
+              <a:rPr lang="de-DE" dirty="0"/>
               <a:t>Vierte Ebene</a:t>
             </a:r>
           </a:p>
           <a:p>
             <a:pPr lvl="4"/>
             <a:r>
-              <a:rPr lang="de-DE" dirty="0" smtClean="0"/>
+              <a:rPr lang="de-DE" dirty="0"/>
               <a:t>Fünfte Ebene</a:t>
             </a:r>
-            <a:endParaRPr lang="de-DE" dirty="0"/>
           </a:p>
         </p:txBody>
       </p:sp>
@@ -9175,7 +8914,7 @@
           </a:lstStyle>
           <a:p>
             <a:r>
-              <a:rPr lang="de-DE" altLang="de-DE" smtClean="0"/>
+              <a:rPr lang="de-DE" altLang="de-DE"/>
               <a:t>Firma | Referent | Abteilung | 13.05.2015</a:t>
             </a:r>
             <a:endParaRPr lang="de-DE" altLang="de-DE" dirty="0"/>
@@ -9266,13 +9005,6 @@
   <p:clrMapOvr>
     <a:masterClrMapping/>
   </p:clrMapOvr>
-  <p:timing>
-    <p:tnLst>
-      <p:par>
-        <p:cTn id="1" dur="indefinite" restart="never" nodeType="tmRoot"/>
-      </p:par>
-    </p:tnLst>
-  </p:timing>
 </p:sldLayout>
 </file>
 
@@ -9363,7 +9095,7 @@
           <a:p>
             <a:pPr lvl="0"/>
             <a:r>
-              <a:rPr lang="de-DE" altLang="de-DE" dirty="0" smtClean="0"/>
+              <a:rPr lang="de-DE" altLang="de-DE" dirty="0"/>
               <a:t>Klicken Sie, um das Titelformat zu bearbeiten</a:t>
             </a:r>
           </a:p>
@@ -9431,35 +9163,35 @@
           <a:p>
             <a:pPr lvl="0"/>
             <a:r>
-              <a:rPr lang="de-DE" altLang="de-DE" dirty="0" smtClean="0"/>
+              <a:rPr lang="de-DE" altLang="de-DE" dirty="0"/>
               <a:t>Klicken Sie, um die Formate des Vorlagentextes zu bearbeiten</a:t>
             </a:r>
           </a:p>
           <a:p>
             <a:pPr lvl="1"/>
             <a:r>
-              <a:rPr lang="de-DE" altLang="de-DE" dirty="0" smtClean="0"/>
+              <a:rPr lang="de-DE" altLang="de-DE" dirty="0"/>
               <a:t>Zweite Ebene</a:t>
             </a:r>
           </a:p>
           <a:p>
             <a:pPr lvl="2"/>
             <a:r>
-              <a:rPr lang="de-DE" altLang="de-DE" dirty="0" smtClean="0"/>
+              <a:rPr lang="de-DE" altLang="de-DE" dirty="0"/>
               <a:t>Dritte Ebene</a:t>
             </a:r>
           </a:p>
           <a:p>
             <a:pPr lvl="3"/>
             <a:r>
-              <a:rPr lang="de-DE" altLang="de-DE" dirty="0" smtClean="0"/>
+              <a:rPr lang="de-DE" altLang="de-DE" dirty="0"/>
               <a:t>Vierte Ebene</a:t>
             </a:r>
           </a:p>
           <a:p>
             <a:pPr lvl="4"/>
             <a:r>
-              <a:rPr lang="de-DE" altLang="de-DE" dirty="0" smtClean="0"/>
+              <a:rPr lang="de-DE" altLang="de-DE" dirty="0"/>
               <a:t>Fünfte Ebene</a:t>
             </a:r>
           </a:p>
@@ -9530,7 +9262,7 @@
           </a:lstStyle>
           <a:p>
             <a:r>
-              <a:rPr lang="de-DE" altLang="de-DE" smtClean="0"/>
+              <a:rPr lang="de-DE" altLang="de-DE"/>
               <a:t>Firma | Referent | Abteilung | 13.05.2015</a:t>
             </a:r>
             <a:endParaRPr lang="de-DE" altLang="de-DE" dirty="0"/>
@@ -9694,13 +9426,6 @@
     <p:sldLayoutId id="2147483702" r:id="rId23"/>
     <p:sldLayoutId id="2147483701" r:id="rId24"/>
   </p:sldLayoutIdLst>
-  <p:timing>
-    <p:tnLst>
-      <p:par>
-        <p:cTn id="1" dur="indefinite" restart="never" nodeType="tmRoot"/>
-      </p:par>
-    </p:tnLst>
-  </p:timing>
   <p:hf hdr="0" dt="0"/>
   <p:txStyles>
     <p:titleStyle>
@@ -10343,10 +10068,9 @@
           </a:lstStyle>
           <a:p>
             <a:r>
-              <a:rPr lang="de-DE" dirty="0" smtClean="0"/>
+              <a:rPr lang="de-DE" dirty="0"/>
               <a:t>Projektvorstellung</a:t>
             </a:r>
-            <a:endParaRPr lang="de-DE" dirty="0"/>
           </a:p>
         </p:txBody>
       </p:sp>
@@ -10502,10 +10226,9 @@
           </a:lstStyle>
           <a:p>
             <a:r>
-              <a:rPr lang="de-DE" dirty="0" smtClean="0"/>
+              <a:rPr lang="de-DE" dirty="0"/>
               <a:t>Entwicklung einer Projektdokumentationssoftware auf Basis von Geodaten</a:t>
             </a:r>
-            <a:endParaRPr lang="de-DE" dirty="0"/>
           </a:p>
         </p:txBody>
       </p:sp>
@@ -10692,7 +10415,7 @@
           </a:lstStyle>
           <a:p>
             <a:r>
-              <a:rPr lang="de-DE" altLang="de-DE" sz="1200" b="1" smtClean="0">
+              <a:rPr lang="de-DE" altLang="de-DE" sz="1200" b="1">
                 <a:solidFill>
                   <a:schemeClr val="bg1"/>
                 </a:solidFill>
@@ -10817,13 +10540,1974 @@
   <p:clrMapOvr>
     <a:masterClrMapping/>
   </p:clrMapOvr>
-  <p:timing>
-    <p:tnLst>
-      <p:par>
-        <p:cTn id="1" dur="indefinite" restart="never" nodeType="tmRoot"/>
-      </p:par>
-    </p:tnLst>
-  </p:timing>
+</p:sld>
+</file>
+
+<file path=ppt/slides/slide10.xml><?xml version="1.0" encoding="utf-8"?>
+<p:sld xmlns:a="http://schemas.openxmlformats.org/drawingml/2006/main" xmlns:r="http://schemas.openxmlformats.org/officeDocument/2006/relationships" xmlns:p="http://schemas.openxmlformats.org/presentationml/2006/main">
+  <p:cSld>
+    <p:spTree>
+      <p:nvGrpSpPr>
+        <p:cNvPr id="1" name=""/>
+        <p:cNvGrpSpPr/>
+        <p:nvPr/>
+      </p:nvGrpSpPr>
+      <p:grpSpPr>
+        <a:xfrm>
+          <a:off x="0" y="0"/>
+          <a:ext cx="0" cy="0"/>
+          <a:chOff x="0" y="0"/>
+          <a:chExt cx="0" cy="0"/>
+        </a:xfrm>
+      </p:grpSpPr>
+      <p:sp>
+        <p:nvSpPr>
+          <p:cNvPr id="3" name="Titel 2">
+            <a:extLst>
+              <a:ext uri="{FF2B5EF4-FFF2-40B4-BE49-F238E27FC236}">
+                <a16:creationId xmlns:a16="http://schemas.microsoft.com/office/drawing/2014/main" id="{E228C0BC-C3C6-4608-9694-3FB1328F324E}"/>
+              </a:ext>
+            </a:extLst>
+          </p:cNvPr>
+          <p:cNvSpPr>
+            <a:spLocks noGrp="1"/>
+          </p:cNvSpPr>
+          <p:nvPr>
+            <p:ph type="title"/>
+          </p:nvPr>
+        </p:nvSpPr>
+        <p:spPr/>
+        <p:txBody>
+          <a:bodyPr/>
+          <a:lstStyle/>
+          <a:p>
+            <a:r>
+              <a:rPr lang="de-DE" dirty="0"/>
+              <a:t>Auswertung</a:t>
+            </a:r>
+          </a:p>
+        </p:txBody>
+      </p:sp>
+      <p:graphicFrame>
+        <p:nvGraphicFramePr>
+          <p:cNvPr id="6" name="Inhaltsplatzhalter 5">
+            <a:extLst>
+              <a:ext uri="{FF2B5EF4-FFF2-40B4-BE49-F238E27FC236}">
+                <a16:creationId xmlns:a16="http://schemas.microsoft.com/office/drawing/2014/main" id="{AD267F70-0116-43F0-8248-2800B219DD0F}"/>
+              </a:ext>
+            </a:extLst>
+          </p:cNvPr>
+          <p:cNvGraphicFramePr>
+            <a:graphicFrameLocks noGrp="1"/>
+          </p:cNvGraphicFramePr>
+          <p:nvPr>
+            <p:ph idx="1"/>
+            <p:extLst>
+              <p:ext uri="{D42A27DB-BD31-4B8C-83A1-F6EECF244321}">
+                <p14:modId xmlns:p14="http://schemas.microsoft.com/office/powerpoint/2010/main" val="858689374"/>
+              </p:ext>
+            </p:extLst>
+          </p:nvPr>
+        </p:nvGraphicFramePr>
+        <p:xfrm>
+          <a:off x="1945005" y="1439862"/>
+          <a:ext cx="6009640" cy="4268470"/>
+        </p:xfrm>
+        <a:graphic>
+          <a:graphicData uri="http://schemas.openxmlformats.org/drawingml/2006/table">
+            <a:tbl>
+              <a:tblPr firstRow="1" firstCol="1" bandRow="1"/>
+              <a:tblGrid>
+                <a:gridCol w="3487114">
+                  <a:extLst>
+                    <a:ext uri="{9D8B030D-6E8A-4147-A177-3AD203B41FA5}">
+                      <a16:colId xmlns:a16="http://schemas.microsoft.com/office/drawing/2014/main" val="3636828509"/>
+                    </a:ext>
+                  </a:extLst>
+                </a:gridCol>
+                <a:gridCol w="2522526">
+                  <a:extLst>
+                    <a:ext uri="{9D8B030D-6E8A-4147-A177-3AD203B41FA5}">
+                      <a16:colId xmlns:a16="http://schemas.microsoft.com/office/drawing/2014/main" val="3688397926"/>
+                    </a:ext>
+                  </a:extLst>
+                </a:gridCol>
+              </a:tblGrid>
+              <a:tr h="288290">
+                <a:tc>
+                  <a:txBody>
+                    <a:bodyPr/>
+                    <a:lstStyle/>
+                    <a:p>
+                      <a:pPr algn="l">
+                        <a:lnSpc>
+                          <a:spcPct val="150000"/>
+                        </a:lnSpc>
+                        <a:spcAft>
+                          <a:spcPts val="0"/>
+                        </a:spcAft>
+                      </a:pPr>
+                      <a:r>
+                        <a:rPr lang="de-DE" sz="1200" b="1">
+                          <a:solidFill>
+                            <a:srgbClr val="000000"/>
+                          </a:solidFill>
+                          <a:effectLst/>
+                          <a:latin typeface="DB Office" panose="020B0604020202020204"/>
+                          <a:ea typeface="Times New Roman" panose="02020603050405020304" pitchFamily="18" charset="0"/>
+                          <a:cs typeface="Times New Roman" panose="02020603050405020304" pitchFamily="18" charset="0"/>
+                        </a:rPr>
+                        <a:t>Kurzbeschreibung der Anforderung</a:t>
+                      </a:r>
+                      <a:endParaRPr lang="de-DE" sz="1200">
+                        <a:solidFill>
+                          <a:srgbClr val="000000"/>
+                        </a:solidFill>
+                        <a:effectLst/>
+                        <a:latin typeface="DB Office" panose="020B0604020202020204"/>
+                        <a:ea typeface="Times New Roman" panose="02020603050405020304" pitchFamily="18" charset="0"/>
+                        <a:cs typeface="Times New Roman" panose="02020603050405020304" pitchFamily="18" charset="0"/>
+                      </a:endParaRPr>
+                    </a:p>
+                  </a:txBody>
+                  <a:tcPr marL="68580" marR="68580" marT="0" marB="0" anchor="ctr">
+                    <a:lnL w="12700" cap="flat" cmpd="sng" algn="ctr">
+                      <a:solidFill>
+                        <a:srgbClr val="000000"/>
+                      </a:solidFill>
+                      <a:prstDash val="solid"/>
+                      <a:round/>
+                      <a:headEnd type="none" w="med" len="med"/>
+                      <a:tailEnd type="none" w="med" len="med"/>
+                    </a:lnL>
+                    <a:lnR w="12700" cap="flat" cmpd="sng" algn="ctr">
+                      <a:solidFill>
+                        <a:srgbClr val="000000"/>
+                      </a:solidFill>
+                      <a:prstDash val="solid"/>
+                      <a:round/>
+                      <a:headEnd type="none" w="med" len="med"/>
+                      <a:tailEnd type="none" w="med" len="med"/>
+                    </a:lnR>
+                    <a:lnT w="12700" cap="flat" cmpd="sng" algn="ctr">
+                      <a:solidFill>
+                        <a:srgbClr val="000000"/>
+                      </a:solidFill>
+                      <a:prstDash val="solid"/>
+                      <a:round/>
+                      <a:headEnd type="none" w="med" len="med"/>
+                      <a:tailEnd type="none" w="med" len="med"/>
+                    </a:lnT>
+                    <a:lnB w="12700" cap="flat" cmpd="sng" algn="ctr">
+                      <a:solidFill>
+                        <a:srgbClr val="000000"/>
+                      </a:solidFill>
+                      <a:prstDash val="solid"/>
+                      <a:round/>
+                      <a:headEnd type="none" w="med" len="med"/>
+                      <a:tailEnd type="none" w="med" len="med"/>
+                    </a:lnB>
+                  </a:tcPr>
+                </a:tc>
+                <a:tc>
+                  <a:txBody>
+                    <a:bodyPr/>
+                    <a:lstStyle/>
+                    <a:p>
+                      <a:pPr algn="l">
+                        <a:lnSpc>
+                          <a:spcPct val="150000"/>
+                        </a:lnSpc>
+                        <a:spcAft>
+                          <a:spcPts val="0"/>
+                        </a:spcAft>
+                      </a:pPr>
+                      <a:r>
+                        <a:rPr lang="de-DE" sz="1200" b="1">
+                          <a:solidFill>
+                            <a:srgbClr val="000000"/>
+                          </a:solidFill>
+                          <a:effectLst/>
+                          <a:latin typeface="DB Office" panose="020B0604020202020204"/>
+                          <a:ea typeface="Times New Roman" panose="02020603050405020304" pitchFamily="18" charset="0"/>
+                          <a:cs typeface="Times New Roman" panose="02020603050405020304" pitchFamily="18" charset="0"/>
+                        </a:rPr>
+                        <a:t>Erfüllung der Anforderung</a:t>
+                      </a:r>
+                      <a:endParaRPr lang="de-DE" sz="1200">
+                        <a:solidFill>
+                          <a:srgbClr val="000000"/>
+                        </a:solidFill>
+                        <a:effectLst/>
+                        <a:latin typeface="DB Office" panose="020B0604020202020204"/>
+                        <a:ea typeface="Times New Roman" panose="02020603050405020304" pitchFamily="18" charset="0"/>
+                        <a:cs typeface="Times New Roman" panose="02020603050405020304" pitchFamily="18" charset="0"/>
+                      </a:endParaRPr>
+                    </a:p>
+                  </a:txBody>
+                  <a:tcPr marL="68580" marR="68580" marT="0" marB="0" anchor="ctr">
+                    <a:lnL w="12700" cap="flat" cmpd="sng" algn="ctr">
+                      <a:solidFill>
+                        <a:srgbClr val="000000"/>
+                      </a:solidFill>
+                      <a:prstDash val="solid"/>
+                      <a:round/>
+                      <a:headEnd type="none" w="med" len="med"/>
+                      <a:tailEnd type="none" w="med" len="med"/>
+                    </a:lnL>
+                    <a:lnR w="12700" cap="flat" cmpd="sng" algn="ctr">
+                      <a:solidFill>
+                        <a:srgbClr val="000000"/>
+                      </a:solidFill>
+                      <a:prstDash val="solid"/>
+                      <a:round/>
+                      <a:headEnd type="none" w="med" len="med"/>
+                      <a:tailEnd type="none" w="med" len="med"/>
+                    </a:lnR>
+                    <a:lnT w="12700" cap="flat" cmpd="sng" algn="ctr">
+                      <a:solidFill>
+                        <a:srgbClr val="000000"/>
+                      </a:solidFill>
+                      <a:prstDash val="solid"/>
+                      <a:round/>
+                      <a:headEnd type="none" w="med" len="med"/>
+                      <a:tailEnd type="none" w="med" len="med"/>
+                    </a:lnT>
+                    <a:lnB w="12700" cap="flat" cmpd="sng" algn="ctr">
+                      <a:solidFill>
+                        <a:srgbClr val="000000"/>
+                      </a:solidFill>
+                      <a:prstDash val="solid"/>
+                      <a:round/>
+                      <a:headEnd type="none" w="med" len="med"/>
+                      <a:tailEnd type="none" w="med" len="med"/>
+                    </a:lnB>
+                  </a:tcPr>
+                </a:tc>
+                <a:extLst>
+                  <a:ext uri="{0D108BD9-81ED-4DB2-BD59-A6C34878D82A}">
+                    <a16:rowId xmlns:a16="http://schemas.microsoft.com/office/drawing/2014/main" val="665539586"/>
+                  </a:ext>
+                </a:extLst>
+              </a:tr>
+              <a:tr h="288290">
+                <a:tc>
+                  <a:txBody>
+                    <a:bodyPr/>
+                    <a:lstStyle/>
+                    <a:p>
+                      <a:pPr algn="l">
+                        <a:lnSpc>
+                          <a:spcPct val="150000"/>
+                        </a:lnSpc>
+                        <a:spcAft>
+                          <a:spcPts val="0"/>
+                        </a:spcAft>
+                      </a:pPr>
+                      <a:r>
+                        <a:rPr lang="de-DE" sz="1200">
+                          <a:solidFill>
+                            <a:srgbClr val="000000"/>
+                          </a:solidFill>
+                          <a:effectLst/>
+                          <a:latin typeface="DB Office" panose="020B0604020202020204"/>
+                          <a:ea typeface="Times New Roman" panose="02020603050405020304" pitchFamily="18" charset="0"/>
+                          <a:cs typeface="Times New Roman" panose="02020603050405020304" pitchFamily="18" charset="0"/>
+                        </a:rPr>
+                        <a:t>Karte zu laufenden Projekten </a:t>
+                      </a:r>
+                    </a:p>
+                  </a:txBody>
+                  <a:tcPr marL="68580" marR="68580" marT="0" marB="0" anchor="ctr">
+                    <a:lnL w="12700" cap="flat" cmpd="sng" algn="ctr">
+                      <a:solidFill>
+                        <a:srgbClr val="000000"/>
+                      </a:solidFill>
+                      <a:prstDash val="solid"/>
+                      <a:round/>
+                      <a:headEnd type="none" w="med" len="med"/>
+                      <a:tailEnd type="none" w="med" len="med"/>
+                    </a:lnL>
+                    <a:lnR w="12700" cap="flat" cmpd="sng" algn="ctr">
+                      <a:solidFill>
+                        <a:srgbClr val="000000"/>
+                      </a:solidFill>
+                      <a:prstDash val="solid"/>
+                      <a:round/>
+                      <a:headEnd type="none" w="med" len="med"/>
+                      <a:tailEnd type="none" w="med" len="med"/>
+                    </a:lnR>
+                    <a:lnT w="12700" cap="flat" cmpd="sng" algn="ctr">
+                      <a:solidFill>
+                        <a:srgbClr val="000000"/>
+                      </a:solidFill>
+                      <a:prstDash val="solid"/>
+                      <a:round/>
+                      <a:headEnd type="none" w="med" len="med"/>
+                      <a:tailEnd type="none" w="med" len="med"/>
+                    </a:lnT>
+                    <a:lnB w="12700" cap="flat" cmpd="sng" algn="ctr">
+                      <a:solidFill>
+                        <a:srgbClr val="000000"/>
+                      </a:solidFill>
+                      <a:prstDash val="solid"/>
+                      <a:round/>
+                      <a:headEnd type="none" w="med" len="med"/>
+                      <a:tailEnd type="none" w="med" len="med"/>
+                    </a:lnB>
+                  </a:tcPr>
+                </a:tc>
+                <a:tc>
+                  <a:txBody>
+                    <a:bodyPr/>
+                    <a:lstStyle/>
+                    <a:p>
+                      <a:pPr algn="l">
+                        <a:lnSpc>
+                          <a:spcPct val="150000"/>
+                        </a:lnSpc>
+                        <a:spcAft>
+                          <a:spcPts val="0"/>
+                        </a:spcAft>
+                      </a:pPr>
+                      <a:r>
+                        <a:rPr lang="de-DE" sz="1200">
+                          <a:solidFill>
+                            <a:srgbClr val="000000"/>
+                          </a:solidFill>
+                          <a:effectLst/>
+                          <a:latin typeface="DB Office" panose="020B0604020202020204"/>
+                          <a:ea typeface="Times New Roman" panose="02020603050405020304" pitchFamily="18" charset="0"/>
+                          <a:cs typeface="Times New Roman" panose="02020603050405020304" pitchFamily="18" charset="0"/>
+                        </a:rPr>
+                        <a:t>erfüllt</a:t>
+                      </a:r>
+                    </a:p>
+                  </a:txBody>
+                  <a:tcPr marL="68580" marR="68580" marT="0" marB="0" anchor="ctr">
+                    <a:lnL w="12700" cap="flat" cmpd="sng" algn="ctr">
+                      <a:solidFill>
+                        <a:srgbClr val="000000"/>
+                      </a:solidFill>
+                      <a:prstDash val="solid"/>
+                      <a:round/>
+                      <a:headEnd type="none" w="med" len="med"/>
+                      <a:tailEnd type="none" w="med" len="med"/>
+                    </a:lnL>
+                    <a:lnR w="12700" cap="flat" cmpd="sng" algn="ctr">
+                      <a:solidFill>
+                        <a:srgbClr val="000000"/>
+                      </a:solidFill>
+                      <a:prstDash val="solid"/>
+                      <a:round/>
+                      <a:headEnd type="none" w="med" len="med"/>
+                      <a:tailEnd type="none" w="med" len="med"/>
+                    </a:lnR>
+                    <a:lnT w="12700" cap="flat" cmpd="sng" algn="ctr">
+                      <a:solidFill>
+                        <a:srgbClr val="000000"/>
+                      </a:solidFill>
+                      <a:prstDash val="solid"/>
+                      <a:round/>
+                      <a:headEnd type="none" w="med" len="med"/>
+                      <a:tailEnd type="none" w="med" len="med"/>
+                    </a:lnT>
+                    <a:lnB w="12700" cap="flat" cmpd="sng" algn="ctr">
+                      <a:solidFill>
+                        <a:srgbClr val="000000"/>
+                      </a:solidFill>
+                      <a:prstDash val="solid"/>
+                      <a:round/>
+                      <a:headEnd type="none" w="med" len="med"/>
+                      <a:tailEnd type="none" w="med" len="med"/>
+                    </a:lnB>
+                    <a:solidFill>
+                      <a:srgbClr val="00FF00"/>
+                    </a:solidFill>
+                  </a:tcPr>
+                </a:tc>
+                <a:extLst>
+                  <a:ext uri="{0D108BD9-81ED-4DB2-BD59-A6C34878D82A}">
+                    <a16:rowId xmlns:a16="http://schemas.microsoft.com/office/drawing/2014/main" val="2410258735"/>
+                  </a:ext>
+                </a:extLst>
+              </a:tr>
+              <a:tr h="288290">
+                <a:tc>
+                  <a:txBody>
+                    <a:bodyPr/>
+                    <a:lstStyle/>
+                    <a:p>
+                      <a:pPr algn="l">
+                        <a:lnSpc>
+                          <a:spcPct val="150000"/>
+                        </a:lnSpc>
+                        <a:spcAft>
+                          <a:spcPts val="0"/>
+                        </a:spcAft>
+                      </a:pPr>
+                      <a:r>
+                        <a:rPr lang="de-DE" sz="1200">
+                          <a:solidFill>
+                            <a:srgbClr val="000000"/>
+                          </a:solidFill>
+                          <a:effectLst/>
+                          <a:latin typeface="DB Office" panose="020B0604020202020204"/>
+                          <a:ea typeface="Times New Roman" panose="02020603050405020304" pitchFamily="18" charset="0"/>
+                          <a:cs typeface="Times New Roman" panose="02020603050405020304" pitchFamily="18" charset="0"/>
+                        </a:rPr>
+                        <a:t>Details zu Projekten über Popups o.ä.</a:t>
+                      </a:r>
+                    </a:p>
+                  </a:txBody>
+                  <a:tcPr marL="68580" marR="68580" marT="0" marB="0" anchor="ctr">
+                    <a:lnL w="12700" cap="flat" cmpd="sng" algn="ctr">
+                      <a:solidFill>
+                        <a:srgbClr val="000000"/>
+                      </a:solidFill>
+                      <a:prstDash val="solid"/>
+                      <a:round/>
+                      <a:headEnd type="none" w="med" len="med"/>
+                      <a:tailEnd type="none" w="med" len="med"/>
+                    </a:lnL>
+                    <a:lnR w="12700" cap="flat" cmpd="sng" algn="ctr">
+                      <a:solidFill>
+                        <a:srgbClr val="000000"/>
+                      </a:solidFill>
+                      <a:prstDash val="solid"/>
+                      <a:round/>
+                      <a:headEnd type="none" w="med" len="med"/>
+                      <a:tailEnd type="none" w="med" len="med"/>
+                    </a:lnR>
+                    <a:lnT w="12700" cap="flat" cmpd="sng" algn="ctr">
+                      <a:solidFill>
+                        <a:srgbClr val="000000"/>
+                      </a:solidFill>
+                      <a:prstDash val="solid"/>
+                      <a:round/>
+                      <a:headEnd type="none" w="med" len="med"/>
+                      <a:tailEnd type="none" w="med" len="med"/>
+                    </a:lnT>
+                    <a:lnB w="12700" cap="flat" cmpd="sng" algn="ctr">
+                      <a:solidFill>
+                        <a:srgbClr val="000000"/>
+                      </a:solidFill>
+                      <a:prstDash val="solid"/>
+                      <a:round/>
+                      <a:headEnd type="none" w="med" len="med"/>
+                      <a:tailEnd type="none" w="med" len="med"/>
+                    </a:lnB>
+                  </a:tcPr>
+                </a:tc>
+                <a:tc>
+                  <a:txBody>
+                    <a:bodyPr/>
+                    <a:lstStyle/>
+                    <a:p>
+                      <a:pPr algn="l">
+                        <a:lnSpc>
+                          <a:spcPct val="150000"/>
+                        </a:lnSpc>
+                        <a:spcAft>
+                          <a:spcPts val="0"/>
+                        </a:spcAft>
+                      </a:pPr>
+                      <a:r>
+                        <a:rPr lang="de-DE" sz="1200">
+                          <a:solidFill>
+                            <a:srgbClr val="000000"/>
+                          </a:solidFill>
+                          <a:effectLst/>
+                          <a:latin typeface="DB Office" panose="020B0604020202020204"/>
+                          <a:ea typeface="Times New Roman" panose="02020603050405020304" pitchFamily="18" charset="0"/>
+                          <a:cs typeface="Times New Roman" panose="02020603050405020304" pitchFamily="18" charset="0"/>
+                        </a:rPr>
+                        <a:t>erfüllt</a:t>
+                      </a:r>
+                    </a:p>
+                  </a:txBody>
+                  <a:tcPr marL="68580" marR="68580" marT="0" marB="0" anchor="ctr">
+                    <a:lnL w="12700" cap="flat" cmpd="sng" algn="ctr">
+                      <a:solidFill>
+                        <a:srgbClr val="000000"/>
+                      </a:solidFill>
+                      <a:prstDash val="solid"/>
+                      <a:round/>
+                      <a:headEnd type="none" w="med" len="med"/>
+                      <a:tailEnd type="none" w="med" len="med"/>
+                    </a:lnL>
+                    <a:lnR w="12700" cap="flat" cmpd="sng" algn="ctr">
+                      <a:solidFill>
+                        <a:srgbClr val="000000"/>
+                      </a:solidFill>
+                      <a:prstDash val="solid"/>
+                      <a:round/>
+                      <a:headEnd type="none" w="med" len="med"/>
+                      <a:tailEnd type="none" w="med" len="med"/>
+                    </a:lnR>
+                    <a:lnT w="12700" cap="flat" cmpd="sng" algn="ctr">
+                      <a:solidFill>
+                        <a:srgbClr val="000000"/>
+                      </a:solidFill>
+                      <a:prstDash val="solid"/>
+                      <a:round/>
+                      <a:headEnd type="none" w="med" len="med"/>
+                      <a:tailEnd type="none" w="med" len="med"/>
+                    </a:lnT>
+                    <a:lnB w="12700" cap="flat" cmpd="sng" algn="ctr">
+                      <a:solidFill>
+                        <a:srgbClr val="000000"/>
+                      </a:solidFill>
+                      <a:prstDash val="solid"/>
+                      <a:round/>
+                      <a:headEnd type="none" w="med" len="med"/>
+                      <a:tailEnd type="none" w="med" len="med"/>
+                    </a:lnB>
+                    <a:solidFill>
+                      <a:srgbClr val="00FF00"/>
+                    </a:solidFill>
+                  </a:tcPr>
+                </a:tc>
+                <a:extLst>
+                  <a:ext uri="{0D108BD9-81ED-4DB2-BD59-A6C34878D82A}">
+                    <a16:rowId xmlns:a16="http://schemas.microsoft.com/office/drawing/2014/main" val="1188519143"/>
+                  </a:ext>
+                </a:extLst>
+              </a:tr>
+              <a:tr h="288290">
+                <a:tc>
+                  <a:txBody>
+                    <a:bodyPr/>
+                    <a:lstStyle/>
+                    <a:p>
+                      <a:pPr algn="l">
+                        <a:lnSpc>
+                          <a:spcPct val="150000"/>
+                        </a:lnSpc>
+                        <a:spcAft>
+                          <a:spcPts val="0"/>
+                        </a:spcAft>
+                      </a:pPr>
+                      <a:r>
+                        <a:rPr lang="de-DE" sz="1200">
+                          <a:solidFill>
+                            <a:srgbClr val="000000"/>
+                          </a:solidFill>
+                          <a:effectLst/>
+                          <a:latin typeface="DB Office" panose="020B0604020202020204"/>
+                          <a:ea typeface="Times New Roman" panose="02020603050405020304" pitchFamily="18" charset="0"/>
+                          <a:cs typeface="Times New Roman" panose="02020603050405020304" pitchFamily="18" charset="0"/>
+                        </a:rPr>
+                        <a:t>Verwaltungssystem</a:t>
+                      </a:r>
+                    </a:p>
+                  </a:txBody>
+                  <a:tcPr marL="68580" marR="68580" marT="0" marB="0" anchor="ctr">
+                    <a:lnL w="12700" cap="flat" cmpd="sng" algn="ctr">
+                      <a:solidFill>
+                        <a:srgbClr val="000000"/>
+                      </a:solidFill>
+                      <a:prstDash val="solid"/>
+                      <a:round/>
+                      <a:headEnd type="none" w="med" len="med"/>
+                      <a:tailEnd type="none" w="med" len="med"/>
+                    </a:lnL>
+                    <a:lnR w="12700" cap="flat" cmpd="sng" algn="ctr">
+                      <a:solidFill>
+                        <a:srgbClr val="000000"/>
+                      </a:solidFill>
+                      <a:prstDash val="solid"/>
+                      <a:round/>
+                      <a:headEnd type="none" w="med" len="med"/>
+                      <a:tailEnd type="none" w="med" len="med"/>
+                    </a:lnR>
+                    <a:lnT w="12700" cap="flat" cmpd="sng" algn="ctr">
+                      <a:solidFill>
+                        <a:srgbClr val="000000"/>
+                      </a:solidFill>
+                      <a:prstDash val="solid"/>
+                      <a:round/>
+                      <a:headEnd type="none" w="med" len="med"/>
+                      <a:tailEnd type="none" w="med" len="med"/>
+                    </a:lnT>
+                    <a:lnB w="12700" cap="flat" cmpd="sng" algn="ctr">
+                      <a:solidFill>
+                        <a:srgbClr val="000000"/>
+                      </a:solidFill>
+                      <a:prstDash val="solid"/>
+                      <a:round/>
+                      <a:headEnd type="none" w="med" len="med"/>
+                      <a:tailEnd type="none" w="med" len="med"/>
+                    </a:lnB>
+                  </a:tcPr>
+                </a:tc>
+                <a:tc>
+                  <a:txBody>
+                    <a:bodyPr/>
+                    <a:lstStyle/>
+                    <a:p>
+                      <a:pPr algn="l">
+                        <a:lnSpc>
+                          <a:spcPct val="150000"/>
+                        </a:lnSpc>
+                        <a:spcAft>
+                          <a:spcPts val="0"/>
+                        </a:spcAft>
+                      </a:pPr>
+                      <a:r>
+                        <a:rPr lang="de-DE" sz="1200">
+                          <a:solidFill>
+                            <a:srgbClr val="000000"/>
+                          </a:solidFill>
+                          <a:effectLst/>
+                          <a:latin typeface="DB Office" panose="020B0604020202020204"/>
+                          <a:ea typeface="Times New Roman" panose="02020603050405020304" pitchFamily="18" charset="0"/>
+                          <a:cs typeface="Times New Roman" panose="02020603050405020304" pitchFamily="18" charset="0"/>
+                        </a:rPr>
+                        <a:t>erfüllt</a:t>
+                      </a:r>
+                    </a:p>
+                  </a:txBody>
+                  <a:tcPr marL="68580" marR="68580" marT="0" marB="0" anchor="ctr">
+                    <a:lnL w="12700" cap="flat" cmpd="sng" algn="ctr">
+                      <a:solidFill>
+                        <a:srgbClr val="000000"/>
+                      </a:solidFill>
+                      <a:prstDash val="solid"/>
+                      <a:round/>
+                      <a:headEnd type="none" w="med" len="med"/>
+                      <a:tailEnd type="none" w="med" len="med"/>
+                    </a:lnL>
+                    <a:lnR w="12700" cap="flat" cmpd="sng" algn="ctr">
+                      <a:solidFill>
+                        <a:srgbClr val="000000"/>
+                      </a:solidFill>
+                      <a:prstDash val="solid"/>
+                      <a:round/>
+                      <a:headEnd type="none" w="med" len="med"/>
+                      <a:tailEnd type="none" w="med" len="med"/>
+                    </a:lnR>
+                    <a:lnT w="12700" cap="flat" cmpd="sng" algn="ctr">
+                      <a:solidFill>
+                        <a:srgbClr val="000000"/>
+                      </a:solidFill>
+                      <a:prstDash val="solid"/>
+                      <a:round/>
+                      <a:headEnd type="none" w="med" len="med"/>
+                      <a:tailEnd type="none" w="med" len="med"/>
+                    </a:lnT>
+                    <a:lnB w="12700" cap="flat" cmpd="sng" algn="ctr">
+                      <a:solidFill>
+                        <a:srgbClr val="000000"/>
+                      </a:solidFill>
+                      <a:prstDash val="solid"/>
+                      <a:round/>
+                      <a:headEnd type="none" w="med" len="med"/>
+                      <a:tailEnd type="none" w="med" len="med"/>
+                    </a:lnB>
+                    <a:solidFill>
+                      <a:srgbClr val="00FF00"/>
+                    </a:solidFill>
+                  </a:tcPr>
+                </a:tc>
+                <a:extLst>
+                  <a:ext uri="{0D108BD9-81ED-4DB2-BD59-A6C34878D82A}">
+                    <a16:rowId xmlns:a16="http://schemas.microsoft.com/office/drawing/2014/main" val="735980325"/>
+                  </a:ext>
+                </a:extLst>
+              </a:tr>
+              <a:tr h="288290">
+                <a:tc>
+                  <a:txBody>
+                    <a:bodyPr/>
+                    <a:lstStyle/>
+                    <a:p>
+                      <a:pPr algn="l">
+                        <a:lnSpc>
+                          <a:spcPct val="150000"/>
+                        </a:lnSpc>
+                        <a:spcAft>
+                          <a:spcPts val="0"/>
+                        </a:spcAft>
+                      </a:pPr>
+                      <a:r>
+                        <a:rPr lang="de-DE" sz="1200">
+                          <a:solidFill>
+                            <a:srgbClr val="000000"/>
+                          </a:solidFill>
+                          <a:effectLst/>
+                          <a:latin typeface="DB Office" panose="020B0604020202020204"/>
+                          <a:ea typeface="Times New Roman" panose="02020603050405020304" pitchFamily="18" charset="0"/>
+                          <a:cs typeface="Times New Roman" panose="02020603050405020304" pitchFamily="18" charset="0"/>
+                        </a:rPr>
+                        <a:t>optional: Historie</a:t>
+                      </a:r>
+                    </a:p>
+                  </a:txBody>
+                  <a:tcPr marL="68580" marR="68580" marT="0" marB="0" anchor="ctr">
+                    <a:lnL w="12700" cap="flat" cmpd="sng" algn="ctr">
+                      <a:solidFill>
+                        <a:srgbClr val="000000"/>
+                      </a:solidFill>
+                      <a:prstDash val="solid"/>
+                      <a:round/>
+                      <a:headEnd type="none" w="med" len="med"/>
+                      <a:tailEnd type="none" w="med" len="med"/>
+                    </a:lnL>
+                    <a:lnR w="12700" cap="flat" cmpd="sng" algn="ctr">
+                      <a:solidFill>
+                        <a:srgbClr val="000000"/>
+                      </a:solidFill>
+                      <a:prstDash val="solid"/>
+                      <a:round/>
+                      <a:headEnd type="none" w="med" len="med"/>
+                      <a:tailEnd type="none" w="med" len="med"/>
+                    </a:lnR>
+                    <a:lnT w="12700" cap="flat" cmpd="sng" algn="ctr">
+                      <a:solidFill>
+                        <a:srgbClr val="000000"/>
+                      </a:solidFill>
+                      <a:prstDash val="solid"/>
+                      <a:round/>
+                      <a:headEnd type="none" w="med" len="med"/>
+                      <a:tailEnd type="none" w="med" len="med"/>
+                    </a:lnT>
+                    <a:lnB w="12700" cap="flat" cmpd="sng" algn="ctr">
+                      <a:solidFill>
+                        <a:srgbClr val="000000"/>
+                      </a:solidFill>
+                      <a:prstDash val="solid"/>
+                      <a:round/>
+                      <a:headEnd type="none" w="med" len="med"/>
+                      <a:tailEnd type="none" w="med" len="med"/>
+                    </a:lnB>
+                  </a:tcPr>
+                </a:tc>
+                <a:tc>
+                  <a:txBody>
+                    <a:bodyPr/>
+                    <a:lstStyle/>
+                    <a:p>
+                      <a:pPr algn="l">
+                        <a:lnSpc>
+                          <a:spcPct val="150000"/>
+                        </a:lnSpc>
+                        <a:spcAft>
+                          <a:spcPts val="0"/>
+                        </a:spcAft>
+                      </a:pPr>
+                      <a:r>
+                        <a:rPr lang="de-DE" sz="1200">
+                          <a:solidFill>
+                            <a:srgbClr val="000000"/>
+                          </a:solidFill>
+                          <a:effectLst/>
+                          <a:latin typeface="DB Office" panose="020B0604020202020204"/>
+                          <a:ea typeface="Times New Roman" panose="02020603050405020304" pitchFamily="18" charset="0"/>
+                          <a:cs typeface="Times New Roman" panose="02020603050405020304" pitchFamily="18" charset="0"/>
+                        </a:rPr>
+                        <a:t>nicht erfüllt</a:t>
+                      </a:r>
+                    </a:p>
+                  </a:txBody>
+                  <a:tcPr marL="68580" marR="68580" marT="0" marB="0" anchor="ctr">
+                    <a:lnL w="12700" cap="flat" cmpd="sng" algn="ctr">
+                      <a:solidFill>
+                        <a:srgbClr val="000000"/>
+                      </a:solidFill>
+                      <a:prstDash val="solid"/>
+                      <a:round/>
+                      <a:headEnd type="none" w="med" len="med"/>
+                      <a:tailEnd type="none" w="med" len="med"/>
+                    </a:lnL>
+                    <a:lnR w="12700" cap="flat" cmpd="sng" algn="ctr">
+                      <a:solidFill>
+                        <a:srgbClr val="000000"/>
+                      </a:solidFill>
+                      <a:prstDash val="solid"/>
+                      <a:round/>
+                      <a:headEnd type="none" w="med" len="med"/>
+                      <a:tailEnd type="none" w="med" len="med"/>
+                    </a:lnR>
+                    <a:lnT w="12700" cap="flat" cmpd="sng" algn="ctr">
+                      <a:solidFill>
+                        <a:srgbClr val="000000"/>
+                      </a:solidFill>
+                      <a:prstDash val="solid"/>
+                      <a:round/>
+                      <a:headEnd type="none" w="med" len="med"/>
+                      <a:tailEnd type="none" w="med" len="med"/>
+                    </a:lnT>
+                    <a:lnB w="12700" cap="flat" cmpd="sng" algn="ctr">
+                      <a:solidFill>
+                        <a:srgbClr val="000000"/>
+                      </a:solidFill>
+                      <a:prstDash val="solid"/>
+                      <a:round/>
+                      <a:headEnd type="none" w="med" len="med"/>
+                      <a:tailEnd type="none" w="med" len="med"/>
+                    </a:lnB>
+                    <a:solidFill>
+                      <a:srgbClr val="FF0000"/>
+                    </a:solidFill>
+                  </a:tcPr>
+                </a:tc>
+                <a:extLst>
+                  <a:ext uri="{0D108BD9-81ED-4DB2-BD59-A6C34878D82A}">
+                    <a16:rowId xmlns:a16="http://schemas.microsoft.com/office/drawing/2014/main" val="1068312008"/>
+                  </a:ext>
+                </a:extLst>
+              </a:tr>
+              <a:tr h="288290">
+                <a:tc>
+                  <a:txBody>
+                    <a:bodyPr/>
+                    <a:lstStyle/>
+                    <a:p>
+                      <a:pPr algn="l">
+                        <a:lnSpc>
+                          <a:spcPct val="150000"/>
+                        </a:lnSpc>
+                        <a:spcAft>
+                          <a:spcPts val="0"/>
+                        </a:spcAft>
+                      </a:pPr>
+                      <a:r>
+                        <a:rPr lang="de-DE" sz="1200">
+                          <a:solidFill>
+                            <a:srgbClr val="000000"/>
+                          </a:solidFill>
+                          <a:effectLst/>
+                          <a:latin typeface="DB Office" panose="020B0604020202020204"/>
+                          <a:ea typeface="Times New Roman" panose="02020603050405020304" pitchFamily="18" charset="0"/>
+                          <a:cs typeface="Times New Roman" panose="02020603050405020304" pitchFamily="18" charset="0"/>
+                        </a:rPr>
+                        <a:t>optional: Geodaten der DB Netz AG</a:t>
+                      </a:r>
+                    </a:p>
+                  </a:txBody>
+                  <a:tcPr marL="68580" marR="68580" marT="0" marB="0" anchor="ctr">
+                    <a:lnL w="12700" cap="flat" cmpd="sng" algn="ctr">
+                      <a:solidFill>
+                        <a:srgbClr val="000000"/>
+                      </a:solidFill>
+                      <a:prstDash val="solid"/>
+                      <a:round/>
+                      <a:headEnd type="none" w="med" len="med"/>
+                      <a:tailEnd type="none" w="med" len="med"/>
+                    </a:lnL>
+                    <a:lnR w="12700" cap="flat" cmpd="sng" algn="ctr">
+                      <a:solidFill>
+                        <a:srgbClr val="000000"/>
+                      </a:solidFill>
+                      <a:prstDash val="solid"/>
+                      <a:round/>
+                      <a:headEnd type="none" w="med" len="med"/>
+                      <a:tailEnd type="none" w="med" len="med"/>
+                    </a:lnR>
+                    <a:lnT w="12700" cap="flat" cmpd="sng" algn="ctr">
+                      <a:solidFill>
+                        <a:srgbClr val="000000"/>
+                      </a:solidFill>
+                      <a:prstDash val="solid"/>
+                      <a:round/>
+                      <a:headEnd type="none" w="med" len="med"/>
+                      <a:tailEnd type="none" w="med" len="med"/>
+                    </a:lnT>
+                    <a:lnB w="12700" cap="flat" cmpd="sng" algn="ctr">
+                      <a:solidFill>
+                        <a:srgbClr val="000000"/>
+                      </a:solidFill>
+                      <a:prstDash val="solid"/>
+                      <a:round/>
+                      <a:headEnd type="none" w="med" len="med"/>
+                      <a:tailEnd type="none" w="med" len="med"/>
+                    </a:lnB>
+                  </a:tcPr>
+                </a:tc>
+                <a:tc>
+                  <a:txBody>
+                    <a:bodyPr/>
+                    <a:lstStyle/>
+                    <a:p>
+                      <a:pPr algn="l">
+                        <a:lnSpc>
+                          <a:spcPct val="150000"/>
+                        </a:lnSpc>
+                        <a:spcAft>
+                          <a:spcPts val="0"/>
+                        </a:spcAft>
+                      </a:pPr>
+                      <a:r>
+                        <a:rPr lang="de-DE" sz="1200">
+                          <a:solidFill>
+                            <a:srgbClr val="000000"/>
+                          </a:solidFill>
+                          <a:effectLst/>
+                          <a:latin typeface="DB Office" panose="020B0604020202020204"/>
+                          <a:ea typeface="Times New Roman" panose="02020603050405020304" pitchFamily="18" charset="0"/>
+                          <a:cs typeface="Times New Roman" panose="02020603050405020304" pitchFamily="18" charset="0"/>
+                        </a:rPr>
+                        <a:t>erfüllt</a:t>
+                      </a:r>
+                    </a:p>
+                  </a:txBody>
+                  <a:tcPr marL="68580" marR="68580" marT="0" marB="0" anchor="ctr">
+                    <a:lnL w="12700" cap="flat" cmpd="sng" algn="ctr">
+                      <a:solidFill>
+                        <a:srgbClr val="000000"/>
+                      </a:solidFill>
+                      <a:prstDash val="solid"/>
+                      <a:round/>
+                      <a:headEnd type="none" w="med" len="med"/>
+                      <a:tailEnd type="none" w="med" len="med"/>
+                    </a:lnL>
+                    <a:lnR w="12700" cap="flat" cmpd="sng" algn="ctr">
+                      <a:solidFill>
+                        <a:srgbClr val="000000"/>
+                      </a:solidFill>
+                      <a:prstDash val="solid"/>
+                      <a:round/>
+                      <a:headEnd type="none" w="med" len="med"/>
+                      <a:tailEnd type="none" w="med" len="med"/>
+                    </a:lnR>
+                    <a:lnT w="12700" cap="flat" cmpd="sng" algn="ctr">
+                      <a:solidFill>
+                        <a:srgbClr val="000000"/>
+                      </a:solidFill>
+                      <a:prstDash val="solid"/>
+                      <a:round/>
+                      <a:headEnd type="none" w="med" len="med"/>
+                      <a:tailEnd type="none" w="med" len="med"/>
+                    </a:lnT>
+                    <a:lnB w="12700" cap="flat" cmpd="sng" algn="ctr">
+                      <a:solidFill>
+                        <a:srgbClr val="000000"/>
+                      </a:solidFill>
+                      <a:prstDash val="solid"/>
+                      <a:round/>
+                      <a:headEnd type="none" w="med" len="med"/>
+                      <a:tailEnd type="none" w="med" len="med"/>
+                    </a:lnB>
+                    <a:solidFill>
+                      <a:srgbClr val="00FF00"/>
+                    </a:solidFill>
+                  </a:tcPr>
+                </a:tc>
+                <a:extLst>
+                  <a:ext uri="{0D108BD9-81ED-4DB2-BD59-A6C34878D82A}">
+                    <a16:rowId xmlns:a16="http://schemas.microsoft.com/office/drawing/2014/main" val="3017636504"/>
+                  </a:ext>
+                </a:extLst>
+              </a:tr>
+              <a:tr h="288290">
+                <a:tc>
+                  <a:txBody>
+                    <a:bodyPr/>
+                    <a:lstStyle/>
+                    <a:p>
+                      <a:pPr algn="l">
+                        <a:lnSpc>
+                          <a:spcPct val="150000"/>
+                        </a:lnSpc>
+                        <a:spcAft>
+                          <a:spcPts val="0"/>
+                        </a:spcAft>
+                      </a:pPr>
+                      <a:r>
+                        <a:rPr lang="de-DE" sz="1200">
+                          <a:solidFill>
+                            <a:srgbClr val="000000"/>
+                          </a:solidFill>
+                          <a:effectLst/>
+                          <a:latin typeface="DB Office" panose="020B0604020202020204"/>
+                          <a:ea typeface="Times New Roman" panose="02020603050405020304" pitchFamily="18" charset="0"/>
+                          <a:cs typeface="Times New Roman" panose="02020603050405020304" pitchFamily="18" charset="0"/>
+                        </a:rPr>
+                        <a:t>optional: Kompatibilität mit Daten der DB Netz AG</a:t>
+                      </a:r>
+                    </a:p>
+                  </a:txBody>
+                  <a:tcPr marL="68580" marR="68580" marT="0" marB="0" anchor="ctr">
+                    <a:lnL w="12700" cap="flat" cmpd="sng" algn="ctr">
+                      <a:solidFill>
+                        <a:srgbClr val="000000"/>
+                      </a:solidFill>
+                      <a:prstDash val="solid"/>
+                      <a:round/>
+                      <a:headEnd type="none" w="med" len="med"/>
+                      <a:tailEnd type="none" w="med" len="med"/>
+                    </a:lnL>
+                    <a:lnR w="12700" cap="flat" cmpd="sng" algn="ctr">
+                      <a:solidFill>
+                        <a:srgbClr val="000000"/>
+                      </a:solidFill>
+                      <a:prstDash val="solid"/>
+                      <a:round/>
+                      <a:headEnd type="none" w="med" len="med"/>
+                      <a:tailEnd type="none" w="med" len="med"/>
+                    </a:lnR>
+                    <a:lnT w="12700" cap="flat" cmpd="sng" algn="ctr">
+                      <a:solidFill>
+                        <a:srgbClr val="000000"/>
+                      </a:solidFill>
+                      <a:prstDash val="solid"/>
+                      <a:round/>
+                      <a:headEnd type="none" w="med" len="med"/>
+                      <a:tailEnd type="none" w="med" len="med"/>
+                    </a:lnT>
+                    <a:lnB w="12700" cap="flat" cmpd="sng" algn="ctr">
+                      <a:solidFill>
+                        <a:srgbClr val="000000"/>
+                      </a:solidFill>
+                      <a:prstDash val="solid"/>
+                      <a:round/>
+                      <a:headEnd type="none" w="med" len="med"/>
+                      <a:tailEnd type="none" w="med" len="med"/>
+                    </a:lnB>
+                  </a:tcPr>
+                </a:tc>
+                <a:tc>
+                  <a:txBody>
+                    <a:bodyPr/>
+                    <a:lstStyle/>
+                    <a:p>
+                      <a:pPr algn="l">
+                        <a:lnSpc>
+                          <a:spcPct val="150000"/>
+                        </a:lnSpc>
+                        <a:spcAft>
+                          <a:spcPts val="0"/>
+                        </a:spcAft>
+                      </a:pPr>
+                      <a:r>
+                        <a:rPr lang="de-DE" sz="1200">
+                          <a:solidFill>
+                            <a:srgbClr val="000000"/>
+                          </a:solidFill>
+                          <a:effectLst/>
+                          <a:latin typeface="DB Office" panose="020B0604020202020204"/>
+                          <a:ea typeface="Times New Roman" panose="02020603050405020304" pitchFamily="18" charset="0"/>
+                          <a:cs typeface="Times New Roman" panose="02020603050405020304" pitchFamily="18" charset="0"/>
+                        </a:rPr>
+                        <a:t>nicht erforderlich</a:t>
+                      </a:r>
+                    </a:p>
+                  </a:txBody>
+                  <a:tcPr marL="68580" marR="68580" marT="0" marB="0" anchor="ctr">
+                    <a:lnL w="12700" cap="flat" cmpd="sng" algn="ctr">
+                      <a:solidFill>
+                        <a:srgbClr val="000000"/>
+                      </a:solidFill>
+                      <a:prstDash val="solid"/>
+                      <a:round/>
+                      <a:headEnd type="none" w="med" len="med"/>
+                      <a:tailEnd type="none" w="med" len="med"/>
+                    </a:lnL>
+                    <a:lnR w="12700" cap="flat" cmpd="sng" algn="ctr">
+                      <a:solidFill>
+                        <a:srgbClr val="000000"/>
+                      </a:solidFill>
+                      <a:prstDash val="solid"/>
+                      <a:round/>
+                      <a:headEnd type="none" w="med" len="med"/>
+                      <a:tailEnd type="none" w="med" len="med"/>
+                    </a:lnR>
+                    <a:lnT w="12700" cap="flat" cmpd="sng" algn="ctr">
+                      <a:solidFill>
+                        <a:srgbClr val="000000"/>
+                      </a:solidFill>
+                      <a:prstDash val="solid"/>
+                      <a:round/>
+                      <a:headEnd type="none" w="med" len="med"/>
+                      <a:tailEnd type="none" w="med" len="med"/>
+                    </a:lnT>
+                    <a:lnB w="12700" cap="flat" cmpd="sng" algn="ctr">
+                      <a:solidFill>
+                        <a:srgbClr val="000000"/>
+                      </a:solidFill>
+                      <a:prstDash val="solid"/>
+                      <a:round/>
+                      <a:headEnd type="none" w="med" len="med"/>
+                      <a:tailEnd type="none" w="med" len="med"/>
+                    </a:lnB>
+                    <a:solidFill>
+                      <a:srgbClr val="00FF00"/>
+                    </a:solidFill>
+                  </a:tcPr>
+                </a:tc>
+                <a:extLst>
+                  <a:ext uri="{0D108BD9-81ED-4DB2-BD59-A6C34878D82A}">
+                    <a16:rowId xmlns:a16="http://schemas.microsoft.com/office/drawing/2014/main" val="898427968"/>
+                  </a:ext>
+                </a:extLst>
+              </a:tr>
+              <a:tr h="288290">
+                <a:tc>
+                  <a:txBody>
+                    <a:bodyPr/>
+                    <a:lstStyle/>
+                    <a:p>
+                      <a:pPr algn="l">
+                        <a:lnSpc>
+                          <a:spcPct val="150000"/>
+                        </a:lnSpc>
+                        <a:spcAft>
+                          <a:spcPts val="0"/>
+                        </a:spcAft>
+                      </a:pPr>
+                      <a:r>
+                        <a:rPr lang="de-DE" sz="1200" dirty="0">
+                          <a:solidFill>
+                            <a:srgbClr val="000000"/>
+                          </a:solidFill>
+                          <a:effectLst/>
+                          <a:latin typeface="DB Office" panose="020B0604020202020204"/>
+                          <a:ea typeface="Times New Roman" panose="02020603050405020304" pitchFamily="18" charset="0"/>
+                          <a:cs typeface="Times New Roman" panose="02020603050405020304" pitchFamily="18" charset="0"/>
+                        </a:rPr>
+                        <a:t>Zeitverzögerung bei einer Anfrage maximal fünf Sekunden</a:t>
+                      </a:r>
+                    </a:p>
+                  </a:txBody>
+                  <a:tcPr marL="68580" marR="68580" marT="0" marB="0" anchor="ctr">
+                    <a:lnL w="12700" cap="flat" cmpd="sng" algn="ctr">
+                      <a:solidFill>
+                        <a:srgbClr val="000000"/>
+                      </a:solidFill>
+                      <a:prstDash val="solid"/>
+                      <a:round/>
+                      <a:headEnd type="none" w="med" len="med"/>
+                      <a:tailEnd type="none" w="med" len="med"/>
+                    </a:lnL>
+                    <a:lnR w="12700" cap="flat" cmpd="sng" algn="ctr">
+                      <a:solidFill>
+                        <a:srgbClr val="000000"/>
+                      </a:solidFill>
+                      <a:prstDash val="solid"/>
+                      <a:round/>
+                      <a:headEnd type="none" w="med" len="med"/>
+                      <a:tailEnd type="none" w="med" len="med"/>
+                    </a:lnR>
+                    <a:lnT w="12700" cap="flat" cmpd="sng" algn="ctr">
+                      <a:solidFill>
+                        <a:srgbClr val="000000"/>
+                      </a:solidFill>
+                      <a:prstDash val="solid"/>
+                      <a:round/>
+                      <a:headEnd type="none" w="med" len="med"/>
+                      <a:tailEnd type="none" w="med" len="med"/>
+                    </a:lnT>
+                    <a:lnB w="12700" cap="flat" cmpd="sng" algn="ctr">
+                      <a:solidFill>
+                        <a:srgbClr val="000000"/>
+                      </a:solidFill>
+                      <a:prstDash val="solid"/>
+                      <a:round/>
+                      <a:headEnd type="none" w="med" len="med"/>
+                      <a:tailEnd type="none" w="med" len="med"/>
+                    </a:lnB>
+                  </a:tcPr>
+                </a:tc>
+                <a:tc>
+                  <a:txBody>
+                    <a:bodyPr/>
+                    <a:lstStyle/>
+                    <a:p>
+                      <a:pPr algn="l">
+                        <a:lnSpc>
+                          <a:spcPct val="150000"/>
+                        </a:lnSpc>
+                        <a:spcAft>
+                          <a:spcPts val="0"/>
+                        </a:spcAft>
+                      </a:pPr>
+                      <a:r>
+                        <a:rPr lang="de-DE" sz="1200">
+                          <a:solidFill>
+                            <a:srgbClr val="000000"/>
+                          </a:solidFill>
+                          <a:effectLst/>
+                          <a:latin typeface="DB Office" panose="020B0604020202020204"/>
+                          <a:ea typeface="Times New Roman" panose="02020603050405020304" pitchFamily="18" charset="0"/>
+                          <a:cs typeface="Times New Roman" panose="02020603050405020304" pitchFamily="18" charset="0"/>
+                        </a:rPr>
+                        <a:t>nicht erfüllt (s. 6.1.1)</a:t>
+                      </a:r>
+                    </a:p>
+                  </a:txBody>
+                  <a:tcPr marL="68580" marR="68580" marT="0" marB="0" anchor="ctr">
+                    <a:lnL w="12700" cap="flat" cmpd="sng" algn="ctr">
+                      <a:solidFill>
+                        <a:srgbClr val="000000"/>
+                      </a:solidFill>
+                      <a:prstDash val="solid"/>
+                      <a:round/>
+                      <a:headEnd type="none" w="med" len="med"/>
+                      <a:tailEnd type="none" w="med" len="med"/>
+                    </a:lnL>
+                    <a:lnR w="12700" cap="flat" cmpd="sng" algn="ctr">
+                      <a:solidFill>
+                        <a:srgbClr val="000000"/>
+                      </a:solidFill>
+                      <a:prstDash val="solid"/>
+                      <a:round/>
+                      <a:headEnd type="none" w="med" len="med"/>
+                      <a:tailEnd type="none" w="med" len="med"/>
+                    </a:lnR>
+                    <a:lnT w="12700" cap="flat" cmpd="sng" algn="ctr">
+                      <a:solidFill>
+                        <a:srgbClr val="000000"/>
+                      </a:solidFill>
+                      <a:prstDash val="solid"/>
+                      <a:round/>
+                      <a:headEnd type="none" w="med" len="med"/>
+                      <a:tailEnd type="none" w="med" len="med"/>
+                    </a:lnT>
+                    <a:lnB w="12700" cap="flat" cmpd="sng" algn="ctr">
+                      <a:solidFill>
+                        <a:srgbClr val="000000"/>
+                      </a:solidFill>
+                      <a:prstDash val="solid"/>
+                      <a:round/>
+                      <a:headEnd type="none" w="med" len="med"/>
+                      <a:tailEnd type="none" w="med" len="med"/>
+                    </a:lnB>
+                    <a:solidFill>
+                      <a:srgbClr val="FF0000"/>
+                    </a:solidFill>
+                  </a:tcPr>
+                </a:tc>
+                <a:extLst>
+                  <a:ext uri="{0D108BD9-81ED-4DB2-BD59-A6C34878D82A}">
+                    <a16:rowId xmlns:a16="http://schemas.microsoft.com/office/drawing/2014/main" val="902964732"/>
+                  </a:ext>
+                </a:extLst>
+              </a:tr>
+              <a:tr h="288290">
+                <a:tc>
+                  <a:txBody>
+                    <a:bodyPr/>
+                    <a:lstStyle/>
+                    <a:p>
+                      <a:pPr algn="l">
+                        <a:lnSpc>
+                          <a:spcPct val="150000"/>
+                        </a:lnSpc>
+                        <a:spcAft>
+                          <a:spcPts val="0"/>
+                        </a:spcAft>
+                      </a:pPr>
+                      <a:r>
+                        <a:rPr lang="de-DE" sz="1200">
+                          <a:solidFill>
+                            <a:srgbClr val="000000"/>
+                          </a:solidFill>
+                          <a:effectLst/>
+                          <a:latin typeface="DB Office" panose="020B0604020202020204"/>
+                          <a:ea typeface="Times New Roman" panose="02020603050405020304" pitchFamily="18" charset="0"/>
+                          <a:cs typeface="Times New Roman" panose="02020603050405020304" pitchFamily="18" charset="0"/>
+                        </a:rPr>
+                        <a:t>Plattformunabhängigkeit</a:t>
+                      </a:r>
+                    </a:p>
+                  </a:txBody>
+                  <a:tcPr marL="68580" marR="68580" marT="0" marB="0" anchor="ctr">
+                    <a:lnL w="12700" cap="flat" cmpd="sng" algn="ctr">
+                      <a:solidFill>
+                        <a:srgbClr val="000000"/>
+                      </a:solidFill>
+                      <a:prstDash val="solid"/>
+                      <a:round/>
+                      <a:headEnd type="none" w="med" len="med"/>
+                      <a:tailEnd type="none" w="med" len="med"/>
+                    </a:lnL>
+                    <a:lnR w="12700" cap="flat" cmpd="sng" algn="ctr">
+                      <a:solidFill>
+                        <a:srgbClr val="000000"/>
+                      </a:solidFill>
+                      <a:prstDash val="solid"/>
+                      <a:round/>
+                      <a:headEnd type="none" w="med" len="med"/>
+                      <a:tailEnd type="none" w="med" len="med"/>
+                    </a:lnR>
+                    <a:lnT w="12700" cap="flat" cmpd="sng" algn="ctr">
+                      <a:solidFill>
+                        <a:srgbClr val="000000"/>
+                      </a:solidFill>
+                      <a:prstDash val="solid"/>
+                      <a:round/>
+                      <a:headEnd type="none" w="med" len="med"/>
+                      <a:tailEnd type="none" w="med" len="med"/>
+                    </a:lnT>
+                    <a:lnB w="12700" cap="flat" cmpd="sng" algn="ctr">
+                      <a:solidFill>
+                        <a:srgbClr val="000000"/>
+                      </a:solidFill>
+                      <a:prstDash val="solid"/>
+                      <a:round/>
+                      <a:headEnd type="none" w="med" len="med"/>
+                      <a:tailEnd type="none" w="med" len="med"/>
+                    </a:lnB>
+                  </a:tcPr>
+                </a:tc>
+                <a:tc>
+                  <a:txBody>
+                    <a:bodyPr/>
+                    <a:lstStyle/>
+                    <a:p>
+                      <a:pPr algn="l">
+                        <a:lnSpc>
+                          <a:spcPct val="150000"/>
+                        </a:lnSpc>
+                        <a:spcAft>
+                          <a:spcPts val="0"/>
+                        </a:spcAft>
+                      </a:pPr>
+                      <a:r>
+                        <a:rPr lang="de-DE" sz="1200">
+                          <a:solidFill>
+                            <a:srgbClr val="000000"/>
+                          </a:solidFill>
+                          <a:effectLst/>
+                          <a:latin typeface="DB Office" panose="020B0604020202020204"/>
+                          <a:ea typeface="Times New Roman" panose="02020603050405020304" pitchFamily="18" charset="0"/>
+                          <a:cs typeface="Times New Roman" panose="02020603050405020304" pitchFamily="18" charset="0"/>
+                        </a:rPr>
+                        <a:t>erfüllt</a:t>
+                      </a:r>
+                    </a:p>
+                  </a:txBody>
+                  <a:tcPr marL="68580" marR="68580" marT="0" marB="0" anchor="ctr">
+                    <a:lnL w="12700" cap="flat" cmpd="sng" algn="ctr">
+                      <a:solidFill>
+                        <a:srgbClr val="000000"/>
+                      </a:solidFill>
+                      <a:prstDash val="solid"/>
+                      <a:round/>
+                      <a:headEnd type="none" w="med" len="med"/>
+                      <a:tailEnd type="none" w="med" len="med"/>
+                    </a:lnL>
+                    <a:lnR w="12700" cap="flat" cmpd="sng" algn="ctr">
+                      <a:solidFill>
+                        <a:srgbClr val="000000"/>
+                      </a:solidFill>
+                      <a:prstDash val="solid"/>
+                      <a:round/>
+                      <a:headEnd type="none" w="med" len="med"/>
+                      <a:tailEnd type="none" w="med" len="med"/>
+                    </a:lnR>
+                    <a:lnT w="12700" cap="flat" cmpd="sng" algn="ctr">
+                      <a:solidFill>
+                        <a:srgbClr val="000000"/>
+                      </a:solidFill>
+                      <a:prstDash val="solid"/>
+                      <a:round/>
+                      <a:headEnd type="none" w="med" len="med"/>
+                      <a:tailEnd type="none" w="med" len="med"/>
+                    </a:lnT>
+                    <a:lnB w="12700" cap="flat" cmpd="sng" algn="ctr">
+                      <a:solidFill>
+                        <a:srgbClr val="000000"/>
+                      </a:solidFill>
+                      <a:prstDash val="solid"/>
+                      <a:round/>
+                      <a:headEnd type="none" w="med" len="med"/>
+                      <a:tailEnd type="none" w="med" len="med"/>
+                    </a:lnB>
+                    <a:solidFill>
+                      <a:srgbClr val="00FF00"/>
+                    </a:solidFill>
+                  </a:tcPr>
+                </a:tc>
+                <a:extLst>
+                  <a:ext uri="{0D108BD9-81ED-4DB2-BD59-A6C34878D82A}">
+                    <a16:rowId xmlns:a16="http://schemas.microsoft.com/office/drawing/2014/main" val="3150643655"/>
+                  </a:ext>
+                </a:extLst>
+              </a:tr>
+              <a:tr h="288290">
+                <a:tc>
+                  <a:txBody>
+                    <a:bodyPr/>
+                    <a:lstStyle/>
+                    <a:p>
+                      <a:pPr algn="l">
+                        <a:lnSpc>
+                          <a:spcPct val="150000"/>
+                        </a:lnSpc>
+                        <a:spcAft>
+                          <a:spcPts val="0"/>
+                        </a:spcAft>
+                      </a:pPr>
+                      <a:r>
+                        <a:rPr lang="de-DE" sz="1200" dirty="0">
+                          <a:solidFill>
+                            <a:srgbClr val="000000"/>
+                          </a:solidFill>
+                          <a:effectLst/>
+                          <a:latin typeface="DB Office" panose="020B0604020202020204"/>
+                          <a:ea typeface="Times New Roman" panose="02020603050405020304" pitchFamily="18" charset="0"/>
+                          <a:cs typeface="Times New Roman" panose="02020603050405020304" pitchFamily="18" charset="0"/>
+                        </a:rPr>
+                        <a:t>Ungültige Eingaben müssen abgefangen werden (Stabilität muss gewährleistet sein)</a:t>
+                      </a:r>
+                    </a:p>
+                  </a:txBody>
+                  <a:tcPr marL="68580" marR="68580" marT="0" marB="0" anchor="ctr">
+                    <a:lnL w="12700" cap="flat" cmpd="sng" algn="ctr">
+                      <a:solidFill>
+                        <a:srgbClr val="000000"/>
+                      </a:solidFill>
+                      <a:prstDash val="solid"/>
+                      <a:round/>
+                      <a:headEnd type="none" w="med" len="med"/>
+                      <a:tailEnd type="none" w="med" len="med"/>
+                    </a:lnL>
+                    <a:lnR w="12700" cap="flat" cmpd="sng" algn="ctr">
+                      <a:solidFill>
+                        <a:srgbClr val="000000"/>
+                      </a:solidFill>
+                      <a:prstDash val="solid"/>
+                      <a:round/>
+                      <a:headEnd type="none" w="med" len="med"/>
+                      <a:tailEnd type="none" w="med" len="med"/>
+                    </a:lnR>
+                    <a:lnT w="12700" cap="flat" cmpd="sng" algn="ctr">
+                      <a:solidFill>
+                        <a:srgbClr val="000000"/>
+                      </a:solidFill>
+                      <a:prstDash val="solid"/>
+                      <a:round/>
+                      <a:headEnd type="none" w="med" len="med"/>
+                      <a:tailEnd type="none" w="med" len="med"/>
+                    </a:lnT>
+                    <a:lnB w="12700" cap="flat" cmpd="sng" algn="ctr">
+                      <a:solidFill>
+                        <a:srgbClr val="000000"/>
+                      </a:solidFill>
+                      <a:prstDash val="solid"/>
+                      <a:round/>
+                      <a:headEnd type="none" w="med" len="med"/>
+                      <a:tailEnd type="none" w="med" len="med"/>
+                    </a:lnB>
+                  </a:tcPr>
+                </a:tc>
+                <a:tc>
+                  <a:txBody>
+                    <a:bodyPr/>
+                    <a:lstStyle/>
+                    <a:p>
+                      <a:pPr algn="l">
+                        <a:lnSpc>
+                          <a:spcPct val="150000"/>
+                        </a:lnSpc>
+                        <a:spcAft>
+                          <a:spcPts val="0"/>
+                        </a:spcAft>
+                      </a:pPr>
+                      <a:r>
+                        <a:rPr lang="de-DE" sz="1200">
+                          <a:solidFill>
+                            <a:srgbClr val="000000"/>
+                          </a:solidFill>
+                          <a:effectLst/>
+                          <a:latin typeface="DB Office" panose="020B0604020202020204"/>
+                          <a:ea typeface="Times New Roman" panose="02020603050405020304" pitchFamily="18" charset="0"/>
+                          <a:cs typeface="Times New Roman" panose="02020603050405020304" pitchFamily="18" charset="0"/>
+                        </a:rPr>
+                        <a:t>erfüllt (konnte nicht in jedem Fall überprüft werden)</a:t>
+                      </a:r>
+                    </a:p>
+                  </a:txBody>
+                  <a:tcPr marL="68580" marR="68580" marT="0" marB="0" anchor="ctr">
+                    <a:lnL w="12700" cap="flat" cmpd="sng" algn="ctr">
+                      <a:solidFill>
+                        <a:srgbClr val="000000"/>
+                      </a:solidFill>
+                      <a:prstDash val="solid"/>
+                      <a:round/>
+                      <a:headEnd type="none" w="med" len="med"/>
+                      <a:tailEnd type="none" w="med" len="med"/>
+                    </a:lnL>
+                    <a:lnR w="12700" cap="flat" cmpd="sng" algn="ctr">
+                      <a:solidFill>
+                        <a:srgbClr val="000000"/>
+                      </a:solidFill>
+                      <a:prstDash val="solid"/>
+                      <a:round/>
+                      <a:headEnd type="none" w="med" len="med"/>
+                      <a:tailEnd type="none" w="med" len="med"/>
+                    </a:lnR>
+                    <a:lnT w="12700" cap="flat" cmpd="sng" algn="ctr">
+                      <a:solidFill>
+                        <a:srgbClr val="000000"/>
+                      </a:solidFill>
+                      <a:prstDash val="solid"/>
+                      <a:round/>
+                      <a:headEnd type="none" w="med" len="med"/>
+                      <a:tailEnd type="none" w="med" len="med"/>
+                    </a:lnT>
+                    <a:lnB w="12700" cap="flat" cmpd="sng" algn="ctr">
+                      <a:solidFill>
+                        <a:srgbClr val="000000"/>
+                      </a:solidFill>
+                      <a:prstDash val="solid"/>
+                      <a:round/>
+                      <a:headEnd type="none" w="med" len="med"/>
+                      <a:tailEnd type="none" w="med" len="med"/>
+                    </a:lnB>
+                    <a:solidFill>
+                      <a:srgbClr val="00FF00"/>
+                    </a:solidFill>
+                  </a:tcPr>
+                </a:tc>
+                <a:extLst>
+                  <a:ext uri="{0D108BD9-81ED-4DB2-BD59-A6C34878D82A}">
+                    <a16:rowId xmlns:a16="http://schemas.microsoft.com/office/drawing/2014/main" val="1186452510"/>
+                  </a:ext>
+                </a:extLst>
+              </a:tr>
+              <a:tr h="288290">
+                <a:tc>
+                  <a:txBody>
+                    <a:bodyPr/>
+                    <a:lstStyle/>
+                    <a:p>
+                      <a:pPr algn="l">
+                        <a:lnSpc>
+                          <a:spcPct val="150000"/>
+                        </a:lnSpc>
+                        <a:spcAft>
+                          <a:spcPts val="0"/>
+                        </a:spcAft>
+                      </a:pPr>
+                      <a:r>
+                        <a:rPr lang="de-DE" sz="1200">
+                          <a:solidFill>
+                            <a:srgbClr val="000000"/>
+                          </a:solidFill>
+                          <a:effectLst/>
+                          <a:latin typeface="DB Office" panose="020B0604020202020204"/>
+                          <a:ea typeface="Times New Roman" panose="02020603050405020304" pitchFamily="18" charset="0"/>
+                          <a:cs typeface="Times New Roman" panose="02020603050405020304" pitchFamily="18" charset="0"/>
+                        </a:rPr>
+                        <a:t>Benutzerfreundlichkeit</a:t>
+                      </a:r>
+                    </a:p>
+                  </a:txBody>
+                  <a:tcPr marL="68580" marR="68580" marT="0" marB="0" anchor="ctr">
+                    <a:lnL w="12700" cap="flat" cmpd="sng" algn="ctr">
+                      <a:solidFill>
+                        <a:srgbClr val="000000"/>
+                      </a:solidFill>
+                      <a:prstDash val="solid"/>
+                      <a:round/>
+                      <a:headEnd type="none" w="med" len="med"/>
+                      <a:tailEnd type="none" w="med" len="med"/>
+                    </a:lnL>
+                    <a:lnR w="12700" cap="flat" cmpd="sng" algn="ctr">
+                      <a:solidFill>
+                        <a:srgbClr val="000000"/>
+                      </a:solidFill>
+                      <a:prstDash val="solid"/>
+                      <a:round/>
+                      <a:headEnd type="none" w="med" len="med"/>
+                      <a:tailEnd type="none" w="med" len="med"/>
+                    </a:lnR>
+                    <a:lnT w="12700" cap="flat" cmpd="sng" algn="ctr">
+                      <a:solidFill>
+                        <a:srgbClr val="000000"/>
+                      </a:solidFill>
+                      <a:prstDash val="solid"/>
+                      <a:round/>
+                      <a:headEnd type="none" w="med" len="med"/>
+                      <a:tailEnd type="none" w="med" len="med"/>
+                    </a:lnT>
+                    <a:lnB w="12700" cap="flat" cmpd="sng" algn="ctr">
+                      <a:solidFill>
+                        <a:srgbClr val="000000"/>
+                      </a:solidFill>
+                      <a:prstDash val="solid"/>
+                      <a:round/>
+                      <a:headEnd type="none" w="med" len="med"/>
+                      <a:tailEnd type="none" w="med" len="med"/>
+                    </a:lnB>
+                  </a:tcPr>
+                </a:tc>
+                <a:tc>
+                  <a:txBody>
+                    <a:bodyPr/>
+                    <a:lstStyle/>
+                    <a:p>
+                      <a:pPr algn="l">
+                        <a:lnSpc>
+                          <a:spcPct val="150000"/>
+                        </a:lnSpc>
+                        <a:spcAft>
+                          <a:spcPts val="0"/>
+                        </a:spcAft>
+                      </a:pPr>
+                      <a:r>
+                        <a:rPr lang="de-DE" sz="1200" dirty="0">
+                          <a:solidFill>
+                            <a:srgbClr val="000000"/>
+                          </a:solidFill>
+                          <a:effectLst/>
+                          <a:latin typeface="DB Office" panose="020B0604020202020204"/>
+                          <a:ea typeface="Times New Roman" panose="02020603050405020304" pitchFamily="18" charset="0"/>
+                          <a:cs typeface="Times New Roman" panose="02020603050405020304" pitchFamily="18" charset="0"/>
+                        </a:rPr>
+                        <a:t>erfüllt</a:t>
+                      </a:r>
+                    </a:p>
+                  </a:txBody>
+                  <a:tcPr marL="68580" marR="68580" marT="0" marB="0" anchor="ctr">
+                    <a:lnL w="12700" cap="flat" cmpd="sng" algn="ctr">
+                      <a:solidFill>
+                        <a:srgbClr val="000000"/>
+                      </a:solidFill>
+                      <a:prstDash val="solid"/>
+                      <a:round/>
+                      <a:headEnd type="none" w="med" len="med"/>
+                      <a:tailEnd type="none" w="med" len="med"/>
+                    </a:lnL>
+                    <a:lnR w="12700" cap="flat" cmpd="sng" algn="ctr">
+                      <a:solidFill>
+                        <a:srgbClr val="000000"/>
+                      </a:solidFill>
+                      <a:prstDash val="solid"/>
+                      <a:round/>
+                      <a:headEnd type="none" w="med" len="med"/>
+                      <a:tailEnd type="none" w="med" len="med"/>
+                    </a:lnR>
+                    <a:lnT w="12700" cap="flat" cmpd="sng" algn="ctr">
+                      <a:solidFill>
+                        <a:srgbClr val="000000"/>
+                      </a:solidFill>
+                      <a:prstDash val="solid"/>
+                      <a:round/>
+                      <a:headEnd type="none" w="med" len="med"/>
+                      <a:tailEnd type="none" w="med" len="med"/>
+                    </a:lnT>
+                    <a:lnB w="12700" cap="flat" cmpd="sng" algn="ctr">
+                      <a:solidFill>
+                        <a:srgbClr val="000000"/>
+                      </a:solidFill>
+                      <a:prstDash val="solid"/>
+                      <a:round/>
+                      <a:headEnd type="none" w="med" len="med"/>
+                      <a:tailEnd type="none" w="med" len="med"/>
+                    </a:lnB>
+                    <a:solidFill>
+                      <a:srgbClr val="00FF00"/>
+                    </a:solidFill>
+                  </a:tcPr>
+                </a:tc>
+                <a:extLst>
+                  <a:ext uri="{0D108BD9-81ED-4DB2-BD59-A6C34878D82A}">
+                    <a16:rowId xmlns:a16="http://schemas.microsoft.com/office/drawing/2014/main" val="503742141"/>
+                  </a:ext>
+                </a:extLst>
+              </a:tr>
+              <a:tr h="288290">
+                <a:tc>
+                  <a:txBody>
+                    <a:bodyPr/>
+                    <a:lstStyle/>
+                    <a:p>
+                      <a:pPr algn="l">
+                        <a:lnSpc>
+                          <a:spcPct val="150000"/>
+                        </a:lnSpc>
+                        <a:spcAft>
+                          <a:spcPts val="0"/>
+                        </a:spcAft>
+                      </a:pPr>
+                      <a:r>
+                        <a:rPr lang="de-DE" sz="1200">
+                          <a:solidFill>
+                            <a:srgbClr val="000000"/>
+                          </a:solidFill>
+                          <a:effectLst/>
+                          <a:latin typeface="DB Office" panose="020B0604020202020204"/>
+                          <a:ea typeface="Times New Roman" panose="02020603050405020304" pitchFamily="18" charset="0"/>
+                          <a:cs typeface="Times New Roman" panose="02020603050405020304" pitchFamily="18" charset="0"/>
+                        </a:rPr>
+                        <a:t>Dokumentation</a:t>
+                      </a:r>
+                    </a:p>
+                  </a:txBody>
+                  <a:tcPr marL="68580" marR="68580" marT="0" marB="0" anchor="ctr">
+                    <a:lnL w="12700" cap="flat" cmpd="sng" algn="ctr">
+                      <a:solidFill>
+                        <a:srgbClr val="000000"/>
+                      </a:solidFill>
+                      <a:prstDash val="solid"/>
+                      <a:round/>
+                      <a:headEnd type="none" w="med" len="med"/>
+                      <a:tailEnd type="none" w="med" len="med"/>
+                    </a:lnL>
+                    <a:lnR w="12700" cap="flat" cmpd="sng" algn="ctr">
+                      <a:solidFill>
+                        <a:srgbClr val="000000"/>
+                      </a:solidFill>
+                      <a:prstDash val="solid"/>
+                      <a:round/>
+                      <a:headEnd type="none" w="med" len="med"/>
+                      <a:tailEnd type="none" w="med" len="med"/>
+                    </a:lnR>
+                    <a:lnT w="12700" cap="flat" cmpd="sng" algn="ctr">
+                      <a:solidFill>
+                        <a:srgbClr val="000000"/>
+                      </a:solidFill>
+                      <a:prstDash val="solid"/>
+                      <a:round/>
+                      <a:headEnd type="none" w="med" len="med"/>
+                      <a:tailEnd type="none" w="med" len="med"/>
+                    </a:lnT>
+                    <a:lnB w="12700" cap="flat" cmpd="sng" algn="ctr">
+                      <a:solidFill>
+                        <a:srgbClr val="000000"/>
+                      </a:solidFill>
+                      <a:prstDash val="solid"/>
+                      <a:round/>
+                      <a:headEnd type="none" w="med" len="med"/>
+                      <a:tailEnd type="none" w="med" len="med"/>
+                    </a:lnB>
+                  </a:tcPr>
+                </a:tc>
+                <a:tc>
+                  <a:txBody>
+                    <a:bodyPr/>
+                    <a:lstStyle/>
+                    <a:p>
+                      <a:pPr algn="l">
+                        <a:lnSpc>
+                          <a:spcPct val="150000"/>
+                        </a:lnSpc>
+                        <a:spcAft>
+                          <a:spcPts val="0"/>
+                        </a:spcAft>
+                      </a:pPr>
+                      <a:r>
+                        <a:rPr lang="de-DE" sz="1200">
+                          <a:solidFill>
+                            <a:srgbClr val="000000"/>
+                          </a:solidFill>
+                          <a:effectLst/>
+                          <a:latin typeface="DB Office" panose="020B0604020202020204"/>
+                          <a:ea typeface="Times New Roman" panose="02020603050405020304" pitchFamily="18" charset="0"/>
+                          <a:cs typeface="Times New Roman" panose="02020603050405020304" pitchFamily="18" charset="0"/>
+                        </a:rPr>
+                        <a:t>erfüllt</a:t>
+                      </a:r>
+                    </a:p>
+                  </a:txBody>
+                  <a:tcPr marL="68580" marR="68580" marT="0" marB="0" anchor="ctr">
+                    <a:lnL w="12700" cap="flat" cmpd="sng" algn="ctr">
+                      <a:solidFill>
+                        <a:srgbClr val="000000"/>
+                      </a:solidFill>
+                      <a:prstDash val="solid"/>
+                      <a:round/>
+                      <a:headEnd type="none" w="med" len="med"/>
+                      <a:tailEnd type="none" w="med" len="med"/>
+                    </a:lnL>
+                    <a:lnR w="12700" cap="flat" cmpd="sng" algn="ctr">
+                      <a:solidFill>
+                        <a:srgbClr val="000000"/>
+                      </a:solidFill>
+                      <a:prstDash val="solid"/>
+                      <a:round/>
+                      <a:headEnd type="none" w="med" len="med"/>
+                      <a:tailEnd type="none" w="med" len="med"/>
+                    </a:lnR>
+                    <a:lnT w="12700" cap="flat" cmpd="sng" algn="ctr">
+                      <a:solidFill>
+                        <a:srgbClr val="000000"/>
+                      </a:solidFill>
+                      <a:prstDash val="solid"/>
+                      <a:round/>
+                      <a:headEnd type="none" w="med" len="med"/>
+                      <a:tailEnd type="none" w="med" len="med"/>
+                    </a:lnT>
+                    <a:lnB w="12700" cap="flat" cmpd="sng" algn="ctr">
+                      <a:solidFill>
+                        <a:srgbClr val="000000"/>
+                      </a:solidFill>
+                      <a:prstDash val="solid"/>
+                      <a:round/>
+                      <a:headEnd type="none" w="med" len="med"/>
+                      <a:tailEnd type="none" w="med" len="med"/>
+                    </a:lnB>
+                    <a:solidFill>
+                      <a:srgbClr val="00FF00"/>
+                    </a:solidFill>
+                  </a:tcPr>
+                </a:tc>
+                <a:extLst>
+                  <a:ext uri="{0D108BD9-81ED-4DB2-BD59-A6C34878D82A}">
+                    <a16:rowId xmlns:a16="http://schemas.microsoft.com/office/drawing/2014/main" val="3462113259"/>
+                  </a:ext>
+                </a:extLst>
+              </a:tr>
+              <a:tr h="288290">
+                <a:tc>
+                  <a:txBody>
+                    <a:bodyPr/>
+                    <a:lstStyle/>
+                    <a:p>
+                      <a:pPr algn="l">
+                        <a:lnSpc>
+                          <a:spcPct val="150000"/>
+                        </a:lnSpc>
+                        <a:spcAft>
+                          <a:spcPts val="0"/>
+                        </a:spcAft>
+                      </a:pPr>
+                      <a:r>
+                        <a:rPr lang="de-DE" sz="1200">
+                          <a:solidFill>
+                            <a:srgbClr val="000000"/>
+                          </a:solidFill>
+                          <a:effectLst/>
+                          <a:latin typeface="DB Office" panose="020B0604020202020204"/>
+                          <a:ea typeface="Times New Roman" panose="02020603050405020304" pitchFamily="18" charset="0"/>
+                          <a:cs typeface="Times New Roman" panose="02020603050405020304" pitchFamily="18" charset="0"/>
+                        </a:rPr>
+                        <a:t>Sicherheitsanforderungen</a:t>
+                      </a:r>
+                    </a:p>
+                  </a:txBody>
+                  <a:tcPr marL="68580" marR="68580" marT="0" marB="0" anchor="ctr">
+                    <a:lnL w="12700" cap="flat" cmpd="sng" algn="ctr">
+                      <a:solidFill>
+                        <a:srgbClr val="000000"/>
+                      </a:solidFill>
+                      <a:prstDash val="solid"/>
+                      <a:round/>
+                      <a:headEnd type="none" w="med" len="med"/>
+                      <a:tailEnd type="none" w="med" len="med"/>
+                    </a:lnL>
+                    <a:lnR w="12700" cap="flat" cmpd="sng" algn="ctr">
+                      <a:solidFill>
+                        <a:srgbClr val="000000"/>
+                      </a:solidFill>
+                      <a:prstDash val="solid"/>
+                      <a:round/>
+                      <a:headEnd type="none" w="med" len="med"/>
+                      <a:tailEnd type="none" w="med" len="med"/>
+                    </a:lnR>
+                    <a:lnT w="12700" cap="flat" cmpd="sng" algn="ctr">
+                      <a:solidFill>
+                        <a:srgbClr val="000000"/>
+                      </a:solidFill>
+                      <a:prstDash val="solid"/>
+                      <a:round/>
+                      <a:headEnd type="none" w="med" len="med"/>
+                      <a:tailEnd type="none" w="med" len="med"/>
+                    </a:lnT>
+                    <a:lnB w="12700" cap="flat" cmpd="sng" algn="ctr">
+                      <a:solidFill>
+                        <a:srgbClr val="000000"/>
+                      </a:solidFill>
+                      <a:prstDash val="solid"/>
+                      <a:round/>
+                      <a:headEnd type="none" w="med" len="med"/>
+                      <a:tailEnd type="none" w="med" len="med"/>
+                    </a:lnB>
+                  </a:tcPr>
+                </a:tc>
+                <a:tc>
+                  <a:txBody>
+                    <a:bodyPr/>
+                    <a:lstStyle/>
+                    <a:p>
+                      <a:pPr algn="l">
+                        <a:lnSpc>
+                          <a:spcPct val="150000"/>
+                        </a:lnSpc>
+                        <a:spcAft>
+                          <a:spcPts val="0"/>
+                        </a:spcAft>
+                      </a:pPr>
+                      <a:r>
+                        <a:rPr lang="de-DE" sz="1200" dirty="0">
+                          <a:solidFill>
+                            <a:srgbClr val="000000"/>
+                          </a:solidFill>
+                          <a:effectLst/>
+                          <a:latin typeface="DB Office" panose="020B0604020202020204"/>
+                          <a:ea typeface="Times New Roman" panose="02020603050405020304" pitchFamily="18" charset="0"/>
+                          <a:cs typeface="Times New Roman" panose="02020603050405020304" pitchFamily="18" charset="0"/>
+                        </a:rPr>
+                        <a:t>erfüllt</a:t>
+                      </a:r>
+                    </a:p>
+                  </a:txBody>
+                  <a:tcPr marL="68580" marR="68580" marT="0" marB="0" anchor="ctr">
+                    <a:lnL w="12700" cap="flat" cmpd="sng" algn="ctr">
+                      <a:solidFill>
+                        <a:srgbClr val="000000"/>
+                      </a:solidFill>
+                      <a:prstDash val="solid"/>
+                      <a:round/>
+                      <a:headEnd type="none" w="med" len="med"/>
+                      <a:tailEnd type="none" w="med" len="med"/>
+                    </a:lnL>
+                    <a:lnR w="12700" cap="flat" cmpd="sng" algn="ctr">
+                      <a:solidFill>
+                        <a:srgbClr val="000000"/>
+                      </a:solidFill>
+                      <a:prstDash val="solid"/>
+                      <a:round/>
+                      <a:headEnd type="none" w="med" len="med"/>
+                      <a:tailEnd type="none" w="med" len="med"/>
+                    </a:lnR>
+                    <a:lnT w="12700" cap="flat" cmpd="sng" algn="ctr">
+                      <a:solidFill>
+                        <a:srgbClr val="000000"/>
+                      </a:solidFill>
+                      <a:prstDash val="solid"/>
+                      <a:round/>
+                      <a:headEnd type="none" w="med" len="med"/>
+                      <a:tailEnd type="none" w="med" len="med"/>
+                    </a:lnT>
+                    <a:lnB w="12700" cap="flat" cmpd="sng" algn="ctr">
+                      <a:solidFill>
+                        <a:srgbClr val="000000"/>
+                      </a:solidFill>
+                      <a:prstDash val="solid"/>
+                      <a:round/>
+                      <a:headEnd type="none" w="med" len="med"/>
+                      <a:tailEnd type="none" w="med" len="med"/>
+                    </a:lnB>
+                    <a:solidFill>
+                      <a:srgbClr val="00FF00"/>
+                    </a:solidFill>
+                  </a:tcPr>
+                </a:tc>
+                <a:extLst>
+                  <a:ext uri="{0D108BD9-81ED-4DB2-BD59-A6C34878D82A}">
+                    <a16:rowId xmlns:a16="http://schemas.microsoft.com/office/drawing/2014/main" val="2048955919"/>
+                  </a:ext>
+                </a:extLst>
+              </a:tr>
+            </a:tbl>
+          </a:graphicData>
+        </a:graphic>
+      </p:graphicFrame>
+    </p:spTree>
+    <p:extLst>
+      <p:ext uri="{BB962C8B-B14F-4D97-AF65-F5344CB8AC3E}">
+        <p14:creationId xmlns:p14="http://schemas.microsoft.com/office/powerpoint/2010/main" val="2791151266"/>
+      </p:ext>
+    </p:extLst>
+  </p:cSld>
+  <p:clrMapOvr>
+    <a:masterClrMapping/>
+  </p:clrMapOvr>
 </p:sld>
 </file>
 
@@ -10860,10 +12544,9 @@
           <a:lstStyle/>
           <a:p>
             <a:r>
-              <a:rPr lang="de-DE" dirty="0" smtClean="0"/>
+              <a:rPr lang="de-DE" dirty="0"/>
               <a:t>Problemstellung</a:t>
             </a:r>
-            <a:endParaRPr lang="de-DE" dirty="0"/>
           </a:p>
         </p:txBody>
       </p:sp>
@@ -10883,7 +12566,7 @@
           <a:lstStyle/>
           <a:p>
             <a:r>
-              <a:rPr lang="de-DE" altLang="de-DE" smtClean="0"/>
+              <a:rPr lang="de-DE" altLang="de-DE"/>
               <a:t>DB Kommunikationstechnik GmbH | John Nitzsche | I.CPR-O-DRE | 25.09.2017</a:t>
             </a:r>
             <a:endParaRPr lang="de-DE" altLang="de-DE" dirty="0"/>
@@ -11285,18 +12968,13 @@
             <a:p>
               <a:pPr algn="ctr"/>
               <a:r>
-                <a:rPr lang="de-DE" altLang="de-DE" sz="1800" b="1" dirty="0" smtClean="0">
+                <a:rPr lang="de-DE" altLang="de-DE" sz="1800" b="1" dirty="0">
                   <a:solidFill>
                     <a:srgbClr val="FF0000"/>
                   </a:solidFill>
                 </a:rPr>
                 <a:t>eingeschränkter Überblick</a:t>
               </a:r>
-              <a:endParaRPr lang="de-DE" altLang="de-DE" sz="1800" b="1" dirty="0">
-                <a:solidFill>
-                  <a:srgbClr val="FF0000"/>
-                </a:solidFill>
-              </a:endParaRPr>
             </a:p>
           </p:txBody>
         </p:sp>
@@ -11480,10 +13158,9 @@
             <a:p>
               <a:pPr algn="r"/>
               <a:r>
-                <a:rPr lang="de-DE" altLang="de-DE" sz="1800" dirty="0" smtClean="0"/>
+                <a:rPr lang="de-DE" altLang="de-DE" sz="1800" dirty="0"/>
                 <a:t>Größe der Infrastruktur</a:t>
               </a:r>
-              <a:endParaRPr lang="de-DE" altLang="de-DE" sz="1800" dirty="0"/>
             </a:p>
           </p:txBody>
         </p:sp>
@@ -11667,10 +13344,9 @@
             <a:p>
               <a:pPr marL="0"/>
               <a:r>
-                <a:rPr lang="de-DE" altLang="de-DE" sz="1800" dirty="0" smtClean="0"/>
+                <a:rPr lang="de-DE" altLang="de-DE" sz="1800" dirty="0"/>
                 <a:t>Anzahl der Technologien</a:t>
               </a:r>
-              <a:endParaRPr lang="de-DE" altLang="de-DE" sz="1800" dirty="0"/>
             </a:p>
           </p:txBody>
         </p:sp>
@@ -11854,17 +13530,16 @@
             <a:p>
               <a:pPr marL="0" algn="r"/>
               <a:r>
-                <a:rPr lang="de-DE" altLang="de-DE" sz="1800" dirty="0" smtClean="0"/>
+                <a:rPr lang="de-DE" altLang="de-DE" sz="1800" dirty="0"/>
                 <a:t>Zeitliche</a:t>
               </a:r>
               <a:br>
-                <a:rPr lang="de-DE" altLang="de-DE" sz="1800" dirty="0" smtClean="0"/>
+                <a:rPr lang="de-DE" altLang="de-DE" sz="1800" dirty="0"/>
               </a:br>
               <a:r>
-                <a:rPr lang="de-DE" altLang="de-DE" sz="1800" dirty="0" smtClean="0"/>
+                <a:rPr lang="de-DE" altLang="de-DE" sz="1800" dirty="0"/>
                 <a:t>Verschiebung</a:t>
               </a:r>
-              <a:endParaRPr lang="de-DE" altLang="de-DE" sz="1800" dirty="0"/>
             </a:p>
           </p:txBody>
         </p:sp>
@@ -12048,10 +13723,9 @@
             <a:p>
               <a:pPr marL="0"/>
               <a:r>
-                <a:rPr lang="de-DE" altLang="de-DE" sz="1800" dirty="0" smtClean="0"/>
+                <a:rPr lang="de-DE" altLang="de-DE" sz="1800" dirty="0"/>
                 <a:t>Anzahl der Unternehmen</a:t>
               </a:r>
-              <a:endParaRPr lang="de-DE" altLang="de-DE" sz="1800" dirty="0"/>
             </a:p>
           </p:txBody>
         </p:sp>
@@ -12069,13 +13743,6 @@
   <p:clrMapOvr>
     <a:masterClrMapping/>
   </p:clrMapOvr>
-  <p:timing>
-    <p:tnLst>
-      <p:par>
-        <p:cTn id="1" dur="indefinite" restart="never" nodeType="tmRoot"/>
-      </p:par>
-    </p:tnLst>
-  </p:timing>
 </p:sld>
 </file>
 
@@ -12112,17 +13779,16 @@
           <a:lstStyle/>
           <a:p>
             <a:r>
-              <a:rPr lang="de-DE" dirty="0" smtClean="0"/>
+              <a:rPr lang="de-DE" dirty="0"/>
               <a:t>Zielsetzungen an das Projekt</a:t>
             </a:r>
             <a:br>
-              <a:rPr lang="de-DE" dirty="0" smtClean="0"/>
+              <a:rPr lang="de-DE" dirty="0"/>
             </a:br>
             <a:r>
-              <a:rPr lang="de-DE" dirty="0" smtClean="0"/>
+              <a:rPr lang="de-DE" dirty="0"/>
               <a:t>(Auszug aus Anforderungskatalog)</a:t>
             </a:r>
-            <a:endParaRPr lang="de-DE" dirty="0"/>
           </a:p>
         </p:txBody>
       </p:sp>
@@ -12142,7 +13808,7 @@
           <a:lstStyle/>
           <a:p>
             <a:r>
-              <a:rPr lang="de-DE" altLang="de-DE" smtClean="0"/>
+              <a:rPr lang="de-DE" altLang="de-DE"/>
               <a:t>DB Kommunikationstechnik GmbH | John Nitzsche | I.CPR-O-DRE | 25.09.2017</a:t>
             </a:r>
             <a:endParaRPr lang="de-DE" altLang="de-DE" dirty="0"/>
@@ -12625,10 +14291,9 @@
           </a:lstStyle>
           <a:p>
             <a:r>
-              <a:rPr lang="de-DE" altLang="de-DE" sz="1800" dirty="0" smtClean="0"/>
+              <a:rPr lang="de-DE" altLang="de-DE" sz="1800" dirty="0"/>
               <a:t>digitale Karte mit allen laufenden Projekten</a:t>
             </a:r>
-            <a:endParaRPr lang="de-DE" altLang="de-DE" sz="1800" dirty="0"/>
           </a:p>
         </p:txBody>
       </p:sp>
@@ -12667,10 +14332,9 @@
           <a:p>
             <a:pPr marL="92075" algn="l"/>
             <a:r>
-              <a:rPr lang="de-DE" altLang="de-DE" sz="1800" dirty="0" smtClean="0"/>
+              <a:rPr lang="de-DE" altLang="de-DE" sz="1800" dirty="0"/>
               <a:t>Datenbank mit Kerninformationen zu Projekten</a:t>
             </a:r>
-            <a:endParaRPr lang="de-DE" altLang="de-DE" sz="1800" dirty="0"/>
           </a:p>
         </p:txBody>
       </p:sp>
@@ -12709,10 +14373,9 @@
           <a:p>
             <a:pPr marL="92075" algn="l"/>
             <a:r>
-              <a:rPr lang="de-DE" altLang="de-DE" sz="1800" dirty="0" smtClean="0"/>
+              <a:rPr lang="de-DE" altLang="de-DE" sz="1800" dirty="0"/>
               <a:t>benutzerorientiertes Verwaltungssystem</a:t>
             </a:r>
-            <a:endParaRPr lang="de-DE" altLang="de-DE" sz="1800" dirty="0"/>
           </a:p>
         </p:txBody>
       </p:sp>
@@ -12751,10 +14414,9 @@
           <a:p>
             <a:pPr marL="92075" algn="l"/>
             <a:r>
-              <a:rPr lang="de-DE" altLang="de-DE" sz="1800" dirty="0" smtClean="0"/>
+              <a:rPr lang="de-DE" altLang="de-DE" sz="1800" dirty="0"/>
               <a:t>Einsatz in der IT-Umgebung der Deutschen Bahn AG</a:t>
             </a:r>
-            <a:endParaRPr lang="de-DE" altLang="de-DE" sz="1800" dirty="0"/>
           </a:p>
         </p:txBody>
       </p:sp>
@@ -12793,10 +14455,9 @@
           <a:p>
             <a:pPr marL="92075" algn="l"/>
             <a:r>
-              <a:rPr lang="de-DE" altLang="de-DE" sz="1800" dirty="0" smtClean="0"/>
+              <a:rPr lang="de-DE" altLang="de-DE" sz="1800" dirty="0"/>
               <a:t>Daten sollen sicherheitstechnisch geschützt abgelegt und abrufbar sein </a:t>
             </a:r>
-            <a:endParaRPr lang="de-DE" altLang="de-DE" sz="1800" dirty="0"/>
           </a:p>
         </p:txBody>
       </p:sp>
@@ -12859,21 +14520,8 @@
                   <a:schemeClr val="bg1"/>
                 </a:solidFill>
               </a:rPr>
-              <a:t>6</a:t>
-            </a:r>
-            <a:r>
-              <a:rPr lang="de-DE" altLang="de-DE" sz="1800" b="1" dirty="0" smtClean="0">
-                <a:solidFill>
-                  <a:schemeClr val="bg1"/>
-                </a:solidFill>
-              </a:rPr>
-              <a:t>.</a:t>
-            </a:r>
-            <a:endParaRPr lang="de-DE" altLang="de-DE" sz="1800" b="1" dirty="0">
-              <a:solidFill>
-                <a:schemeClr val="bg1"/>
-              </a:solidFill>
-            </a:endParaRPr>
+              <a:t>6.</a:t>
+            </a:r>
           </a:p>
         </p:txBody>
       </p:sp>
@@ -12912,10 +14560,9 @@
           <a:p>
             <a:pPr marL="92075" algn="l"/>
             <a:r>
-              <a:rPr lang="de-DE" altLang="de-DE" sz="1800" dirty="0" smtClean="0"/>
+              <a:rPr lang="de-DE" altLang="de-DE" sz="1800" dirty="0"/>
               <a:t>optional: Geodaten der DB Netz AG verarbeiten</a:t>
             </a:r>
-            <a:endParaRPr lang="de-DE" altLang="de-DE" sz="1800" dirty="0"/>
           </a:p>
         </p:txBody>
       </p:sp>
@@ -12933,13 +14580,6 @@
     <a:masterClrMapping/>
   </p:clrMapOvr>
   <p:transition/>
-  <p:timing>
-    <p:tnLst>
-      <p:par>
-        <p:cTn id="1" dur="indefinite" restart="never" nodeType="tmRoot"/>
-      </p:par>
-    </p:tnLst>
-  </p:timing>
 </p:sld>
 </file>
 
@@ -12976,10 +14616,9 @@
           <a:lstStyle/>
           <a:p>
             <a:r>
-              <a:rPr lang="de-DE" dirty="0" smtClean="0"/>
+              <a:rPr lang="de-DE" dirty="0"/>
               <a:t>Auswahl des Fundamentes</a:t>
             </a:r>
-            <a:endParaRPr lang="de-DE" dirty="0"/>
           </a:p>
         </p:txBody>
       </p:sp>
@@ -12999,7 +14638,7 @@
           <a:lstStyle/>
           <a:p>
             <a:r>
-              <a:rPr lang="de-DE" altLang="de-DE" smtClean="0"/>
+              <a:rPr lang="de-DE" altLang="de-DE"/>
               <a:t>DB Kommunikationstechnik GmbH | John Nitzsche | I.CPR-O-DRE | 25.09.2017</a:t>
             </a:r>
             <a:endParaRPr lang="de-DE" altLang="de-DE" dirty="0"/>
@@ -13072,7 +14711,7 @@
                 <a:buNone/>
                 <a:tabLst/>
               </a:pPr>
-              <a:endParaRPr kumimoji="0" lang="de-DE" sz="1600" b="0" i="0" u="none" strike="noStrike" cap="none" normalizeH="0" baseline="0" dirty="0" err="1" smtClean="0">
+              <a:endParaRPr kumimoji="0" lang="de-DE" sz="1600" b="0" i="0" u="none" strike="noStrike" cap="none" normalizeH="0" baseline="0" dirty="0" err="1">
                 <a:ln>
                   <a:noFill/>
                 </a:ln>
@@ -13137,7 +14776,7 @@
                 <a:buNone/>
                 <a:tabLst/>
               </a:pPr>
-              <a:endParaRPr kumimoji="0" lang="de-DE" sz="1600" b="0" i="0" u="none" strike="noStrike" cap="none" normalizeH="0" baseline="0" dirty="0" err="1" smtClean="0">
+              <a:endParaRPr kumimoji="0" lang="de-DE" sz="1600" b="0" i="0" u="none" strike="noStrike" cap="none" normalizeH="0" baseline="0" dirty="0" err="1">
                 <a:ln>
                   <a:noFill/>
                 </a:ln>
@@ -13202,7 +14841,7 @@
                 <a:buNone/>
                 <a:tabLst/>
               </a:pPr>
-              <a:endParaRPr kumimoji="0" lang="de-DE" sz="1600" b="0" i="0" u="none" strike="noStrike" cap="none" normalizeH="0" baseline="0" dirty="0" err="1" smtClean="0">
+              <a:endParaRPr kumimoji="0" lang="de-DE" sz="1600" b="0" i="0" u="none" strike="noStrike" cap="none" normalizeH="0" baseline="0" dirty="0" err="1">
                 <a:ln>
                   <a:noFill/>
                 </a:ln>
@@ -13267,7 +14906,7 @@
                 <a:buNone/>
                 <a:tabLst/>
               </a:pPr>
-              <a:endParaRPr kumimoji="0" lang="de-DE" sz="1600" b="0" i="0" u="none" strike="noStrike" cap="none" normalizeH="0" baseline="0" dirty="0" err="1" smtClean="0">
+              <a:endParaRPr kumimoji="0" lang="de-DE" sz="1600" b="0" i="0" u="none" strike="noStrike" cap="none" normalizeH="0" baseline="0" dirty="0" err="1">
                 <a:ln>
                   <a:noFill/>
                 </a:ln>
@@ -14055,7 +15694,7 @@
                 <a:buChar char="•"/>
               </a:pPr>
               <a:r>
-                <a:rPr lang="de-DE" altLang="de-DE" sz="1400" dirty="0" smtClean="0"/>
+                <a:rPr lang="de-DE" altLang="de-DE" sz="1400" dirty="0"/>
                 <a:t>keine Zusatzsoftware beim Benutzer notwendig</a:t>
               </a:r>
             </a:p>
@@ -14065,7 +15704,7 @@
                 <a:buChar char="•"/>
               </a:pPr>
               <a:r>
-                <a:rPr lang="de-DE" altLang="de-DE" sz="1400" dirty="0" smtClean="0"/>
+                <a:rPr lang="de-DE" altLang="de-DE" sz="1400" dirty="0"/>
                 <a:t>übersichtlichere Oberfläche möglich</a:t>
               </a:r>
             </a:p>
@@ -14075,7 +15714,7 @@
                 <a:buChar char="•"/>
               </a:pPr>
               <a:r>
-                <a:rPr lang="de-DE" altLang="de-DE" sz="1400" dirty="0" smtClean="0"/>
+                <a:rPr lang="de-DE" altLang="de-DE" sz="1400" dirty="0"/>
                 <a:t>plattformunabhängig</a:t>
               </a:r>
             </a:p>
@@ -14085,10 +15724,9 @@
                 <a:buChar char="•"/>
               </a:pPr>
               <a:r>
-                <a:rPr lang="de-DE" altLang="de-DE" sz="1400" dirty="0" smtClean="0"/>
+                <a:rPr lang="de-DE" altLang="de-DE" sz="1400" dirty="0"/>
                 <a:t>einfachere Umsetzung</a:t>
               </a:r>
-              <a:endParaRPr lang="de-DE" altLang="de-DE" sz="1400" dirty="0"/>
             </a:p>
           </p:txBody>
         </p:sp>
@@ -14486,18 +16124,13 @@
             </a:lstStyle>
             <a:p>
               <a:r>
-                <a:rPr lang="de-DE" altLang="de-DE" sz="1800" b="1" dirty="0" smtClean="0">
+                <a:rPr lang="de-DE" altLang="de-DE" sz="1800" b="1" dirty="0">
                   <a:solidFill>
                     <a:schemeClr val="bg1"/>
                   </a:solidFill>
                 </a:rPr>
                 <a:t>native Desktop-Anwendungen</a:t>
               </a:r>
-              <a:endParaRPr lang="de-DE" altLang="de-DE" sz="1800" b="1" dirty="0">
-                <a:solidFill>
-                  <a:schemeClr val="bg1"/>
-                </a:solidFill>
-              </a:endParaRPr>
             </a:p>
           </p:txBody>
         </p:sp>
@@ -14685,18 +16318,13 @@
             </a:lstStyle>
             <a:p>
               <a:r>
-                <a:rPr lang="de-DE" altLang="de-DE" sz="1800" b="1" dirty="0" smtClean="0">
+                <a:rPr lang="de-DE" altLang="de-DE" sz="1800" b="1" dirty="0">
                   <a:solidFill>
                     <a:schemeClr val="bg1"/>
                   </a:solidFill>
                 </a:rPr>
                 <a:t>webbasierte Anwendungen</a:t>
               </a:r>
-              <a:endParaRPr lang="de-DE" altLang="de-DE" sz="1800" b="1" dirty="0">
-                <a:solidFill>
-                  <a:schemeClr val="bg1"/>
-                </a:solidFill>
-              </a:endParaRPr>
             </a:p>
           </p:txBody>
         </p:sp>
@@ -14893,10 +16521,9 @@
                 <a:buChar char="•"/>
               </a:pPr>
               <a:r>
-                <a:rPr lang="de-DE" altLang="de-DE" sz="1400" dirty="0" smtClean="0"/>
+                <a:rPr lang="de-DE" altLang="de-DE" sz="1400" dirty="0"/>
                 <a:t>hohe Performance</a:t>
               </a:r>
-              <a:endParaRPr lang="de-DE" altLang="de-DE" sz="1400" dirty="0"/>
             </a:p>
           </p:txBody>
         </p:sp>
@@ -15093,7 +16720,7 @@
                 <a:buChar char="•"/>
               </a:pPr>
               <a:r>
-                <a:rPr lang="de-DE" altLang="de-DE" sz="1400" dirty="0" smtClean="0"/>
+                <a:rPr lang="de-DE" altLang="de-DE" sz="1400" dirty="0"/>
                 <a:t>keine Plattformunabhängigkeit</a:t>
               </a:r>
             </a:p>
@@ -15103,7 +16730,7 @@
                 <a:buChar char="•"/>
               </a:pPr>
               <a:r>
-                <a:rPr lang="de-DE" altLang="de-DE" sz="1400" dirty="0" smtClean="0"/>
+                <a:rPr lang="de-DE" altLang="de-DE" sz="1400" dirty="0"/>
                 <a:t>hoher Programmieraufwand</a:t>
               </a:r>
             </a:p>
@@ -15113,14 +16740,14 @@
                 <a:buChar char="•"/>
               </a:pPr>
               <a:r>
-                <a:rPr lang="de-DE" altLang="de-DE" sz="1400" dirty="0" smtClean="0"/>
+                <a:rPr lang="de-DE" altLang="de-DE" sz="1400" dirty="0"/>
                 <a:t>hoher Verwaltungsaufwand innerhalb des</a:t>
               </a:r>
               <a:br>
-                <a:rPr lang="de-DE" altLang="de-DE" sz="1400" dirty="0" smtClean="0"/>
+                <a:rPr lang="de-DE" altLang="de-DE" sz="1400" dirty="0"/>
               </a:br>
               <a:r>
-                <a:rPr lang="de-DE" altLang="de-DE" sz="1400" dirty="0" smtClean="0"/>
+                <a:rPr lang="de-DE" altLang="de-DE" sz="1400" dirty="0"/>
                 <a:t>DB-Konzerns</a:t>
               </a:r>
             </a:p>
@@ -15130,10 +16757,9 @@
                 <a:buChar char="•"/>
               </a:pPr>
               <a:r>
-                <a:rPr lang="de-DE" altLang="de-DE" sz="1400" dirty="0" smtClean="0"/>
+                <a:rPr lang="de-DE" altLang="de-DE" sz="1400" dirty="0"/>
                 <a:t>zusätzliche Infrastruktur für die zentrale Speicherung von Daten notwendig</a:t>
               </a:r>
-              <a:endParaRPr lang="de-DE" altLang="de-DE" sz="1400" dirty="0"/>
             </a:p>
           </p:txBody>
         </p:sp>
@@ -15330,7 +16956,7 @@
                 <a:buChar char="•"/>
               </a:pPr>
               <a:r>
-                <a:rPr lang="de-DE" altLang="de-DE" sz="1400" dirty="0" smtClean="0"/>
+                <a:rPr lang="de-DE" altLang="de-DE" sz="1400" dirty="0"/>
                 <a:t>unter Umständen hoher Ressourcenverbrauch</a:t>
               </a:r>
             </a:p>
@@ -15340,7 +16966,7 @@
                 <a:buChar char="•"/>
               </a:pPr>
               <a:r>
-                <a:rPr lang="de-DE" altLang="de-DE" sz="1400" dirty="0" smtClean="0"/>
+                <a:rPr lang="de-DE" altLang="de-DE" sz="1400" dirty="0"/>
                 <a:t>schlechte Performance</a:t>
               </a:r>
             </a:p>
@@ -15350,10 +16976,9 @@
                 <a:buChar char="•"/>
               </a:pPr>
               <a:r>
-                <a:rPr lang="de-DE" altLang="de-DE" sz="1400" dirty="0" smtClean="0"/>
+                <a:rPr lang="de-DE" altLang="de-DE" sz="1400" dirty="0"/>
                 <a:t>zusätzliche Lösung zur Anzeige von Details notwendig</a:t>
               </a:r>
-              <a:endParaRPr lang="de-DE" altLang="de-DE" sz="1400" dirty="0"/>
             </a:p>
           </p:txBody>
         </p:sp>
@@ -15397,13 +17022,6 @@
     <a:masterClrMapping/>
   </p:clrMapOvr>
   <p:transition/>
-  <p:timing>
-    <p:tnLst>
-      <p:par>
-        <p:cTn id="1" dur="indefinite" restart="never" nodeType="tmRoot"/>
-      </p:par>
-    </p:tnLst>
-  </p:timing>
 </p:sld>
 </file>
 
@@ -15440,10 +17058,9 @@
           <a:lstStyle/>
           <a:p>
             <a:r>
-              <a:rPr lang="de-DE" dirty="0" smtClean="0"/>
+              <a:rPr lang="de-DE" dirty="0"/>
               <a:t>Auswahl der Softwareprodukte und Onlinedienste</a:t>
             </a:r>
-            <a:endParaRPr lang="de-DE" dirty="0"/>
           </a:p>
         </p:txBody>
       </p:sp>
@@ -15463,7 +17080,7 @@
           <a:lstStyle/>
           <a:p>
             <a:r>
-              <a:rPr lang="de-DE" altLang="de-DE" smtClean="0"/>
+              <a:rPr lang="de-DE" altLang="de-DE"/>
               <a:t>DB Kommunikationstechnik GmbH | John Nitzsche | I.CPR-O-DRE | 25.09.2017</a:t>
             </a:r>
             <a:endParaRPr lang="de-DE" altLang="de-DE" dirty="0"/>
@@ -15742,18 +17359,13 @@
           <a:lstStyle/>
           <a:p>
             <a:r>
-              <a:rPr lang="de-DE" sz="1400" dirty="0" smtClean="0">
+              <a:rPr lang="de-DE" sz="1400" dirty="0">
                 <a:latin typeface="Segoe UI" panose="020B0502040204020203" pitchFamily="34" charset="0"/>
                 <a:ea typeface="Segoe UI" panose="020B0502040204020203" pitchFamily="34" charset="0"/>
                 <a:cs typeface="Segoe UI" panose="020B0502040204020203" pitchFamily="34" charset="0"/>
               </a:rPr>
               <a:t>OpenStreetMap</a:t>
             </a:r>
-            <a:endParaRPr lang="de-DE" sz="1400" dirty="0" smtClean="0">
-              <a:latin typeface="Segoe UI" panose="020B0502040204020203" pitchFamily="34" charset="0"/>
-              <a:ea typeface="Segoe UI" panose="020B0502040204020203" pitchFamily="34" charset="0"/>
-              <a:cs typeface="Segoe UI" panose="020B0502040204020203" pitchFamily="34" charset="0"/>
-            </a:endParaRPr>
           </a:p>
         </p:txBody>
       </p:sp>
@@ -15808,13 +17420,6 @@
   <p:clrMapOvr>
     <a:masterClrMapping/>
   </p:clrMapOvr>
-  <p:timing>
-    <p:tnLst>
-      <p:par>
-        <p:cTn id="1" dur="indefinite" restart="never" nodeType="tmRoot"/>
-      </p:par>
-    </p:tnLst>
-  </p:timing>
 </p:sld>
 </file>
 
@@ -15851,10 +17456,9 @@
           <a:lstStyle/>
           <a:p>
             <a:r>
-              <a:rPr lang="de-DE" dirty="0" smtClean="0"/>
+              <a:rPr lang="de-DE" dirty="0"/>
               <a:t>Demoinstallation mit Zugangsdaten</a:t>
             </a:r>
-            <a:endParaRPr lang="de-DE" dirty="0"/>
           </a:p>
         </p:txBody>
       </p:sp>
@@ -15878,86 +17482,77 @@
           <a:p>
             <a:pPr algn="ctr"/>
             <a:r>
-              <a:rPr lang="de-DE" sz="3200" dirty="0" smtClean="0">
+              <a:rPr lang="de-DE" sz="3200" dirty="0">
                 <a:hlinkClick r:id="rId4"/>
               </a:rPr>
               <a:t>http://maps.wlanowski.de</a:t>
             </a:r>
-            <a:endParaRPr lang="de-DE" sz="3200" dirty="0" smtClean="0"/>
-          </a:p>
-          <a:p>
-            <a:endParaRPr lang="de-DE" b="1" dirty="0" smtClean="0"/>
-          </a:p>
-          <a:p>
-            <a:endParaRPr lang="de-DE" b="1" dirty="0" smtClean="0"/>
-          </a:p>
-          <a:p>
-            <a:r>
-              <a:rPr lang="de-DE" b="1" dirty="0" smtClean="0"/>
+            <a:endParaRPr lang="de-DE" sz="3200" dirty="0"/>
+          </a:p>
+          <a:p>
+            <a:endParaRPr lang="de-DE" b="1" dirty="0"/>
+          </a:p>
+          <a:p>
+            <a:endParaRPr lang="de-DE" b="1" dirty="0"/>
+          </a:p>
+          <a:p>
+            <a:r>
+              <a:rPr lang="de-DE" b="1" dirty="0"/>
               <a:t>Anmeldedaten:</a:t>
             </a:r>
           </a:p>
           <a:p>
             <a:r>
-              <a:rPr lang="de-DE" dirty="0" smtClean="0"/>
+              <a:rPr lang="de-DE" dirty="0"/>
               <a:t>	Benutzername:	</a:t>
             </a:r>
             <a:r>
-              <a:rPr lang="de-DE" dirty="0" err="1" smtClean="0"/>
+              <a:rPr lang="de-DE" dirty="0" err="1"/>
               <a:t>max.muster</a:t>
             </a:r>
-            <a:endParaRPr lang="de-DE" dirty="0" smtClean="0"/>
+            <a:endParaRPr lang="de-DE" dirty="0"/>
           </a:p>
           <a:p>
             <a:r>
               <a:rPr lang="de-DE" dirty="0"/>
-              <a:t>	P</a:t>
-            </a:r>
-            <a:r>
-              <a:rPr lang="de-DE" dirty="0" smtClean="0"/>
-              <a:t>asswort:		</a:t>
-            </a:r>
-            <a:r>
-              <a:rPr lang="de-DE" dirty="0" err="1" smtClean="0"/>
+              <a:t>	Passwort:		</a:t>
+            </a:r>
+            <a:r>
+              <a:rPr lang="de-DE" dirty="0" err="1"/>
               <a:t>qay</a:t>
             </a:r>
-            <a:endParaRPr lang="de-DE" dirty="0" smtClean="0"/>
-          </a:p>
-          <a:p>
-            <a:endParaRPr lang="de-DE" dirty="0" smtClean="0"/>
-          </a:p>
-          <a:p>
-            <a:endParaRPr lang="de-DE" dirty="0" smtClean="0"/>
-          </a:p>
-          <a:p>
-            <a:r>
-              <a:rPr lang="de-DE" b="1" dirty="0" smtClean="0"/>
+            <a:endParaRPr lang="de-DE" dirty="0"/>
+          </a:p>
+          <a:p>
+            <a:endParaRPr lang="de-DE" dirty="0"/>
+          </a:p>
+          <a:p>
+            <a:endParaRPr lang="de-DE" dirty="0"/>
+          </a:p>
+          <a:p>
+            <a:r>
+              <a:rPr lang="de-DE" b="1" dirty="0"/>
               <a:t>Anmeldedaten (Vollzugriff):</a:t>
             </a:r>
-            <a:endParaRPr lang="de-DE" b="1" dirty="0"/>
-          </a:p>
-          <a:p>
-            <a:r>
-              <a:rPr lang="de-DE" dirty="0" smtClean="0"/>
+          </a:p>
+          <a:p>
+            <a:r>
+              <a:rPr lang="de-DE" dirty="0"/>
               <a:t>	Benutzername:	</a:t>
             </a:r>
             <a:r>
-              <a:rPr lang="de-DE" dirty="0" err="1" smtClean="0"/>
+              <a:rPr lang="de-DE" dirty="0" err="1"/>
               <a:t>john.nitzsche</a:t>
             </a:r>
-            <a:endParaRPr lang="de-DE" dirty="0" smtClean="0"/>
+            <a:endParaRPr lang="de-DE" dirty="0"/>
           </a:p>
           <a:p>
             <a:r>
               <a:rPr lang="de-DE" dirty="0"/>
-              <a:t>	</a:t>
-            </a:r>
-            <a:r>
-              <a:rPr lang="de-DE" dirty="0" smtClean="0"/>
-              <a:t>Passwort:		</a:t>
-            </a:r>
-            <a:r>
-              <a:rPr lang="de-DE" dirty="0" err="1" smtClean="0"/>
+              <a:t>	Passwort:		</a:t>
+            </a:r>
+            <a:r>
+              <a:rPr lang="de-DE" dirty="0" err="1"/>
               <a:t>qay</a:t>
             </a:r>
             <a:endParaRPr lang="de-DE" dirty="0"/>
@@ -15980,7 +17575,7 @@
           <a:lstStyle/>
           <a:p>
             <a:r>
-              <a:rPr lang="de-DE" altLang="de-DE" smtClean="0"/>
+              <a:rPr lang="de-DE" altLang="de-DE"/>
               <a:t>DB Kommunikationstechnik GmbH | John Nitzsche | I.CPR-O-DRE | 25.09.2017</a:t>
             </a:r>
             <a:endParaRPr lang="de-DE" altLang="de-DE" dirty="0"/>
@@ -16067,13 +17662,6 @@
     <a:masterClrMapping/>
   </p:clrMapOvr>
   <p:transition/>
-  <p:timing>
-    <p:tnLst>
-      <p:par>
-        <p:cTn id="1" dur="indefinite" restart="never" nodeType="tmRoot"/>
-      </p:par>
-    </p:tnLst>
-  </p:timing>
 </p:sld>
 </file>
 
@@ -16113,6 +17701,42 @@
           </a:p>
         </p:txBody>
       </p:sp>
+      <p:pic>
+        <p:nvPicPr>
+          <p:cNvPr id="5" name="Grafik 4">
+            <a:extLst>
+              <a:ext uri="{FF2B5EF4-FFF2-40B4-BE49-F238E27FC236}">
+                <a16:creationId xmlns:a16="http://schemas.microsoft.com/office/drawing/2014/main" id="{E3415307-B031-4C24-9127-DE6F0E9BD768}"/>
+              </a:ext>
+            </a:extLst>
+          </p:cNvPr>
+          <p:cNvPicPr>
+            <a:picLocks noChangeAspect="1"/>
+          </p:cNvPicPr>
+          <p:nvPr/>
+        </p:nvPicPr>
+        <p:blipFill>
+          <a:blip r:embed="rId3">
+            <a:extLst>
+              <a:ext uri="{28A0092B-C50C-407E-A947-70E740481C1C}">
+                <a14:useLocalDpi xmlns:a14="http://schemas.microsoft.com/office/drawing/2010/main" val="0"/>
+              </a:ext>
+            </a:extLst>
+          </a:blip>
+          <a:stretch>
+            <a:fillRect/>
+          </a:stretch>
+        </p:blipFill>
+        <p:spPr>
+          <a:xfrm>
+            <a:off x="-619" y="692620"/>
+            <a:ext cx="9901238" cy="4886658"/>
+          </a:xfrm>
+          <a:prstGeom prst="rect">
+            <a:avLst/>
+          </a:prstGeom>
+        </p:spPr>
+      </p:pic>
       <p:sp>
         <p:nvSpPr>
           <p:cNvPr id="4" name="Textfeld 3"/>
@@ -16127,9 +17751,7 @@
           <a:prstGeom prst="rect">
             <a:avLst/>
           </a:prstGeom>
-          <a:solidFill>
-            <a:schemeClr val="accent2"/>
-          </a:solidFill>
+          <a:noFill/>
           <a:ln>
             <a:noFill/>
           </a:ln>
@@ -16258,13 +17880,27 @@
             </a:lvl9pPr>
           </a:lstStyle>
           <a:p>
-            <a:r>
-              <a:rPr lang="de-DE" dirty="0"/>
+            <a:pPr algn="r"/>
+            <a:r>
+              <a:rPr lang="de-DE" dirty="0">
+                <a:solidFill>
+                  <a:schemeClr val="bg2">
+                    <a:lumMod val="50000"/>
+                  </a:schemeClr>
+                </a:solidFill>
+              </a:rPr>
               <a:t>Vielen Dank für Ihre Aufmerksamkeit</a:t>
             </a:r>
           </a:p>
           <a:p>
-            <a:endParaRPr lang="de-DE" dirty="0" err="1"/>
+            <a:pPr algn="r"/>
+            <a:endParaRPr lang="de-DE" dirty="0" err="1">
+              <a:solidFill>
+                <a:schemeClr val="bg2">
+                  <a:lumMod val="50000"/>
+                </a:schemeClr>
+              </a:solidFill>
+            </a:endParaRPr>
           </a:p>
         </p:txBody>
       </p:sp>
@@ -16281,13 +17917,116 @@
   <p:clrMapOvr>
     <a:masterClrMapping/>
   </p:clrMapOvr>
-  <p:timing>
-    <p:tnLst>
-      <p:par>
-        <p:cTn id="1" dur="indefinite" restart="never" nodeType="tmRoot"/>
-      </p:par>
-    </p:tnLst>
-  </p:timing>
+</p:sld>
+</file>
+
+<file path=ppt/slides/slide8.xml><?xml version="1.0" encoding="utf-8"?>
+<p:sld xmlns:a="http://schemas.openxmlformats.org/drawingml/2006/main" xmlns:r="http://schemas.openxmlformats.org/officeDocument/2006/relationships" xmlns:p="http://schemas.openxmlformats.org/presentationml/2006/main">
+  <p:cSld>
+    <p:spTree>
+      <p:nvGrpSpPr>
+        <p:cNvPr id="1" name=""/>
+        <p:cNvGrpSpPr/>
+        <p:nvPr/>
+      </p:nvGrpSpPr>
+      <p:grpSpPr>
+        <a:xfrm>
+          <a:off x="0" y="0"/>
+          <a:ext cx="0" cy="0"/>
+          <a:chOff x="0" y="0"/>
+          <a:chExt cx="0" cy="0"/>
+        </a:xfrm>
+      </p:grpSpPr>
+      <p:sp>
+        <p:nvSpPr>
+          <p:cNvPr id="3" name="Textplatzhalter 2">
+            <a:extLst>
+              <a:ext uri="{FF2B5EF4-FFF2-40B4-BE49-F238E27FC236}">
+                <a16:creationId xmlns:a16="http://schemas.microsoft.com/office/drawing/2014/main" id="{AD9A979D-99C5-45C2-81EB-CB4FA1A69C56}"/>
+              </a:ext>
+            </a:extLst>
+          </p:cNvPr>
+          <p:cNvSpPr>
+            <a:spLocks noGrp="1"/>
+          </p:cNvSpPr>
+          <p:nvPr>
+            <p:ph type="body" sz="quarter" idx="11"/>
+          </p:nvPr>
+        </p:nvSpPr>
+        <p:spPr/>
+        <p:txBody>
+          <a:bodyPr/>
+          <a:lstStyle/>
+          <a:p>
+            <a:endParaRPr lang="de-DE" dirty="0"/>
+          </a:p>
+        </p:txBody>
+      </p:sp>
+    </p:spTree>
+    <p:extLst>
+      <p:ext uri="{BB962C8B-B14F-4D97-AF65-F5344CB8AC3E}">
+        <p14:creationId xmlns:p14="http://schemas.microsoft.com/office/powerpoint/2010/main" val="1324840766"/>
+      </p:ext>
+    </p:extLst>
+  </p:cSld>
+  <p:clrMapOvr>
+    <a:masterClrMapping/>
+  </p:clrMapOvr>
+</p:sld>
+</file>
+
+<file path=ppt/slides/slide9.xml><?xml version="1.0" encoding="utf-8"?>
+<p:sld xmlns:a="http://schemas.openxmlformats.org/drawingml/2006/main" xmlns:r="http://schemas.openxmlformats.org/officeDocument/2006/relationships" xmlns:p="http://schemas.openxmlformats.org/presentationml/2006/main">
+  <p:cSld>
+    <p:spTree>
+      <p:nvGrpSpPr>
+        <p:cNvPr id="1" name=""/>
+        <p:cNvGrpSpPr/>
+        <p:nvPr/>
+      </p:nvGrpSpPr>
+      <p:grpSpPr>
+        <a:xfrm>
+          <a:off x="0" y="0"/>
+          <a:ext cx="0" cy="0"/>
+          <a:chOff x="0" y="0"/>
+          <a:chExt cx="0" cy="0"/>
+        </a:xfrm>
+      </p:grpSpPr>
+      <p:sp>
+        <p:nvSpPr>
+          <p:cNvPr id="3" name="Textplatzhalter 2">
+            <a:extLst>
+              <a:ext uri="{FF2B5EF4-FFF2-40B4-BE49-F238E27FC236}">
+                <a16:creationId xmlns:a16="http://schemas.microsoft.com/office/drawing/2014/main" id="{AD9A979D-99C5-45C2-81EB-CB4FA1A69C56}"/>
+              </a:ext>
+            </a:extLst>
+          </p:cNvPr>
+          <p:cNvSpPr>
+            <a:spLocks noGrp="1"/>
+          </p:cNvSpPr>
+          <p:nvPr>
+            <p:ph type="body" sz="quarter" idx="11"/>
+          </p:nvPr>
+        </p:nvSpPr>
+        <p:spPr/>
+        <p:txBody>
+          <a:bodyPr/>
+          <a:lstStyle/>
+          <a:p>
+            <a:endParaRPr lang="de-DE" dirty="0"/>
+          </a:p>
+        </p:txBody>
+      </p:sp>
+    </p:spTree>
+    <p:extLst>
+      <p:ext uri="{BB962C8B-B14F-4D97-AF65-F5344CB8AC3E}">
+        <p14:creationId xmlns:p14="http://schemas.microsoft.com/office/powerpoint/2010/main" val="2542449832"/>
+      </p:ext>
+    </p:extLst>
+  </p:cSld>
+  <p:clrMapOvr>
+    <a:masterClrMapping/>
+  </p:clrMapOvr>
 </p:sld>
 </file>
 
